--- a/FinalPresentation.pptx
+++ b/FinalPresentation.pptx
@@ -6561,8 +6561,13 @@
           <a:p>
             <a:r>
               <a:rPr lang="en-US" sz="3600" dirty="0" smtClean="0"/>
-              <a:t>Joe – World Management / Drawing objects &amp; Walls</a:t>
-            </a:r>
+              <a:t>Joe – World Management / Drawing </a:t>
+            </a:r>
+            <a:r>
+              <a:rPr lang="en-US" sz="3600" dirty="0" smtClean="0"/>
+              <a:t>objects, Walls, &amp; Collision Detection</a:t>
+            </a:r>
+            <a:endParaRPr lang="en-US" sz="3600" dirty="0" smtClean="0"/>
           </a:p>
           <a:p>
             <a:r>
@@ -6690,6 +6695,42 @@
           </a:prstGeom>
         </p:spPr>
       </p:pic>
+      <p:sp>
+        <p:nvSpPr>
+          <p:cNvPr id="3" name="TextBox 2"/>
+          <p:cNvSpPr txBox="1"/>
+          <p:nvPr/>
+        </p:nvSpPr>
+        <p:spPr>
+          <a:xfrm>
+            <a:off x="0" y="1104900"/>
+            <a:ext cx="2273300" cy="1569660"/>
+          </a:xfrm>
+          <a:prstGeom prst="rect">
+            <a:avLst/>
+          </a:prstGeom>
+          <a:noFill/>
+        </p:spPr>
+        <p:txBody>
+          <a:bodyPr wrap="square" rtlCol="0">
+            <a:spAutoFit/>
+          </a:bodyPr>
+          <a:lstStyle/>
+          <a:p>
+            <a:r>
+              <a:rPr lang="en-US" sz="3200" dirty="0" smtClean="0"/>
+              <a:t>Arrows </a:t>
+            </a:r>
+          </a:p>
+          <a:p>
+            <a:r>
+              <a:rPr lang="en-US" sz="3200" dirty="0" smtClean="0"/>
+              <a:t>Show Inheritance</a:t>
+            </a:r>
+            <a:endParaRPr lang="en-US" sz="3200" dirty="0"/>
+          </a:p>
+        </p:txBody>
+      </p:sp>
     </p:spTree>
     <p:extLst>
       <p:ext uri="{BB962C8B-B14F-4D97-AF65-F5344CB8AC3E}">

--- a/FinalPresentation.pptx
+++ b/FinalPresentation.pptx
@@ -7048,7 +7048,7 @@
           <a:p>
             <a:r>
               <a:rPr lang="en-US" dirty="0" smtClean="0"/>
-              <a:t>Obstacles</a:t>
+              <a:t>Set-backs</a:t>
             </a:r>
             <a:endParaRPr lang="en-US" dirty="0"/>
           </a:p>
@@ -7064,68 +7064,75 @@
             <p:ph idx="1"/>
           </p:nvPr>
         </p:nvSpPr>
-        <p:spPr/>
-        <p:txBody>
-          <a:bodyPr/>
-          <a:lstStyle/>
-          <a:p>
-            <a:r>
-              <a:rPr lang="en-US" dirty="0" smtClean="0"/>
+        <p:spPr>
+          <a:xfrm>
+            <a:off x="677334" y="1930400"/>
+            <a:ext cx="10536766" cy="3880773"/>
+          </a:xfrm>
+        </p:spPr>
+        <p:txBody>
+          <a:bodyPr>
+            <a:normAutofit/>
+          </a:bodyPr>
+          <a:lstStyle/>
+          <a:p>
+            <a:r>
+              <a:rPr lang="en-US" sz="2400" dirty="0" smtClean="0"/>
               <a:t>Collision Detection</a:t>
             </a:r>
           </a:p>
           <a:p>
             <a:r>
-              <a:rPr lang="en-US" dirty="0" err="1" smtClean="0"/>
+              <a:rPr lang="en-US" sz="2400" dirty="0" err="1" smtClean="0"/>
               <a:t>ReadFile</a:t>
             </a:r>
             <a:r>
-              <a:rPr lang="en-US" dirty="0"/>
+              <a:rPr lang="en-US" sz="2400" dirty="0"/>
               <a:t> </a:t>
             </a:r>
             <a:r>
-              <a:rPr lang="en-US" dirty="0" smtClean="0"/>
+              <a:rPr lang="en-US" sz="2400" dirty="0" smtClean="0"/>
               <a:t>not properly opening a file</a:t>
             </a:r>
           </a:p>
           <a:p>
             <a:r>
-              <a:rPr lang="en-US" dirty="0" smtClean="0"/>
+              <a:rPr lang="en-US" sz="2400" dirty="0" smtClean="0"/>
               <a:t>Rotating Images</a:t>
             </a:r>
           </a:p>
           <a:p>
             <a:r>
-              <a:rPr lang="en-US" dirty="0" smtClean="0"/>
+              <a:rPr lang="en-US" sz="2400" dirty="0" smtClean="0"/>
               <a:t>Can’t use custom pointer because it breaks </a:t>
             </a:r>
             <a:r>
-              <a:rPr lang="en-US" dirty="0" err="1" smtClean="0"/>
+              <a:rPr lang="en-US" sz="2400" dirty="0" err="1" smtClean="0"/>
               <a:t>ReadFile</a:t>
             </a:r>
             <a:r>
-              <a:rPr lang="en-US" dirty="0"/>
+              <a:rPr lang="en-US" sz="2400" dirty="0"/>
               <a:t> </a:t>
             </a:r>
             <a:r>
-              <a:rPr lang="en-US" dirty="0" smtClean="0"/>
+              <a:rPr lang="en-US" sz="2400" dirty="0" smtClean="0"/>
               <a:t>(</a:t>
             </a:r>
             <a:r>
-              <a:rPr lang="en-US" dirty="0" err="1" smtClean="0"/>
+              <a:rPr lang="en-US" sz="2400" dirty="0" err="1" smtClean="0"/>
               <a:t>Windows.h</a:t>
             </a:r>
             <a:r>
-              <a:rPr lang="en-US" dirty="0" smtClean="0"/>
+              <a:rPr lang="en-US" sz="2400" dirty="0" smtClean="0"/>
               <a:t>)</a:t>
             </a:r>
           </a:p>
           <a:p>
             <a:r>
-              <a:rPr lang="en-US" dirty="0" smtClean="0"/>
+              <a:rPr lang="en-US" sz="2400" dirty="0" smtClean="0"/>
               <a:t>Can’t return template arrays</a:t>
             </a:r>
-            <a:endParaRPr lang="en-US" dirty="0"/>
+            <a:endParaRPr lang="en-US" sz="2400" dirty="0"/>
           </a:p>
         </p:txBody>
       </p:sp>

--- a/FinalPresentation.pptx
+++ b/FinalPresentation.pptx
@@ -6310,11 +6310,13 @@
         <p:spPr>
           <a:xfrm>
             <a:off x="677334" y="1576389"/>
-            <a:ext cx="8596668" cy="3880773"/>
+            <a:ext cx="8596668" cy="4786311"/>
           </a:xfrm>
         </p:spPr>
         <p:txBody>
-          <a:bodyPr/>
+          <a:bodyPr>
+            <a:normAutofit lnSpcReduction="10000"/>
+          </a:bodyPr>
           <a:lstStyle/>
           <a:p>
             <a:r>
@@ -6337,8 +6339,25 @@
           <a:p>
             <a:r>
               <a:rPr lang="en-US" sz="2800" dirty="0"/>
-              <a:t>D – rotate right</a:t>
-            </a:r>
+              <a:t>D – rotate </a:t>
+            </a:r>
+            <a:r>
+              <a:rPr lang="en-US" sz="2800" dirty="0" smtClean="0"/>
+              <a:t>right</a:t>
+            </a:r>
+          </a:p>
+          <a:p>
+            <a:r>
+              <a:rPr lang="en-US" sz="2800" dirty="0" smtClean="0"/>
+              <a:t>P – pause / un-pause</a:t>
+            </a:r>
+          </a:p>
+          <a:p>
+            <a:r>
+              <a:rPr lang="en-US" sz="2800" dirty="0" smtClean="0"/>
+              <a:t>R - restart</a:t>
+            </a:r>
+            <a:endParaRPr lang="en-US" sz="2800" dirty="0"/>
           </a:p>
           <a:p>
             <a:r>
@@ -6786,7 +6805,7 @@
       </p:sp>
       <p:pic>
         <p:nvPicPr>
-          <p:cNvPr id="5" name="Picture 4"/>
+          <p:cNvPr id="6" name="Picture 5"/>
           <p:cNvPicPr>
             <a:picLocks noChangeAspect="1"/>
           </p:cNvPicPr>
@@ -6794,36 +6813,6 @@
         </p:nvPicPr>
         <p:blipFill>
           <a:blip r:embed="rId2">
-            <a:extLst>
-              <a:ext uri="{28A0092B-C50C-407E-A947-70E740481C1C}">
-                <a14:useLocalDpi xmlns:a14="http://schemas.microsoft.com/office/drawing/2010/main" val="0"/>
-              </a:ext>
-            </a:extLst>
-          </a:blip>
-          <a:stretch>
-            <a:fillRect/>
-          </a:stretch>
-        </p:blipFill>
-        <p:spPr>
-          <a:xfrm>
-            <a:off x="1504972" y="4205224"/>
-            <a:ext cx="1816100" cy="1816100"/>
-          </a:xfrm>
-          <a:prstGeom prst="rect">
-            <a:avLst/>
-          </a:prstGeom>
-        </p:spPr>
-      </p:pic>
-      <p:pic>
-        <p:nvPicPr>
-          <p:cNvPr id="6" name="Picture 5"/>
-          <p:cNvPicPr>
-            <a:picLocks noChangeAspect="1"/>
-          </p:cNvPicPr>
-          <p:nvPr/>
-        </p:nvPicPr>
-        <p:blipFill>
-          <a:blip r:embed="rId3">
             <a:extLst>
               <a:ext uri="{28A0092B-C50C-407E-A947-70E740481C1C}">
                 <a14:useLocalDpi xmlns:a14="http://schemas.microsoft.com/office/drawing/2010/main" val="0"/>
@@ -6853,7 +6842,7 @@
           <p:nvPr/>
         </p:nvPicPr>
         <p:blipFill>
-          <a:blip r:embed="rId4">
+          <a:blip r:embed="rId3">
             <a:extLst>
               <a:ext uri="{28A0092B-C50C-407E-A947-70E740481C1C}">
                 <a14:useLocalDpi xmlns:a14="http://schemas.microsoft.com/office/drawing/2010/main" val="0"/>
@@ -6883,7 +6872,7 @@
           <p:nvPr/>
         </p:nvPicPr>
         <p:blipFill>
-          <a:blip r:embed="rId5">
+          <a:blip r:embed="rId4">
             <a:extLst>
               <a:ext uri="{28A0092B-C50C-407E-A947-70E740481C1C}">
                 <a14:useLocalDpi xmlns:a14="http://schemas.microsoft.com/office/drawing/2010/main" val="0"/>
@@ -6913,7 +6902,7 @@
           <p:nvPr/>
         </p:nvPicPr>
         <p:blipFill>
-          <a:blip r:embed="rId6">
+          <a:blip r:embed="rId5">
             <a:extLst>
               <a:ext uri="{28A0092B-C50C-407E-A947-70E740481C1C}">
                 <a14:useLocalDpi xmlns:a14="http://schemas.microsoft.com/office/drawing/2010/main" val="0"/>
@@ -6936,7 +6925,37 @@
       </p:pic>
       <p:pic>
         <p:nvPicPr>
-          <p:cNvPr id="11" name="Picture 10"/>
+          <p:cNvPr id="13" name="Picture 12"/>
+          <p:cNvPicPr>
+            <a:picLocks noChangeAspect="1"/>
+          </p:cNvPicPr>
+          <p:nvPr/>
+        </p:nvPicPr>
+        <p:blipFill>
+          <a:blip r:embed="rId6">
+            <a:extLst>
+              <a:ext uri="{28A0092B-C50C-407E-A947-70E740481C1C}">
+                <a14:useLocalDpi xmlns:a14="http://schemas.microsoft.com/office/drawing/2010/main" val="0"/>
+              </a:ext>
+            </a:extLst>
+          </a:blip>
+          <a:stretch>
+            <a:fillRect/>
+          </a:stretch>
+        </p:blipFill>
+        <p:spPr>
+          <a:xfrm>
+            <a:off x="3878505" y="4205224"/>
+            <a:ext cx="1530350" cy="1530350"/>
+          </a:xfrm>
+          <a:prstGeom prst="rect">
+            <a:avLst/>
+          </a:prstGeom>
+        </p:spPr>
+      </p:pic>
+      <p:pic>
+        <p:nvPicPr>
+          <p:cNvPr id="3" name="Picture 2"/>
           <p:cNvPicPr>
             <a:picLocks noChangeAspect="1"/>
           </p:cNvPicPr>
@@ -6956,8 +6975,8 @@
         </p:blipFill>
         <p:spPr>
           <a:xfrm>
-            <a:off x="5966289" y="3552161"/>
-            <a:ext cx="2390311" cy="1991927"/>
+            <a:off x="3907849" y="1699683"/>
+            <a:ext cx="1817667" cy="1817667"/>
           </a:xfrm>
           <a:prstGeom prst="rect">
             <a:avLst/>
@@ -6966,7 +6985,7 @@
       </p:pic>
       <p:pic>
         <p:nvPicPr>
-          <p:cNvPr id="13" name="Picture 12"/>
+          <p:cNvPr id="4" name="Picture 3"/>
           <p:cNvPicPr>
             <a:picLocks noChangeAspect="1"/>
           </p:cNvPicPr>
@@ -6986,8 +7005,38 @@
         </p:blipFill>
         <p:spPr>
           <a:xfrm>
-            <a:off x="3878505" y="4205224"/>
-            <a:ext cx="1530350" cy="1530350"/>
+            <a:off x="6215737" y="3627345"/>
+            <a:ext cx="2731413" cy="2276178"/>
+          </a:xfrm>
+          <a:prstGeom prst="rect">
+            <a:avLst/>
+          </a:prstGeom>
+        </p:spPr>
+      </p:pic>
+      <p:pic>
+        <p:nvPicPr>
+          <p:cNvPr id="10" name="Picture 9"/>
+          <p:cNvPicPr>
+            <a:picLocks noChangeAspect="1"/>
+          </p:cNvPicPr>
+          <p:nvPr/>
+        </p:nvPicPr>
+        <p:blipFill>
+          <a:blip r:embed="rId9">
+            <a:extLst>
+              <a:ext uri="{28A0092B-C50C-407E-A947-70E740481C1C}">
+                <a14:useLocalDpi xmlns:a14="http://schemas.microsoft.com/office/drawing/2010/main" val="0"/>
+              </a:ext>
+            </a:extLst>
+          </a:blip>
+          <a:stretch>
+            <a:fillRect/>
+          </a:stretch>
+        </p:blipFill>
+        <p:spPr>
+          <a:xfrm>
+            <a:off x="921019" y="3889134"/>
+            <a:ext cx="1752600" cy="1752600"/>
           </a:xfrm>
           <a:prstGeom prst="rect">
             <a:avLst/>
@@ -7226,8 +7275,9 @@
           <a:p>
             <a:r>
               <a:rPr lang="en-US" sz="3200" dirty="0" smtClean="0"/>
-              <a:t>Learned a lot about collision detection</a:t>
-            </a:r>
+              <a:t>Learned the logic of collision detection</a:t>
+            </a:r>
+            <a:endParaRPr lang="en-US" sz="3200" dirty="0" smtClean="0"/>
           </a:p>
           <a:p>
             <a:r>

--- a/FinalPresentation.pptx
+++ b/FinalPresentation.pptx
@@ -6561,13 +6561,8 @@
           <a:p>
             <a:r>
               <a:rPr lang="en-US" sz="3600" dirty="0" smtClean="0"/>
-              <a:t>Joe – World Management / Drawing </a:t>
-            </a:r>
-            <a:r>
-              <a:rPr lang="en-US" sz="3600" dirty="0" smtClean="0"/>
-              <a:t>objects, Walls, &amp; Collision Detection</a:t>
-            </a:r>
-            <a:endParaRPr lang="en-US" sz="3600" dirty="0" smtClean="0"/>
+              <a:t>Joe – World Management / Drawing objects &amp; Walls</a:t>
+            </a:r>
           </a:p>
           <a:p>
             <a:r>
@@ -6695,42 +6690,6 @@
           </a:prstGeom>
         </p:spPr>
       </p:pic>
-      <p:sp>
-        <p:nvSpPr>
-          <p:cNvPr id="3" name="TextBox 2"/>
-          <p:cNvSpPr txBox="1"/>
-          <p:nvPr/>
-        </p:nvSpPr>
-        <p:spPr>
-          <a:xfrm>
-            <a:off x="0" y="1104900"/>
-            <a:ext cx="2273300" cy="1569660"/>
-          </a:xfrm>
-          <a:prstGeom prst="rect">
-            <a:avLst/>
-          </a:prstGeom>
-          <a:noFill/>
-        </p:spPr>
-        <p:txBody>
-          <a:bodyPr wrap="square" rtlCol="0">
-            <a:spAutoFit/>
-          </a:bodyPr>
-          <a:lstStyle/>
-          <a:p>
-            <a:r>
-              <a:rPr lang="en-US" sz="3200" dirty="0" smtClean="0"/>
-              <a:t>Arrows </a:t>
-            </a:r>
-          </a:p>
-          <a:p>
-            <a:r>
-              <a:rPr lang="en-US" sz="3200" dirty="0" smtClean="0"/>
-              <a:t>Show Inheritance</a:t>
-            </a:r>
-            <a:endParaRPr lang="en-US" sz="3200" dirty="0"/>
-          </a:p>
-        </p:txBody>
-      </p:sp>
     </p:spTree>
     <p:extLst>
       <p:ext uri="{BB962C8B-B14F-4D97-AF65-F5344CB8AC3E}">
@@ -7048,7 +7007,7 @@
           <a:p>
             <a:r>
               <a:rPr lang="en-US" dirty="0" smtClean="0"/>
-              <a:t>Set-backs</a:t>
+              <a:t>Obstacles</a:t>
             </a:r>
             <a:endParaRPr lang="en-US" dirty="0"/>
           </a:p>
@@ -7064,75 +7023,68 @@
             <p:ph idx="1"/>
           </p:nvPr>
         </p:nvSpPr>
-        <p:spPr>
-          <a:xfrm>
-            <a:off x="677334" y="1930400"/>
-            <a:ext cx="10536766" cy="3880773"/>
-          </a:xfrm>
-        </p:spPr>
-        <p:txBody>
-          <a:bodyPr>
-            <a:normAutofit/>
-          </a:bodyPr>
-          <a:lstStyle/>
-          <a:p>
-            <a:r>
-              <a:rPr lang="en-US" sz="2400" dirty="0" smtClean="0"/>
+        <p:spPr/>
+        <p:txBody>
+          <a:bodyPr/>
+          <a:lstStyle/>
+          <a:p>
+            <a:r>
+              <a:rPr lang="en-US" dirty="0" smtClean="0"/>
               <a:t>Collision Detection</a:t>
             </a:r>
           </a:p>
           <a:p>
             <a:r>
-              <a:rPr lang="en-US" sz="2400" dirty="0" err="1" smtClean="0"/>
+              <a:rPr lang="en-US" dirty="0" err="1" smtClean="0"/>
               <a:t>ReadFile</a:t>
             </a:r>
             <a:r>
-              <a:rPr lang="en-US" sz="2400" dirty="0"/>
+              <a:rPr lang="en-US" dirty="0"/>
               <a:t> </a:t>
             </a:r>
             <a:r>
-              <a:rPr lang="en-US" sz="2400" dirty="0" smtClean="0"/>
+              <a:rPr lang="en-US" dirty="0" smtClean="0"/>
               <a:t>not properly opening a file</a:t>
             </a:r>
           </a:p>
           <a:p>
             <a:r>
-              <a:rPr lang="en-US" sz="2400" dirty="0" smtClean="0"/>
+              <a:rPr lang="en-US" dirty="0" smtClean="0"/>
               <a:t>Rotating Images</a:t>
             </a:r>
           </a:p>
           <a:p>
             <a:r>
-              <a:rPr lang="en-US" sz="2400" dirty="0" smtClean="0"/>
+              <a:rPr lang="en-US" dirty="0" smtClean="0"/>
               <a:t>Can’t use custom pointer because it breaks </a:t>
             </a:r>
             <a:r>
-              <a:rPr lang="en-US" sz="2400" dirty="0" err="1" smtClean="0"/>
+              <a:rPr lang="en-US" dirty="0" err="1" smtClean="0"/>
               <a:t>ReadFile</a:t>
             </a:r>
             <a:r>
-              <a:rPr lang="en-US" sz="2400" dirty="0"/>
+              <a:rPr lang="en-US" dirty="0"/>
               <a:t> </a:t>
             </a:r>
             <a:r>
-              <a:rPr lang="en-US" sz="2400" dirty="0" smtClean="0"/>
+              <a:rPr lang="en-US" dirty="0" smtClean="0"/>
               <a:t>(</a:t>
             </a:r>
             <a:r>
-              <a:rPr lang="en-US" sz="2400" dirty="0" err="1" smtClean="0"/>
+              <a:rPr lang="en-US" dirty="0" err="1" smtClean="0"/>
               <a:t>Windows.h</a:t>
             </a:r>
             <a:r>
-              <a:rPr lang="en-US" sz="2400" dirty="0" smtClean="0"/>
+              <a:rPr lang="en-US" dirty="0" smtClean="0"/>
               <a:t>)</a:t>
             </a:r>
           </a:p>
           <a:p>
             <a:r>
-              <a:rPr lang="en-US" sz="2400" dirty="0" smtClean="0"/>
+              <a:rPr lang="en-US" dirty="0" smtClean="0"/>
               <a:t>Can’t return template arrays</a:t>
             </a:r>
-            <a:endParaRPr lang="en-US" sz="2400" dirty="0"/>
+            <a:endParaRPr lang="en-US" dirty="0"/>
           </a:p>
         </p:txBody>
       </p:sp>

--- a/FinalPresentation.pptx
+++ b/FinalPresentation.pptx
@@ -6310,11 +6310,13 @@
         <p:spPr>
           <a:xfrm>
             <a:off x="677334" y="1576389"/>
-            <a:ext cx="8596668" cy="3880773"/>
+            <a:ext cx="8596668" cy="4786311"/>
           </a:xfrm>
         </p:spPr>
         <p:txBody>
-          <a:bodyPr/>
+          <a:bodyPr>
+            <a:normAutofit lnSpcReduction="10000"/>
+          </a:bodyPr>
           <a:lstStyle/>
           <a:p>
             <a:r>
@@ -6337,8 +6339,25 @@
           <a:p>
             <a:r>
               <a:rPr lang="en-US" sz="2800" dirty="0"/>
-              <a:t>D – rotate right</a:t>
-            </a:r>
+              <a:t>D – rotate </a:t>
+            </a:r>
+            <a:r>
+              <a:rPr lang="en-US" sz="2800" dirty="0" smtClean="0"/>
+              <a:t>right</a:t>
+            </a:r>
+          </a:p>
+          <a:p>
+            <a:r>
+              <a:rPr lang="en-US" sz="2800" dirty="0" smtClean="0"/>
+              <a:t>P – pause / un-pause</a:t>
+            </a:r>
+          </a:p>
+          <a:p>
+            <a:r>
+              <a:rPr lang="en-US" sz="2800" dirty="0" smtClean="0"/>
+              <a:t>R - restart</a:t>
+            </a:r>
+            <a:endParaRPr lang="en-US" sz="2800" dirty="0"/>
           </a:p>
           <a:p>
             <a:r>
@@ -6561,8 +6580,13 @@
           <a:p>
             <a:r>
               <a:rPr lang="en-US" sz="3600" dirty="0" smtClean="0"/>
-              <a:t>Joe – World Management / Drawing objects &amp; Walls</a:t>
-            </a:r>
+              <a:t>Joe – World Management / Drawing </a:t>
+            </a:r>
+            <a:r>
+              <a:rPr lang="en-US" sz="3600" dirty="0" smtClean="0"/>
+              <a:t>objects, Walls, &amp; Collision Detection</a:t>
+            </a:r>
+            <a:endParaRPr lang="en-US" sz="3600" dirty="0" smtClean="0"/>
           </a:p>
           <a:p>
             <a:r>
@@ -6690,6 +6714,42 @@
           </a:prstGeom>
         </p:spPr>
       </p:pic>
+      <p:sp>
+        <p:nvSpPr>
+          <p:cNvPr id="3" name="TextBox 2"/>
+          <p:cNvSpPr txBox="1"/>
+          <p:nvPr/>
+        </p:nvSpPr>
+        <p:spPr>
+          <a:xfrm>
+            <a:off x="0" y="1104900"/>
+            <a:ext cx="2273300" cy="1569660"/>
+          </a:xfrm>
+          <a:prstGeom prst="rect">
+            <a:avLst/>
+          </a:prstGeom>
+          <a:noFill/>
+        </p:spPr>
+        <p:txBody>
+          <a:bodyPr wrap="square" rtlCol="0">
+            <a:spAutoFit/>
+          </a:bodyPr>
+          <a:lstStyle/>
+          <a:p>
+            <a:r>
+              <a:rPr lang="en-US" sz="3200" dirty="0" smtClean="0"/>
+              <a:t>Arrows </a:t>
+            </a:r>
+          </a:p>
+          <a:p>
+            <a:r>
+              <a:rPr lang="en-US" sz="3200" dirty="0" smtClean="0"/>
+              <a:t>Show Inheritance</a:t>
+            </a:r>
+            <a:endParaRPr lang="en-US" sz="3200" dirty="0"/>
+          </a:p>
+        </p:txBody>
+      </p:sp>
     </p:spTree>
     <p:extLst>
       <p:ext uri="{BB962C8B-B14F-4D97-AF65-F5344CB8AC3E}">
@@ -6745,7 +6805,7 @@
       </p:sp>
       <p:pic>
         <p:nvPicPr>
-          <p:cNvPr id="5" name="Picture 4"/>
+          <p:cNvPr id="6" name="Picture 5"/>
           <p:cNvPicPr>
             <a:picLocks noChangeAspect="1"/>
           </p:cNvPicPr>
@@ -6753,36 +6813,6 @@
         </p:nvPicPr>
         <p:blipFill>
           <a:blip r:embed="rId2">
-            <a:extLst>
-              <a:ext uri="{28A0092B-C50C-407E-A947-70E740481C1C}">
-                <a14:useLocalDpi xmlns:a14="http://schemas.microsoft.com/office/drawing/2010/main" val="0"/>
-              </a:ext>
-            </a:extLst>
-          </a:blip>
-          <a:stretch>
-            <a:fillRect/>
-          </a:stretch>
-        </p:blipFill>
-        <p:spPr>
-          <a:xfrm>
-            <a:off x="1504972" y="4205224"/>
-            <a:ext cx="1816100" cy="1816100"/>
-          </a:xfrm>
-          <a:prstGeom prst="rect">
-            <a:avLst/>
-          </a:prstGeom>
-        </p:spPr>
-      </p:pic>
-      <p:pic>
-        <p:nvPicPr>
-          <p:cNvPr id="6" name="Picture 5"/>
-          <p:cNvPicPr>
-            <a:picLocks noChangeAspect="1"/>
-          </p:cNvPicPr>
-          <p:nvPr/>
-        </p:nvPicPr>
-        <p:blipFill>
-          <a:blip r:embed="rId3">
             <a:extLst>
               <a:ext uri="{28A0092B-C50C-407E-A947-70E740481C1C}">
                 <a14:useLocalDpi xmlns:a14="http://schemas.microsoft.com/office/drawing/2010/main" val="0"/>
@@ -6812,7 +6842,7 @@
           <p:nvPr/>
         </p:nvPicPr>
         <p:blipFill>
-          <a:blip r:embed="rId4">
+          <a:blip r:embed="rId3">
             <a:extLst>
               <a:ext uri="{28A0092B-C50C-407E-A947-70E740481C1C}">
                 <a14:useLocalDpi xmlns:a14="http://schemas.microsoft.com/office/drawing/2010/main" val="0"/>
@@ -6842,7 +6872,7 @@
           <p:nvPr/>
         </p:nvPicPr>
         <p:blipFill>
-          <a:blip r:embed="rId5">
+          <a:blip r:embed="rId4">
             <a:extLst>
               <a:ext uri="{28A0092B-C50C-407E-A947-70E740481C1C}">
                 <a14:useLocalDpi xmlns:a14="http://schemas.microsoft.com/office/drawing/2010/main" val="0"/>
@@ -6872,7 +6902,7 @@
           <p:nvPr/>
         </p:nvPicPr>
         <p:blipFill>
-          <a:blip r:embed="rId6">
+          <a:blip r:embed="rId5">
             <a:extLst>
               <a:ext uri="{28A0092B-C50C-407E-A947-70E740481C1C}">
                 <a14:useLocalDpi xmlns:a14="http://schemas.microsoft.com/office/drawing/2010/main" val="0"/>
@@ -6895,7 +6925,37 @@
       </p:pic>
       <p:pic>
         <p:nvPicPr>
-          <p:cNvPr id="11" name="Picture 10"/>
+          <p:cNvPr id="13" name="Picture 12"/>
+          <p:cNvPicPr>
+            <a:picLocks noChangeAspect="1"/>
+          </p:cNvPicPr>
+          <p:nvPr/>
+        </p:nvPicPr>
+        <p:blipFill>
+          <a:blip r:embed="rId6">
+            <a:extLst>
+              <a:ext uri="{28A0092B-C50C-407E-A947-70E740481C1C}">
+                <a14:useLocalDpi xmlns:a14="http://schemas.microsoft.com/office/drawing/2010/main" val="0"/>
+              </a:ext>
+            </a:extLst>
+          </a:blip>
+          <a:stretch>
+            <a:fillRect/>
+          </a:stretch>
+        </p:blipFill>
+        <p:spPr>
+          <a:xfrm>
+            <a:off x="3878505" y="4205224"/>
+            <a:ext cx="1530350" cy="1530350"/>
+          </a:xfrm>
+          <a:prstGeom prst="rect">
+            <a:avLst/>
+          </a:prstGeom>
+        </p:spPr>
+      </p:pic>
+      <p:pic>
+        <p:nvPicPr>
+          <p:cNvPr id="3" name="Picture 2"/>
           <p:cNvPicPr>
             <a:picLocks noChangeAspect="1"/>
           </p:cNvPicPr>
@@ -6915,8 +6975,8 @@
         </p:blipFill>
         <p:spPr>
           <a:xfrm>
-            <a:off x="5966289" y="3552161"/>
-            <a:ext cx="2390311" cy="1991927"/>
+            <a:off x="3907849" y="1699683"/>
+            <a:ext cx="1817667" cy="1817667"/>
           </a:xfrm>
           <a:prstGeom prst="rect">
             <a:avLst/>
@@ -6925,7 +6985,7 @@
       </p:pic>
       <p:pic>
         <p:nvPicPr>
-          <p:cNvPr id="13" name="Picture 12"/>
+          <p:cNvPr id="4" name="Picture 3"/>
           <p:cNvPicPr>
             <a:picLocks noChangeAspect="1"/>
           </p:cNvPicPr>
@@ -6945,8 +7005,38 @@
         </p:blipFill>
         <p:spPr>
           <a:xfrm>
-            <a:off x="3878505" y="4205224"/>
-            <a:ext cx="1530350" cy="1530350"/>
+            <a:off x="6215737" y="3627345"/>
+            <a:ext cx="2731413" cy="2276178"/>
+          </a:xfrm>
+          <a:prstGeom prst="rect">
+            <a:avLst/>
+          </a:prstGeom>
+        </p:spPr>
+      </p:pic>
+      <p:pic>
+        <p:nvPicPr>
+          <p:cNvPr id="10" name="Picture 9"/>
+          <p:cNvPicPr>
+            <a:picLocks noChangeAspect="1"/>
+          </p:cNvPicPr>
+          <p:nvPr/>
+        </p:nvPicPr>
+        <p:blipFill>
+          <a:blip r:embed="rId9">
+            <a:extLst>
+              <a:ext uri="{28A0092B-C50C-407E-A947-70E740481C1C}">
+                <a14:useLocalDpi xmlns:a14="http://schemas.microsoft.com/office/drawing/2010/main" val="0"/>
+              </a:ext>
+            </a:extLst>
+          </a:blip>
+          <a:stretch>
+            <a:fillRect/>
+          </a:stretch>
+        </p:blipFill>
+        <p:spPr>
+          <a:xfrm>
+            <a:off x="921019" y="3889134"/>
+            <a:ext cx="1752600" cy="1752600"/>
           </a:xfrm>
           <a:prstGeom prst="rect">
             <a:avLst/>
@@ -7007,7 +7097,7 @@
           <a:p>
             <a:r>
               <a:rPr lang="en-US" dirty="0" smtClean="0"/>
-              <a:t>Obstacles</a:t>
+              <a:t>Set-backs</a:t>
             </a:r>
             <a:endParaRPr lang="en-US" dirty="0"/>
           </a:p>
@@ -7023,68 +7113,75 @@
             <p:ph idx="1"/>
           </p:nvPr>
         </p:nvSpPr>
-        <p:spPr/>
-        <p:txBody>
-          <a:bodyPr/>
-          <a:lstStyle/>
-          <a:p>
-            <a:r>
-              <a:rPr lang="en-US" dirty="0" smtClean="0"/>
+        <p:spPr>
+          <a:xfrm>
+            <a:off x="677334" y="1930400"/>
+            <a:ext cx="10536766" cy="3880773"/>
+          </a:xfrm>
+        </p:spPr>
+        <p:txBody>
+          <a:bodyPr>
+            <a:normAutofit/>
+          </a:bodyPr>
+          <a:lstStyle/>
+          <a:p>
+            <a:r>
+              <a:rPr lang="en-US" sz="2400" dirty="0" smtClean="0"/>
               <a:t>Collision Detection</a:t>
             </a:r>
           </a:p>
           <a:p>
             <a:r>
-              <a:rPr lang="en-US" dirty="0" err="1" smtClean="0"/>
+              <a:rPr lang="en-US" sz="2400" dirty="0" err="1" smtClean="0"/>
               <a:t>ReadFile</a:t>
             </a:r>
             <a:r>
-              <a:rPr lang="en-US" dirty="0"/>
+              <a:rPr lang="en-US" sz="2400" dirty="0"/>
               <a:t> </a:t>
             </a:r>
             <a:r>
-              <a:rPr lang="en-US" dirty="0" smtClean="0"/>
+              <a:rPr lang="en-US" sz="2400" dirty="0" smtClean="0"/>
               <a:t>not properly opening a file</a:t>
             </a:r>
           </a:p>
           <a:p>
             <a:r>
-              <a:rPr lang="en-US" dirty="0" smtClean="0"/>
+              <a:rPr lang="en-US" sz="2400" dirty="0" smtClean="0"/>
               <a:t>Rotating Images</a:t>
             </a:r>
           </a:p>
           <a:p>
             <a:r>
-              <a:rPr lang="en-US" dirty="0" smtClean="0"/>
+              <a:rPr lang="en-US" sz="2400" dirty="0" smtClean="0"/>
               <a:t>Can’t use custom pointer because it breaks </a:t>
             </a:r>
             <a:r>
-              <a:rPr lang="en-US" dirty="0" err="1" smtClean="0"/>
+              <a:rPr lang="en-US" sz="2400" dirty="0" err="1" smtClean="0"/>
               <a:t>ReadFile</a:t>
             </a:r>
             <a:r>
-              <a:rPr lang="en-US" dirty="0"/>
+              <a:rPr lang="en-US" sz="2400" dirty="0"/>
               <a:t> </a:t>
             </a:r>
             <a:r>
-              <a:rPr lang="en-US" dirty="0" smtClean="0"/>
+              <a:rPr lang="en-US" sz="2400" dirty="0" smtClean="0"/>
               <a:t>(</a:t>
             </a:r>
             <a:r>
-              <a:rPr lang="en-US" dirty="0" err="1" smtClean="0"/>
+              <a:rPr lang="en-US" sz="2400" dirty="0" err="1" smtClean="0"/>
               <a:t>Windows.h</a:t>
             </a:r>
             <a:r>
-              <a:rPr lang="en-US" dirty="0" smtClean="0"/>
+              <a:rPr lang="en-US" sz="2400" dirty="0" smtClean="0"/>
               <a:t>)</a:t>
             </a:r>
           </a:p>
           <a:p>
             <a:r>
-              <a:rPr lang="en-US" dirty="0" smtClean="0"/>
+              <a:rPr lang="en-US" sz="2400" dirty="0" smtClean="0"/>
               <a:t>Can’t return template arrays</a:t>
             </a:r>
-            <a:endParaRPr lang="en-US" dirty="0"/>
+            <a:endParaRPr lang="en-US" sz="2400" dirty="0"/>
           </a:p>
         </p:txBody>
       </p:sp>
@@ -7178,8 +7275,9 @@
           <a:p>
             <a:r>
               <a:rPr lang="en-US" sz="3200" dirty="0" smtClean="0"/>
-              <a:t>Learned a lot about collision detection</a:t>
-            </a:r>
+              <a:t>Learned the logic of collision detection</a:t>
+            </a:r>
+            <a:endParaRPr lang="en-US" sz="3200" dirty="0" smtClean="0"/>
           </a:p>
           <a:p>
             <a:r>

--- a/FinalPresentation.pptx
+++ b/FinalPresentation.pptx
@@ -16,7 +16,8 @@
     <p:sldId id="263" r:id="rId10"/>
     <p:sldId id="264" r:id="rId11"/>
     <p:sldId id="265" r:id="rId12"/>
-    <p:sldId id="266" r:id="rId13"/>
+    <p:sldId id="268" r:id="rId13"/>
+    <p:sldId id="266" r:id="rId14"/>
   </p:sldIdLst>
   <p:sldSz cx="12192000" cy="6858000"/>
   <p:notesSz cx="6858000" cy="9144000"/>
@@ -5934,32 +5935,6 @@
           </a:p>
         </p:txBody>
       </p:sp>
-      <p:pic>
-        <p:nvPicPr>
-          <p:cNvPr id="4" name="Content Placeholder 3"/>
-          <p:cNvPicPr>
-            <a:picLocks noGrp="1" noChangeAspect="1"/>
-          </p:cNvPicPr>
-          <p:nvPr>
-            <p:ph idx="1"/>
-          </p:nvPr>
-        </p:nvPicPr>
-        <p:blipFill>
-          <a:blip r:embed="rId2"/>
-          <a:stretch>
-            <a:fillRect/>
-          </a:stretch>
-        </p:blipFill>
-        <p:spPr>
-          <a:xfrm>
-            <a:off x="3517900" y="231200"/>
-            <a:ext cx="6121400" cy="6374623"/>
-          </a:xfrm>
-          <a:prstGeom prst="rect">
-            <a:avLst/>
-          </a:prstGeom>
-        </p:spPr>
-      </p:pic>
     </p:spTree>
     <p:extLst>
       <p:ext uri="{BB962C8B-B14F-4D97-AF65-F5344CB8AC3E}">
@@ -6052,6 +6027,36 @@
 </file>
 
 <file path=ppt/slides/slide12.xml><?xml version="1.0" encoding="utf-8"?>
+<p:sld xmlns:a="http://schemas.openxmlformats.org/drawingml/2006/main" xmlns:r="http://schemas.openxmlformats.org/officeDocument/2006/relationships" xmlns:p="http://schemas.openxmlformats.org/presentationml/2006/main">
+  <p:cSld>
+    <p:spTree>
+      <p:nvGrpSpPr>
+        <p:cNvPr id="1" name=""/>
+        <p:cNvGrpSpPr/>
+        <p:nvPr/>
+      </p:nvGrpSpPr>
+      <p:grpSpPr>
+        <a:xfrm>
+          <a:off x="0" y="0"/>
+          <a:ext cx="0" cy="0"/>
+          <a:chOff x="0" y="0"/>
+          <a:chExt cx="0" cy="0"/>
+        </a:xfrm>
+      </p:grpSpPr>
+    </p:spTree>
+    <p:extLst>
+      <p:ext uri="{BB962C8B-B14F-4D97-AF65-F5344CB8AC3E}">
+        <p14:creationId xmlns:p14="http://schemas.microsoft.com/office/powerpoint/2010/main" val="2982401609"/>
+      </p:ext>
+    </p:extLst>
+  </p:cSld>
+  <p:clrMapOvr>
+    <a:masterClrMapping/>
+  </p:clrMapOvr>
+</p:sld>
+</file>
+
+<file path=ppt/slides/slide13.xml><?xml version="1.0" encoding="utf-8"?>
 <p:sld xmlns:a="http://schemas.openxmlformats.org/drawingml/2006/main" xmlns:r="http://schemas.openxmlformats.org/officeDocument/2006/relationships" xmlns:p="http://schemas.openxmlformats.org/presentationml/2006/main">
   <p:cSld>
     <p:spTree>

--- a/FinalPresentation.pptx
+++ b/FinalPresentation.pptx
@@ -12,12 +12,17 @@
     <p:sldId id="260" r:id="rId6"/>
     <p:sldId id="267" r:id="rId7"/>
     <p:sldId id="261" r:id="rId8"/>
-    <p:sldId id="262" r:id="rId9"/>
-    <p:sldId id="263" r:id="rId10"/>
-    <p:sldId id="264" r:id="rId11"/>
-    <p:sldId id="265" r:id="rId12"/>
-    <p:sldId id="268" r:id="rId13"/>
-    <p:sldId id="266" r:id="rId14"/>
+    <p:sldId id="269" r:id="rId9"/>
+    <p:sldId id="273" r:id="rId10"/>
+    <p:sldId id="262" r:id="rId11"/>
+    <p:sldId id="263" r:id="rId12"/>
+    <p:sldId id="264" r:id="rId13"/>
+    <p:sldId id="268" r:id="rId14"/>
+    <p:sldId id="270" r:id="rId15"/>
+    <p:sldId id="271" r:id="rId16"/>
+    <p:sldId id="272" r:id="rId17"/>
+    <p:sldId id="265" r:id="rId18"/>
+    <p:sldId id="266" r:id="rId19"/>
   </p:sldIdLst>
   <p:sldSz cx="12192000" cy="6858000"/>
   <p:notesSz cx="6858000" cy="9144000"/>
@@ -5929,16 +5934,98 @@
           <a:p>
             <a:r>
               <a:rPr lang="en-US" dirty="0" smtClean="0"/>
-              <a:t>Screenshot</a:t>
+              <a:t>Set-backs</a:t>
             </a:r>
             <a:endParaRPr lang="en-US" dirty="0"/>
+          </a:p>
+        </p:txBody>
+      </p:sp>
+      <p:sp>
+        <p:nvSpPr>
+          <p:cNvPr id="3" name="Content Placeholder 2"/>
+          <p:cNvSpPr>
+            <a:spLocks noGrp="1"/>
+          </p:cNvSpPr>
+          <p:nvPr>
+            <p:ph idx="1"/>
+          </p:nvPr>
+        </p:nvSpPr>
+        <p:spPr>
+          <a:xfrm>
+            <a:off x="677334" y="1930400"/>
+            <a:ext cx="10536766" cy="3880773"/>
+          </a:xfrm>
+        </p:spPr>
+        <p:txBody>
+          <a:bodyPr>
+            <a:normAutofit/>
+          </a:bodyPr>
+          <a:lstStyle/>
+          <a:p>
+            <a:r>
+              <a:rPr lang="en-US" sz="2400" dirty="0" smtClean="0"/>
+              <a:t>Collision Detection</a:t>
+            </a:r>
+          </a:p>
+          <a:p>
+            <a:r>
+              <a:rPr lang="en-US" sz="2400" dirty="0" err="1" smtClean="0"/>
+              <a:t>ReadFile</a:t>
+            </a:r>
+            <a:r>
+              <a:rPr lang="en-US" sz="2400" dirty="0"/>
+              <a:t> </a:t>
+            </a:r>
+            <a:r>
+              <a:rPr lang="en-US" sz="2400" dirty="0" smtClean="0"/>
+              <a:t>not properly opening a file</a:t>
+            </a:r>
+          </a:p>
+          <a:p>
+            <a:r>
+              <a:rPr lang="en-US" sz="2400" dirty="0" smtClean="0"/>
+              <a:t>Rotating Images</a:t>
+            </a:r>
+          </a:p>
+          <a:p>
+            <a:r>
+              <a:rPr lang="en-US" sz="2400" dirty="0" smtClean="0"/>
+              <a:t>Can’t use custom pointer because it breaks </a:t>
+            </a:r>
+            <a:r>
+              <a:rPr lang="en-US" sz="2400" dirty="0" err="1" smtClean="0"/>
+              <a:t>ReadFile</a:t>
+            </a:r>
+            <a:r>
+              <a:rPr lang="en-US" sz="2400" dirty="0"/>
+              <a:t> </a:t>
+            </a:r>
+            <a:r>
+              <a:rPr lang="en-US" sz="2400" dirty="0" smtClean="0"/>
+              <a:t>(</a:t>
+            </a:r>
+            <a:r>
+              <a:rPr lang="en-US" sz="2400" dirty="0" err="1" smtClean="0"/>
+              <a:t>Windows.h</a:t>
+            </a:r>
+            <a:r>
+              <a:rPr lang="en-US" sz="2400" dirty="0" smtClean="0"/>
+              <a:t>)</a:t>
+            </a:r>
+          </a:p>
+          <a:p>
+            <a:r>
+              <a:rPr lang="en-US" sz="2400" dirty="0" smtClean="0"/>
+              <a:t>Can’t return template arrays</a:t>
+            </a:r>
+            <a:endParaRPr lang="en-US" sz="2400" dirty="0"/>
           </a:p>
         </p:txBody>
       </p:sp>
     </p:spTree>
     <p:extLst>
       <p:ext uri="{BB962C8B-B14F-4D97-AF65-F5344CB8AC3E}">
-        <p14:creationId xmlns:p14="http://schemas.microsoft.com/office/powerpoint/2010/main" val="682238926"/>
+        <p14:creationId xmlns:p14="http://schemas.microsoft.com/office/powerpoint/2010/main" val="2470981110"/>
       </p:ext>
     </p:extLst>
   </p:cSld>
@@ -5982,34 +6069,81 @@
             <p:ph type="title"/>
           </p:nvPr>
         </p:nvSpPr>
+        <p:spPr/>
+        <p:txBody>
+          <a:bodyPr/>
+          <a:lstStyle/>
+          <a:p>
+            <a:r>
+              <a:rPr lang="en-US" dirty="0" smtClean="0"/>
+              <a:t>Things We’ve Learned</a:t>
+            </a:r>
+            <a:endParaRPr lang="en-US" dirty="0"/>
+          </a:p>
+        </p:txBody>
+      </p:sp>
+      <p:sp>
+        <p:nvSpPr>
+          <p:cNvPr id="3" name="Content Placeholder 2"/>
+          <p:cNvSpPr>
+            <a:spLocks noGrp="1"/>
+          </p:cNvSpPr>
+          <p:nvPr>
+            <p:ph idx="1"/>
+          </p:nvPr>
+        </p:nvSpPr>
         <p:spPr>
           <a:xfrm>
-            <a:off x="715434" y="2476500"/>
-            <a:ext cx="8596668" cy="1320800"/>
+            <a:off x="677334" y="1741489"/>
+            <a:ext cx="8596668" cy="3880773"/>
           </a:xfrm>
         </p:spPr>
         <p:txBody>
           <a:bodyPr>
-            <a:noAutofit/>
+            <a:normAutofit/>
           </a:bodyPr>
           <a:lstStyle/>
           <a:p>
             <a:r>
-              <a:rPr lang="en-US" sz="6600" dirty="0"/>
-              <a:t>Game </a:t>
-            </a:r>
-            <a:r>
-              <a:rPr lang="en-US" sz="6600" dirty="0" smtClean="0"/>
-              <a:t>Demonstration</a:t>
-            </a:r>
-            <a:endParaRPr lang="en-US" sz="6600" dirty="0"/>
+              <a:rPr lang="en-US" sz="3200" dirty="0" smtClean="0"/>
+              <a:t>Matt hates making games</a:t>
+            </a:r>
+          </a:p>
+          <a:p>
+            <a:r>
+              <a:rPr lang="en-US" sz="3200" dirty="0" smtClean="0"/>
+              <a:t>Learned the logic behind collision detection</a:t>
+            </a:r>
+            <a:endParaRPr lang="en-US" sz="3200" dirty="0" smtClean="0"/>
+          </a:p>
+          <a:p>
+            <a:r>
+              <a:rPr lang="en-US" sz="3200" dirty="0" smtClean="0"/>
+              <a:t>Planning ahead helped us keep </a:t>
+            </a:r>
+            <a:r>
+              <a:rPr lang="en-US" sz="3200" smtClean="0"/>
+              <a:t>on </a:t>
+            </a:r>
+            <a:r>
+              <a:rPr lang="en-US" sz="3200" smtClean="0"/>
+              <a:t>track (mostly)</a:t>
+            </a:r>
+            <a:endParaRPr lang="en-US" sz="3200" dirty="0" smtClean="0"/>
+          </a:p>
+          <a:p>
+            <a:r>
+              <a:rPr lang="en-US" sz="3200" dirty="0" smtClean="0"/>
+              <a:t>Nothing goes as well as you plan</a:t>
+            </a:r>
+            <a:endParaRPr lang="en-US" sz="3200" dirty="0"/>
           </a:p>
         </p:txBody>
       </p:sp>
     </p:spTree>
     <p:extLst>
       <p:ext uri="{BB962C8B-B14F-4D97-AF65-F5344CB8AC3E}">
-        <p14:creationId xmlns:p14="http://schemas.microsoft.com/office/powerpoint/2010/main" val="2990744211"/>
+        <p14:creationId xmlns:p14="http://schemas.microsoft.com/office/powerpoint/2010/main" val="1096012092"/>
       </p:ext>
     </p:extLst>
   </p:cSld>
@@ -6043,6 +6177,204 @@
           <a:chExt cx="0" cy="0"/>
         </a:xfrm>
       </p:grpSpPr>
+      <p:sp>
+        <p:nvSpPr>
+          <p:cNvPr id="2" name="Title 1"/>
+          <p:cNvSpPr>
+            <a:spLocks noGrp="1"/>
+          </p:cNvSpPr>
+          <p:nvPr>
+            <p:ph type="title"/>
+          </p:nvPr>
+        </p:nvSpPr>
+        <p:spPr/>
+        <p:txBody>
+          <a:bodyPr/>
+          <a:lstStyle/>
+          <a:p>
+            <a:r>
+              <a:rPr lang="en-US" dirty="0" smtClean="0"/>
+              <a:t>Screenshots</a:t>
+            </a:r>
+            <a:endParaRPr lang="en-US" dirty="0"/>
+          </a:p>
+        </p:txBody>
+      </p:sp>
+      <p:pic>
+        <p:nvPicPr>
+          <p:cNvPr id="6" name="Picture 5"/>
+          <p:cNvPicPr>
+            <a:picLocks noChangeAspect="1"/>
+          </p:cNvPicPr>
+          <p:nvPr/>
+        </p:nvPicPr>
+        <p:blipFill>
+          <a:blip r:embed="rId2"/>
+          <a:stretch>
+            <a:fillRect/>
+          </a:stretch>
+        </p:blipFill>
+        <p:spPr>
+          <a:xfrm>
+            <a:off x="3470274" y="161032"/>
+            <a:ext cx="6372225" cy="6576318"/>
+          </a:xfrm>
+          <a:prstGeom prst="rect">
+            <a:avLst/>
+          </a:prstGeom>
+        </p:spPr>
+      </p:pic>
+    </p:spTree>
+    <p:extLst>
+      <p:ext uri="{BB962C8B-B14F-4D97-AF65-F5344CB8AC3E}">
+        <p14:creationId xmlns:p14="http://schemas.microsoft.com/office/powerpoint/2010/main" val="682238926"/>
+      </p:ext>
+    </p:extLst>
+  </p:cSld>
+  <p:clrMapOvr>
+    <a:masterClrMapping/>
+  </p:clrMapOvr>
+  <p:timing>
+    <p:tnLst>
+      <p:par>
+        <p:cTn id="1" dur="indefinite" restart="never" nodeType="tmRoot"/>
+      </p:par>
+    </p:tnLst>
+  </p:timing>
+</p:sld>
+</file>
+
+<file path=ppt/slides/slide13.xml><?xml version="1.0" encoding="utf-8"?>
+<p:sld xmlns:a="http://schemas.openxmlformats.org/drawingml/2006/main" xmlns:r="http://schemas.openxmlformats.org/officeDocument/2006/relationships" xmlns:p="http://schemas.openxmlformats.org/presentationml/2006/main">
+  <p:cSld>
+    <p:spTree>
+      <p:nvGrpSpPr>
+        <p:cNvPr id="1" name=""/>
+        <p:cNvGrpSpPr/>
+        <p:nvPr/>
+      </p:nvGrpSpPr>
+      <p:grpSpPr>
+        <a:xfrm>
+          <a:off x="0" y="0"/>
+          <a:ext cx="0" cy="0"/>
+          <a:chOff x="0" y="0"/>
+          <a:chExt cx="0" cy="0"/>
+        </a:xfrm>
+      </p:grpSpPr>
+      <p:graphicFrame>
+        <p:nvGraphicFramePr>
+          <p:cNvPr id="4" name="Object 3"/>
+          <p:cNvGraphicFramePr>
+            <a:graphicFrameLocks noChangeAspect="1"/>
+          </p:cNvGraphicFramePr>
+          <p:nvPr>
+            <p:extLst>
+              <p:ext uri="{D42A27DB-BD31-4B8C-83A1-F6EECF244321}">
+                <p14:modId xmlns:p14="http://schemas.microsoft.com/office/powerpoint/2010/main" val="644752730"/>
+              </p:ext>
+            </p:extLst>
+          </p:nvPr>
+        </p:nvGraphicFramePr>
+        <p:xfrm>
+          <a:off x="533400" y="242111"/>
+          <a:ext cx="5664200" cy="5905229"/>
+        </p:xfrm>
+        <a:graphic>
+          <a:graphicData uri="http://schemas.openxmlformats.org/presentationml/2006/ole">
+            <mc:AlternateContent xmlns:mc="http://schemas.openxmlformats.org/markup-compatibility/2006">
+              <mc:Choice xmlns:v="urn:schemas-microsoft-com:vml" Requires="v">
+                <p:oleObj spid="_x0000_s1031" name="Image" r:id="rId3" imgW="5372640" imgH="5601240" progId="Photoshop.Image.12">
+                  <p:embed/>
+                </p:oleObj>
+              </mc:Choice>
+              <mc:Fallback>
+                <p:oleObj name="Image" r:id="rId3" imgW="5372640" imgH="5601240" progId="Photoshop.Image.12">
+                  <p:embed/>
+                  <p:pic>
+                    <p:nvPicPr>
+                      <p:cNvPr id="0" name=""/>
+                      <p:cNvPicPr/>
+                      <p:nvPr/>
+                    </p:nvPicPr>
+                    <p:blipFill>
+                      <a:blip r:embed="rId4"/>
+                      <a:stretch>
+                        <a:fillRect/>
+                      </a:stretch>
+                    </p:blipFill>
+                    <p:spPr>
+                      <a:xfrm>
+                        <a:off x="533400" y="242111"/>
+                        <a:ext cx="5664200" cy="5905229"/>
+                      </a:xfrm>
+                      <a:prstGeom prst="rect">
+                        <a:avLst/>
+                      </a:prstGeom>
+                    </p:spPr>
+                  </p:pic>
+                </p:oleObj>
+              </mc:Fallback>
+            </mc:AlternateContent>
+          </a:graphicData>
+        </a:graphic>
+      </p:graphicFrame>
+      <p:graphicFrame>
+        <p:nvGraphicFramePr>
+          <p:cNvPr id="5" name="Object 4"/>
+          <p:cNvGraphicFramePr>
+            <a:graphicFrameLocks noChangeAspect="1"/>
+          </p:cNvGraphicFramePr>
+          <p:nvPr>
+            <p:extLst>
+              <p:ext uri="{D42A27DB-BD31-4B8C-83A1-F6EECF244321}">
+                <p14:modId xmlns:p14="http://schemas.microsoft.com/office/powerpoint/2010/main" val="1660261525"/>
+              </p:ext>
+            </p:extLst>
+          </p:nvPr>
+        </p:nvGraphicFramePr>
+        <p:xfrm>
+          <a:off x="6340475" y="242111"/>
+          <a:ext cx="5731846" cy="5905229"/>
+        </p:xfrm>
+        <a:graphic>
+          <a:graphicData uri="http://schemas.openxmlformats.org/presentationml/2006/ole">
+            <mc:AlternateContent xmlns:mc="http://schemas.openxmlformats.org/markup-compatibility/2006">
+              <mc:Choice xmlns:v="urn:schemas-microsoft-com:vml" Requires="v">
+                <p:oleObj spid="_x0000_s1032" name="Image" r:id="rId5" imgW="5353560" imgH="5515560" progId="Photoshop.Image.12">
+                  <p:embed/>
+                </p:oleObj>
+              </mc:Choice>
+              <mc:Fallback>
+                <p:oleObj name="Image" r:id="rId5" imgW="5353560" imgH="5515560" progId="Photoshop.Image.12">
+                  <p:embed/>
+                  <p:pic>
+                    <p:nvPicPr>
+                      <p:cNvPr id="0" name=""/>
+                      <p:cNvPicPr/>
+                      <p:nvPr/>
+                    </p:nvPicPr>
+                    <p:blipFill>
+                      <a:blip r:embed="rId6"/>
+                      <a:stretch>
+                        <a:fillRect/>
+                      </a:stretch>
+                    </p:blipFill>
+                    <p:spPr>
+                      <a:xfrm>
+                        <a:off x="6340475" y="242111"/>
+                        <a:ext cx="5731846" cy="5905229"/>
+                      </a:xfrm>
+                      <a:prstGeom prst="rect">
+                        <a:avLst/>
+                      </a:prstGeom>
+                    </p:spPr>
+                  </p:pic>
+                </p:oleObj>
+              </mc:Fallback>
+            </mc:AlternateContent>
+          </a:graphicData>
+        </a:graphic>
+      </p:graphicFrame>
     </p:spTree>
     <p:extLst>
       <p:ext uri="{BB962C8B-B14F-4D97-AF65-F5344CB8AC3E}">
@@ -6056,7 +6388,377 @@
 </p:sld>
 </file>
 
-<file path=ppt/slides/slide13.xml><?xml version="1.0" encoding="utf-8"?>
+<file path=ppt/slides/slide14.xml><?xml version="1.0" encoding="utf-8"?>
+<p:sld xmlns:a="http://schemas.openxmlformats.org/drawingml/2006/main" xmlns:r="http://schemas.openxmlformats.org/officeDocument/2006/relationships" xmlns:p="http://schemas.openxmlformats.org/presentationml/2006/main">
+  <p:cSld>
+    <p:spTree>
+      <p:nvGrpSpPr>
+        <p:cNvPr id="1" name=""/>
+        <p:cNvGrpSpPr/>
+        <p:nvPr/>
+      </p:nvGrpSpPr>
+      <p:grpSpPr>
+        <a:xfrm>
+          <a:off x="0" y="0"/>
+          <a:ext cx="0" cy="0"/>
+          <a:chOff x="0" y="0"/>
+          <a:chExt cx="0" cy="0"/>
+        </a:xfrm>
+      </p:grpSpPr>
+      <p:graphicFrame>
+        <p:nvGraphicFramePr>
+          <p:cNvPr id="4" name="Object 3"/>
+          <p:cNvGraphicFramePr>
+            <a:graphicFrameLocks noChangeAspect="1"/>
+          </p:cNvGraphicFramePr>
+          <p:nvPr>
+            <p:extLst>
+              <p:ext uri="{D42A27DB-BD31-4B8C-83A1-F6EECF244321}">
+                <p14:modId xmlns:p14="http://schemas.microsoft.com/office/powerpoint/2010/main" val="2921910038"/>
+              </p:ext>
+            </p:extLst>
+          </p:nvPr>
+        </p:nvGraphicFramePr>
+        <p:xfrm>
+          <a:off x="298450" y="149225"/>
+          <a:ext cx="5372100" cy="5543550"/>
+        </p:xfrm>
+        <a:graphic>
+          <a:graphicData uri="http://schemas.openxmlformats.org/presentationml/2006/ole">
+            <mc:AlternateContent xmlns:mc="http://schemas.openxmlformats.org/markup-compatibility/2006">
+              <mc:Choice xmlns:v="urn:schemas-microsoft-com:vml" Requires="v">
+                <p:oleObj spid="_x0000_s3078" name="Image" r:id="rId3" imgW="5372640" imgH="5544000" progId="Photoshop.Image.12">
+                  <p:embed/>
+                </p:oleObj>
+              </mc:Choice>
+              <mc:Fallback>
+                <p:oleObj name="Image" r:id="rId3" imgW="5372640" imgH="5544000" progId="Photoshop.Image.12">
+                  <p:embed/>
+                  <p:pic>
+                    <p:nvPicPr>
+                      <p:cNvPr id="0" name=""/>
+                      <p:cNvPicPr/>
+                      <p:nvPr/>
+                    </p:nvPicPr>
+                    <p:blipFill>
+                      <a:blip r:embed="rId4"/>
+                      <a:stretch>
+                        <a:fillRect/>
+                      </a:stretch>
+                    </p:blipFill>
+                    <p:spPr>
+                      <a:xfrm>
+                        <a:off x="298450" y="149225"/>
+                        <a:ext cx="5372100" cy="5543550"/>
+                      </a:xfrm>
+                      <a:prstGeom prst="rect">
+                        <a:avLst/>
+                      </a:prstGeom>
+                    </p:spPr>
+                  </p:pic>
+                </p:oleObj>
+              </mc:Fallback>
+            </mc:AlternateContent>
+          </a:graphicData>
+        </a:graphic>
+      </p:graphicFrame>
+      <p:graphicFrame>
+        <p:nvGraphicFramePr>
+          <p:cNvPr id="5" name="Object 4"/>
+          <p:cNvGraphicFramePr>
+            <a:graphicFrameLocks noChangeAspect="1"/>
+          </p:cNvGraphicFramePr>
+          <p:nvPr>
+            <p:extLst>
+              <p:ext uri="{D42A27DB-BD31-4B8C-83A1-F6EECF244321}">
+                <p14:modId xmlns:p14="http://schemas.microsoft.com/office/powerpoint/2010/main" val="1844714224"/>
+              </p:ext>
+            </p:extLst>
+          </p:nvPr>
+        </p:nvGraphicFramePr>
+        <p:xfrm>
+          <a:off x="6038850" y="839788"/>
+          <a:ext cx="5372100" cy="5534025"/>
+        </p:xfrm>
+        <a:graphic>
+          <a:graphicData uri="http://schemas.openxmlformats.org/presentationml/2006/ole">
+            <mc:AlternateContent xmlns:mc="http://schemas.openxmlformats.org/markup-compatibility/2006">
+              <mc:Choice xmlns:v="urn:schemas-microsoft-com:vml" Requires="v">
+                <p:oleObj spid="_x0000_s3079" name="Image" r:id="rId5" imgW="5372640" imgH="5534640" progId="Photoshop.Image.12">
+                  <p:embed/>
+                </p:oleObj>
+              </mc:Choice>
+              <mc:Fallback>
+                <p:oleObj name="Image" r:id="rId5" imgW="5372640" imgH="5534640" progId="Photoshop.Image.12">
+                  <p:embed/>
+                  <p:pic>
+                    <p:nvPicPr>
+                      <p:cNvPr id="0" name=""/>
+                      <p:cNvPicPr/>
+                      <p:nvPr/>
+                    </p:nvPicPr>
+                    <p:blipFill>
+                      <a:blip r:embed="rId6"/>
+                      <a:stretch>
+                        <a:fillRect/>
+                      </a:stretch>
+                    </p:blipFill>
+                    <p:spPr>
+                      <a:xfrm>
+                        <a:off x="6038850" y="839788"/>
+                        <a:ext cx="5372100" cy="5534025"/>
+                      </a:xfrm>
+                      <a:prstGeom prst="rect">
+                        <a:avLst/>
+                      </a:prstGeom>
+                    </p:spPr>
+                  </p:pic>
+                </p:oleObj>
+              </mc:Fallback>
+            </mc:AlternateContent>
+          </a:graphicData>
+        </a:graphic>
+      </p:graphicFrame>
+    </p:spTree>
+    <p:extLst>
+      <p:ext uri="{BB962C8B-B14F-4D97-AF65-F5344CB8AC3E}">
+        <p14:creationId xmlns:p14="http://schemas.microsoft.com/office/powerpoint/2010/main" val="745772566"/>
+      </p:ext>
+    </p:extLst>
+  </p:cSld>
+  <p:clrMapOvr>
+    <a:masterClrMapping/>
+  </p:clrMapOvr>
+</p:sld>
+</file>
+
+<file path=ppt/slides/slide15.xml><?xml version="1.0" encoding="utf-8"?>
+<p:sld xmlns:a="http://schemas.openxmlformats.org/drawingml/2006/main" xmlns:r="http://schemas.openxmlformats.org/officeDocument/2006/relationships" xmlns:p="http://schemas.openxmlformats.org/presentationml/2006/main">
+  <p:cSld>
+    <p:spTree>
+      <p:nvGrpSpPr>
+        <p:cNvPr id="1" name=""/>
+        <p:cNvGrpSpPr/>
+        <p:nvPr/>
+      </p:nvGrpSpPr>
+      <p:grpSpPr>
+        <a:xfrm>
+          <a:off x="0" y="0"/>
+          <a:ext cx="0" cy="0"/>
+          <a:chOff x="0" y="0"/>
+          <a:chExt cx="0" cy="0"/>
+        </a:xfrm>
+      </p:grpSpPr>
+      <p:graphicFrame>
+        <p:nvGraphicFramePr>
+          <p:cNvPr id="4" name="Object 3"/>
+          <p:cNvGraphicFramePr>
+            <a:graphicFrameLocks noChangeAspect="1"/>
+          </p:cNvGraphicFramePr>
+          <p:nvPr>
+            <p:extLst>
+              <p:ext uri="{D42A27DB-BD31-4B8C-83A1-F6EECF244321}">
+                <p14:modId xmlns:p14="http://schemas.microsoft.com/office/powerpoint/2010/main" val="3968946254"/>
+              </p:ext>
+            </p:extLst>
+          </p:nvPr>
+        </p:nvGraphicFramePr>
+        <p:xfrm>
+          <a:off x="1689100" y="290730"/>
+          <a:ext cx="5878513" cy="6044984"/>
+        </p:xfrm>
+        <a:graphic>
+          <a:graphicData uri="http://schemas.openxmlformats.org/presentationml/2006/ole">
+            <mc:AlternateContent xmlns:mc="http://schemas.openxmlformats.org/markup-compatibility/2006">
+              <mc:Choice xmlns:v="urn:schemas-microsoft-com:vml" Requires="v">
+                <p:oleObj spid="_x0000_s4100" name="Image" r:id="rId3" imgW="5382360" imgH="5534640" progId="Photoshop.Image.12">
+                  <p:embed/>
+                </p:oleObj>
+              </mc:Choice>
+              <mc:Fallback>
+                <p:oleObj name="Image" r:id="rId3" imgW="5382360" imgH="5534640" progId="Photoshop.Image.12">
+                  <p:embed/>
+                  <p:pic>
+                    <p:nvPicPr>
+                      <p:cNvPr id="0" name=""/>
+                      <p:cNvPicPr/>
+                      <p:nvPr/>
+                    </p:nvPicPr>
+                    <p:blipFill>
+                      <a:blip r:embed="rId4"/>
+                      <a:stretch>
+                        <a:fillRect/>
+                      </a:stretch>
+                    </p:blipFill>
+                    <p:spPr>
+                      <a:xfrm>
+                        <a:off x="1689100" y="290730"/>
+                        <a:ext cx="5878513" cy="6044984"/>
+                      </a:xfrm>
+                      <a:prstGeom prst="rect">
+                        <a:avLst/>
+                      </a:prstGeom>
+                    </p:spPr>
+                  </p:pic>
+                </p:oleObj>
+              </mc:Fallback>
+            </mc:AlternateContent>
+          </a:graphicData>
+        </a:graphic>
+      </p:graphicFrame>
+    </p:spTree>
+    <p:extLst>
+      <p:ext uri="{BB962C8B-B14F-4D97-AF65-F5344CB8AC3E}">
+        <p14:creationId xmlns:p14="http://schemas.microsoft.com/office/powerpoint/2010/main" val="2899775083"/>
+      </p:ext>
+    </p:extLst>
+  </p:cSld>
+  <p:clrMapOvr>
+    <a:masterClrMapping/>
+  </p:clrMapOvr>
+</p:sld>
+</file>
+
+<file path=ppt/slides/slide16.xml><?xml version="1.0" encoding="utf-8"?>
+<p:sld xmlns:a="http://schemas.openxmlformats.org/drawingml/2006/main" xmlns:r="http://schemas.openxmlformats.org/officeDocument/2006/relationships" xmlns:p="http://schemas.openxmlformats.org/presentationml/2006/main">
+  <p:cSld>
+    <p:spTree>
+      <p:nvGrpSpPr>
+        <p:cNvPr id="1" name=""/>
+        <p:cNvGrpSpPr/>
+        <p:nvPr/>
+      </p:nvGrpSpPr>
+      <p:grpSpPr>
+        <a:xfrm>
+          <a:off x="0" y="0"/>
+          <a:ext cx="0" cy="0"/>
+          <a:chOff x="0" y="0"/>
+          <a:chExt cx="0" cy="0"/>
+        </a:xfrm>
+      </p:grpSpPr>
+      <p:sp>
+        <p:nvSpPr>
+          <p:cNvPr id="2" name="Title 1"/>
+          <p:cNvSpPr>
+            <a:spLocks noGrp="1"/>
+          </p:cNvSpPr>
+          <p:nvPr>
+            <p:ph type="title"/>
+          </p:nvPr>
+        </p:nvSpPr>
+        <p:spPr/>
+        <p:txBody>
+          <a:bodyPr/>
+          <a:lstStyle/>
+          <a:p>
+            <a:endParaRPr lang="en-US"/>
+          </a:p>
+        </p:txBody>
+      </p:sp>
+      <p:sp>
+        <p:nvSpPr>
+          <p:cNvPr id="3" name="Content Placeholder 2"/>
+          <p:cNvSpPr>
+            <a:spLocks noGrp="1"/>
+          </p:cNvSpPr>
+          <p:nvPr>
+            <p:ph idx="1"/>
+          </p:nvPr>
+        </p:nvSpPr>
+        <p:spPr/>
+        <p:txBody>
+          <a:bodyPr/>
+          <a:lstStyle/>
+          <a:p>
+            <a:endParaRPr lang="en-US"/>
+          </a:p>
+        </p:txBody>
+      </p:sp>
+    </p:spTree>
+    <p:extLst>
+      <p:ext uri="{BB962C8B-B14F-4D97-AF65-F5344CB8AC3E}">
+        <p14:creationId xmlns:p14="http://schemas.microsoft.com/office/powerpoint/2010/main" val="3602836839"/>
+      </p:ext>
+    </p:extLst>
+  </p:cSld>
+  <p:clrMapOvr>
+    <a:masterClrMapping/>
+  </p:clrMapOvr>
+</p:sld>
+</file>
+
+<file path=ppt/slides/slide17.xml><?xml version="1.0" encoding="utf-8"?>
+<p:sld xmlns:a="http://schemas.openxmlformats.org/drawingml/2006/main" xmlns:r="http://schemas.openxmlformats.org/officeDocument/2006/relationships" xmlns:p="http://schemas.openxmlformats.org/presentationml/2006/main">
+  <p:cSld>
+    <p:spTree>
+      <p:nvGrpSpPr>
+        <p:cNvPr id="1" name=""/>
+        <p:cNvGrpSpPr/>
+        <p:nvPr/>
+      </p:nvGrpSpPr>
+      <p:grpSpPr>
+        <a:xfrm>
+          <a:off x="0" y="0"/>
+          <a:ext cx="0" cy="0"/>
+          <a:chOff x="0" y="0"/>
+          <a:chExt cx="0" cy="0"/>
+        </a:xfrm>
+      </p:grpSpPr>
+      <p:sp>
+        <p:nvSpPr>
+          <p:cNvPr id="2" name="Title 1"/>
+          <p:cNvSpPr>
+            <a:spLocks noGrp="1"/>
+          </p:cNvSpPr>
+          <p:nvPr>
+            <p:ph type="title"/>
+          </p:nvPr>
+        </p:nvSpPr>
+        <p:spPr>
+          <a:xfrm>
+            <a:off x="715434" y="2476500"/>
+            <a:ext cx="8596668" cy="1320800"/>
+          </a:xfrm>
+        </p:spPr>
+        <p:txBody>
+          <a:bodyPr>
+            <a:noAutofit/>
+          </a:bodyPr>
+          <a:lstStyle/>
+          <a:p>
+            <a:r>
+              <a:rPr lang="en-US" sz="6600" dirty="0"/>
+              <a:t>Game </a:t>
+            </a:r>
+            <a:r>
+              <a:rPr lang="en-US" sz="6600" dirty="0" smtClean="0"/>
+              <a:t>Demonstration</a:t>
+            </a:r>
+            <a:endParaRPr lang="en-US" sz="6600" dirty="0"/>
+          </a:p>
+        </p:txBody>
+      </p:sp>
+    </p:spTree>
+    <p:extLst>
+      <p:ext uri="{BB962C8B-B14F-4D97-AF65-F5344CB8AC3E}">
+        <p14:creationId xmlns:p14="http://schemas.microsoft.com/office/powerpoint/2010/main" val="2990744211"/>
+      </p:ext>
+    </p:extLst>
+  </p:cSld>
+  <p:clrMapOvr>
+    <a:masterClrMapping/>
+  </p:clrMapOvr>
+  <p:timing>
+    <p:tnLst>
+      <p:par>
+        <p:cTn id="1" dur="indefinite" restart="never" nodeType="tmRoot"/>
+      </p:par>
+    </p:tnLst>
+  </p:timing>
+</p:sld>
+</file>
+
+<file path=ppt/slides/slide18.xml><?xml version="1.0" encoding="utf-8"?>
 <p:sld xmlns:a="http://schemas.openxmlformats.org/drawingml/2006/main" xmlns:r="http://schemas.openxmlformats.org/officeDocument/2006/relationships" xmlns:p="http://schemas.openxmlformats.org/presentationml/2006/main">
   <p:cSld>
     <p:spTree>
@@ -7102,111 +7804,52 @@
           <a:p>
             <a:r>
               <a:rPr lang="en-US" dirty="0" smtClean="0"/>
-              <a:t>Set-backs</a:t>
+              <a:t>Bullet Mechanics</a:t>
             </a:r>
             <a:endParaRPr lang="en-US" dirty="0"/>
           </a:p>
         </p:txBody>
       </p:sp>
-      <p:sp>
-        <p:nvSpPr>
-          <p:cNvPr id="3" name="Content Placeholder 2"/>
-          <p:cNvSpPr>
-            <a:spLocks noGrp="1"/>
-          </p:cNvSpPr>
-          <p:nvPr>
-            <p:ph idx="1"/>
-          </p:nvPr>
-        </p:nvSpPr>
+      <p:pic>
+        <p:nvPicPr>
+          <p:cNvPr id="4" name="Picture 3"/>
+          <p:cNvPicPr>
+            <a:picLocks noChangeAspect="1"/>
+          </p:cNvPicPr>
+          <p:nvPr/>
+        </p:nvPicPr>
+        <p:blipFill>
+          <a:blip r:embed="rId2">
+            <a:extLst>
+              <a:ext uri="{28A0092B-C50C-407E-A947-70E740481C1C}">
+                <a14:useLocalDpi xmlns:a14="http://schemas.microsoft.com/office/drawing/2010/main" val="0"/>
+              </a:ext>
+            </a:extLst>
+          </a:blip>
+          <a:stretch>
+            <a:fillRect/>
+          </a:stretch>
+        </p:blipFill>
         <p:spPr>
           <a:xfrm>
-            <a:off x="677334" y="1930400"/>
-            <a:ext cx="10536766" cy="3880773"/>
+            <a:off x="1689543" y="1028700"/>
+            <a:ext cx="6572250" cy="6572250"/>
           </a:xfrm>
+          <a:prstGeom prst="rect">
+            <a:avLst/>
+          </a:prstGeom>
         </p:spPr>
-        <p:txBody>
-          <a:bodyPr>
-            <a:normAutofit/>
-          </a:bodyPr>
-          <a:lstStyle/>
-          <a:p>
-            <a:r>
-              <a:rPr lang="en-US" sz="2400" dirty="0" smtClean="0"/>
-              <a:t>Collision Detection</a:t>
-            </a:r>
-          </a:p>
-          <a:p>
-            <a:r>
-              <a:rPr lang="en-US" sz="2400" dirty="0" err="1" smtClean="0"/>
-              <a:t>ReadFile</a:t>
-            </a:r>
-            <a:r>
-              <a:rPr lang="en-US" sz="2400" dirty="0"/>
-              <a:t> </a:t>
-            </a:r>
-            <a:r>
-              <a:rPr lang="en-US" sz="2400" dirty="0" smtClean="0"/>
-              <a:t>not properly opening a file</a:t>
-            </a:r>
-          </a:p>
-          <a:p>
-            <a:r>
-              <a:rPr lang="en-US" sz="2400" dirty="0" smtClean="0"/>
-              <a:t>Rotating Images</a:t>
-            </a:r>
-          </a:p>
-          <a:p>
-            <a:r>
-              <a:rPr lang="en-US" sz="2400" dirty="0" smtClean="0"/>
-              <a:t>Can’t use custom pointer because it breaks </a:t>
-            </a:r>
-            <a:r>
-              <a:rPr lang="en-US" sz="2400" dirty="0" err="1" smtClean="0"/>
-              <a:t>ReadFile</a:t>
-            </a:r>
-            <a:r>
-              <a:rPr lang="en-US" sz="2400" dirty="0"/>
-              <a:t> </a:t>
-            </a:r>
-            <a:r>
-              <a:rPr lang="en-US" sz="2400" dirty="0" smtClean="0"/>
-              <a:t>(</a:t>
-            </a:r>
-            <a:r>
-              <a:rPr lang="en-US" sz="2400" dirty="0" err="1" smtClean="0"/>
-              <a:t>Windows.h</a:t>
-            </a:r>
-            <a:r>
-              <a:rPr lang="en-US" sz="2400" dirty="0" smtClean="0"/>
-              <a:t>)</a:t>
-            </a:r>
-          </a:p>
-          <a:p>
-            <a:r>
-              <a:rPr lang="en-US" sz="2400" dirty="0" smtClean="0"/>
-              <a:t>Can’t return template arrays</a:t>
-            </a:r>
-            <a:endParaRPr lang="en-US" sz="2400" dirty="0"/>
-          </a:p>
-        </p:txBody>
-      </p:sp>
+      </p:pic>
     </p:spTree>
     <p:extLst>
       <p:ext uri="{BB962C8B-B14F-4D97-AF65-F5344CB8AC3E}">
-        <p14:creationId xmlns:p14="http://schemas.microsoft.com/office/powerpoint/2010/main" val="2470981110"/>
+        <p14:creationId xmlns:p14="http://schemas.microsoft.com/office/powerpoint/2010/main" val="973420864"/>
       </p:ext>
     </p:extLst>
   </p:cSld>
   <p:clrMapOvr>
     <a:masterClrMapping/>
   </p:clrMapOvr>
-  <p:timing>
-    <p:tnLst>
-      <p:par>
-        <p:cTn id="1" dur="indefinite" restart="never" nodeType="tmRoot"/>
-      </p:par>
-    </p:tnLst>
-  </p:timing>
 </p:sld>
 </file>
 
@@ -7227,95 +7870,73 @@
           <a:chExt cx="0" cy="0"/>
         </a:xfrm>
       </p:grpSpPr>
-      <p:sp>
-        <p:nvSpPr>
-          <p:cNvPr id="2" name="Title 1"/>
-          <p:cNvSpPr>
-            <a:spLocks noGrp="1"/>
-          </p:cNvSpPr>
-          <p:nvPr>
-            <p:ph type="title"/>
-          </p:nvPr>
-        </p:nvSpPr>
-        <p:spPr/>
-        <p:txBody>
-          <a:bodyPr/>
-          <a:lstStyle/>
-          <a:p>
-            <a:r>
-              <a:rPr lang="en-US" dirty="0" smtClean="0"/>
-              <a:t>Things We’ve Learned</a:t>
-            </a:r>
-            <a:endParaRPr lang="en-US" dirty="0"/>
-          </a:p>
-        </p:txBody>
-      </p:sp>
-      <p:sp>
-        <p:nvSpPr>
-          <p:cNvPr id="3" name="Content Placeholder 2"/>
-          <p:cNvSpPr>
-            <a:spLocks noGrp="1"/>
-          </p:cNvSpPr>
-          <p:nvPr>
-            <p:ph idx="1"/>
-          </p:nvPr>
-        </p:nvSpPr>
-        <p:spPr>
-          <a:xfrm>
-            <a:off x="677334" y="1741489"/>
-            <a:ext cx="8596668" cy="3880773"/>
-          </a:xfrm>
-        </p:spPr>
-        <p:txBody>
-          <a:bodyPr>
-            <a:normAutofit/>
-          </a:bodyPr>
-          <a:lstStyle/>
-          <a:p>
-            <a:r>
-              <a:rPr lang="en-US" sz="3200" dirty="0" smtClean="0"/>
-              <a:t>Matt hates making games</a:t>
-            </a:r>
-          </a:p>
-          <a:p>
-            <a:r>
-              <a:rPr lang="en-US" sz="3200" dirty="0" smtClean="0"/>
-              <a:t>Learned the logic of collision detection</a:t>
-            </a:r>
-            <a:endParaRPr lang="en-US" sz="3200" dirty="0" smtClean="0"/>
-          </a:p>
-          <a:p>
-            <a:r>
-              <a:rPr lang="en-US" sz="3200" dirty="0" smtClean="0"/>
-              <a:t>Planning ahead helped us keep on track</a:t>
-            </a:r>
-          </a:p>
-          <a:p>
-            <a:r>
-              <a:rPr lang="en-US" sz="3200" dirty="0" smtClean="0"/>
-              <a:t>Nothing goes as well as you plan</a:t>
-            </a:r>
-            <a:endParaRPr lang="en-US" sz="3200" dirty="0"/>
-          </a:p>
-        </p:txBody>
-      </p:sp>
+      <p:graphicFrame>
+        <p:nvGraphicFramePr>
+          <p:cNvPr id="4" name="Object 3"/>
+          <p:cNvGraphicFramePr>
+            <a:graphicFrameLocks noChangeAspect="1"/>
+          </p:cNvGraphicFramePr>
+          <p:nvPr>
+            <p:extLst>
+              <p:ext uri="{D42A27DB-BD31-4B8C-83A1-F6EECF244321}">
+                <p14:modId xmlns:p14="http://schemas.microsoft.com/office/powerpoint/2010/main" val="2436552510"/>
+              </p:ext>
+            </p:extLst>
+          </p:nvPr>
+        </p:nvGraphicFramePr>
+        <p:xfrm>
+          <a:off x="749300" y="375526"/>
+          <a:ext cx="7720013" cy="5623638"/>
+        </p:xfrm>
+        <a:graphic>
+          <a:graphicData uri="http://schemas.openxmlformats.org/presentationml/2006/ole">
+            <mc:AlternateContent xmlns:mc="http://schemas.openxmlformats.org/markup-compatibility/2006">
+              <mc:Choice xmlns:v="urn:schemas-microsoft-com:vml" Requires="v">
+                <p:oleObj spid="_x0000_s2052" name="Image" r:id="rId3" imgW="6501240" imgH="4736160" progId="Photoshop.Image.12">
+                  <p:embed/>
+                </p:oleObj>
+              </mc:Choice>
+              <mc:Fallback>
+                <p:oleObj name="Image" r:id="rId3" imgW="6501240" imgH="4736160" progId="Photoshop.Image.12">
+                  <p:embed/>
+                  <p:pic>
+                    <p:nvPicPr>
+                      <p:cNvPr id="0" name=""/>
+                      <p:cNvPicPr/>
+                      <p:nvPr/>
+                    </p:nvPicPr>
+                    <p:blipFill>
+                      <a:blip r:embed="rId4"/>
+                      <a:stretch>
+                        <a:fillRect/>
+                      </a:stretch>
+                    </p:blipFill>
+                    <p:spPr>
+                      <a:xfrm>
+                        <a:off x="749300" y="375526"/>
+                        <a:ext cx="7720013" cy="5623638"/>
+                      </a:xfrm>
+                      <a:prstGeom prst="rect">
+                        <a:avLst/>
+                      </a:prstGeom>
+                    </p:spPr>
+                  </p:pic>
+                </p:oleObj>
+              </mc:Fallback>
+            </mc:AlternateContent>
+          </a:graphicData>
+        </a:graphic>
+      </p:graphicFrame>
     </p:spTree>
     <p:extLst>
       <p:ext uri="{BB962C8B-B14F-4D97-AF65-F5344CB8AC3E}">
-        <p14:creationId xmlns:p14="http://schemas.microsoft.com/office/powerpoint/2010/main" val="1096012092"/>
+        <p14:creationId xmlns:p14="http://schemas.microsoft.com/office/powerpoint/2010/main" val="1337411648"/>
       </p:ext>
     </p:extLst>
   </p:cSld>
   <p:clrMapOvr>
     <a:masterClrMapping/>
   </p:clrMapOvr>
-  <p:timing>
-    <p:tnLst>
-      <p:par>
-        <p:cTn id="1" dur="indefinite" restart="never" nodeType="tmRoot"/>
-      </p:par>
-    </p:tnLst>
-  </p:timing>
 </p:sld>
 </file>
 

--- a/FinalPresentation.pptx
+++ b/FinalPresentation.pptx
@@ -4,6 +4,9 @@
   <p:sldMasterIdLst>
     <p:sldMasterId id="2147483767" r:id="rId1"/>
   </p:sldMasterIdLst>
+  <p:notesMasterIdLst>
+    <p:notesMasterId r:id="rId21"/>
+  </p:notesMasterIdLst>
   <p:sldIdLst>
     <p:sldId id="256" r:id="rId2"/>
     <p:sldId id="257" r:id="rId3"/>
@@ -20,9 +23,10 @@
     <p:sldId id="268" r:id="rId14"/>
     <p:sldId id="270" r:id="rId15"/>
     <p:sldId id="271" r:id="rId16"/>
-    <p:sldId id="272" r:id="rId17"/>
+    <p:sldId id="274" r:id="rId17"/>
     <p:sldId id="265" r:id="rId18"/>
-    <p:sldId id="266" r:id="rId19"/>
+    <p:sldId id="275" r:id="rId19"/>
+    <p:sldId id="266" r:id="rId20"/>
   </p:sldIdLst>
   <p:sldSz cx="12192000" cy="6858000"/>
   <p:notesSz cx="6858000" cy="9144000"/>
@@ -127,6 +131,2268 @@
     </p:ext>
   </p:extLst>
 </p:presentation>
+</file>
+
+<file path=ppt/notesMasters/notesMaster1.xml><?xml version="1.0" encoding="utf-8"?>
+<p:notesMaster xmlns:a="http://schemas.openxmlformats.org/drawingml/2006/main" xmlns:r="http://schemas.openxmlformats.org/officeDocument/2006/relationships" xmlns:p="http://schemas.openxmlformats.org/presentationml/2006/main">
+  <p:cSld>
+    <p:bg>
+      <p:bgRef idx="1001">
+        <a:schemeClr val="bg1"/>
+      </p:bgRef>
+    </p:bg>
+    <p:spTree>
+      <p:nvGrpSpPr>
+        <p:cNvPr id="1" name=""/>
+        <p:cNvGrpSpPr/>
+        <p:nvPr/>
+      </p:nvGrpSpPr>
+      <p:grpSpPr>
+        <a:xfrm>
+          <a:off x="0" y="0"/>
+          <a:ext cx="0" cy="0"/>
+          <a:chOff x="0" y="0"/>
+          <a:chExt cx="0" cy="0"/>
+        </a:xfrm>
+      </p:grpSpPr>
+      <p:sp>
+        <p:nvSpPr>
+          <p:cNvPr id="2" name="Header Placeholder 1"/>
+          <p:cNvSpPr>
+            <a:spLocks noGrp="1"/>
+          </p:cNvSpPr>
+          <p:nvPr>
+            <p:ph type="hdr" sz="quarter"/>
+          </p:nvPr>
+        </p:nvSpPr>
+        <p:spPr>
+          <a:xfrm>
+            <a:off x="0" y="0"/>
+            <a:ext cx="2971800" cy="458788"/>
+          </a:xfrm>
+          <a:prstGeom prst="rect">
+            <a:avLst/>
+          </a:prstGeom>
+        </p:spPr>
+        <p:txBody>
+          <a:bodyPr vert="horz" lIns="91440" tIns="45720" rIns="91440" bIns="45720" rtlCol="0"/>
+          <a:lstStyle>
+            <a:lvl1pPr algn="l">
+              <a:defRPr sz="1200"/>
+            </a:lvl1pPr>
+          </a:lstStyle>
+          <a:p>
+            <a:endParaRPr lang="en-US"/>
+          </a:p>
+        </p:txBody>
+      </p:sp>
+      <p:sp>
+        <p:nvSpPr>
+          <p:cNvPr id="3" name="Date Placeholder 2"/>
+          <p:cNvSpPr>
+            <a:spLocks noGrp="1"/>
+          </p:cNvSpPr>
+          <p:nvPr>
+            <p:ph type="dt" idx="1"/>
+          </p:nvPr>
+        </p:nvSpPr>
+        <p:spPr>
+          <a:xfrm>
+            <a:off x="3884613" y="0"/>
+            <a:ext cx="2971800" cy="458788"/>
+          </a:xfrm>
+          <a:prstGeom prst="rect">
+            <a:avLst/>
+          </a:prstGeom>
+        </p:spPr>
+        <p:txBody>
+          <a:bodyPr vert="horz" lIns="91440" tIns="45720" rIns="91440" bIns="45720" rtlCol="0"/>
+          <a:lstStyle>
+            <a:lvl1pPr algn="r">
+              <a:defRPr sz="1200"/>
+            </a:lvl1pPr>
+          </a:lstStyle>
+          <a:p>
+            <a:fld id="{C86735CE-3916-4781-9C25-B9246018EE32}" type="datetimeFigureOut">
+              <a:rPr lang="en-US" smtClean="0"/>
+              <a:t>5/2/2015</a:t>
+            </a:fld>
+            <a:endParaRPr lang="en-US"/>
+          </a:p>
+        </p:txBody>
+      </p:sp>
+      <p:sp>
+        <p:nvSpPr>
+          <p:cNvPr id="4" name="Slide Image Placeholder 3"/>
+          <p:cNvSpPr>
+            <a:spLocks noGrp="1" noRot="1" noChangeAspect="1"/>
+          </p:cNvSpPr>
+          <p:nvPr>
+            <p:ph type="sldImg" idx="2"/>
+          </p:nvPr>
+        </p:nvSpPr>
+        <p:spPr>
+          <a:xfrm>
+            <a:off x="685800" y="1143000"/>
+            <a:ext cx="5486400" cy="3086100"/>
+          </a:xfrm>
+          <a:prstGeom prst="rect">
+            <a:avLst/>
+          </a:prstGeom>
+          <a:noFill/>
+          <a:ln w="12700">
+            <a:solidFill>
+              <a:prstClr val="black"/>
+            </a:solidFill>
+          </a:ln>
+        </p:spPr>
+        <p:txBody>
+          <a:bodyPr vert="horz" lIns="91440" tIns="45720" rIns="91440" bIns="45720" rtlCol="0" anchor="ctr"/>
+          <a:lstStyle/>
+          <a:p>
+            <a:endParaRPr lang="en-US"/>
+          </a:p>
+        </p:txBody>
+      </p:sp>
+      <p:sp>
+        <p:nvSpPr>
+          <p:cNvPr id="5" name="Notes Placeholder 4"/>
+          <p:cNvSpPr>
+            <a:spLocks noGrp="1"/>
+          </p:cNvSpPr>
+          <p:nvPr>
+            <p:ph type="body" sz="quarter" idx="3"/>
+          </p:nvPr>
+        </p:nvSpPr>
+        <p:spPr>
+          <a:xfrm>
+            <a:off x="685800" y="4400550"/>
+            <a:ext cx="5486400" cy="3600450"/>
+          </a:xfrm>
+          <a:prstGeom prst="rect">
+            <a:avLst/>
+          </a:prstGeom>
+        </p:spPr>
+        <p:txBody>
+          <a:bodyPr vert="horz" lIns="91440" tIns="45720" rIns="91440" bIns="45720" rtlCol="0"/>
+          <a:lstStyle/>
+          <a:p>
+            <a:pPr lvl="0"/>
+            <a:r>
+              <a:rPr lang="en-US" smtClean="0"/>
+              <a:t>Click to edit Master text styles</a:t>
+            </a:r>
+          </a:p>
+          <a:p>
+            <a:pPr lvl="1"/>
+            <a:r>
+              <a:rPr lang="en-US" smtClean="0"/>
+              <a:t>Second level</a:t>
+            </a:r>
+          </a:p>
+          <a:p>
+            <a:pPr lvl="2"/>
+            <a:r>
+              <a:rPr lang="en-US" smtClean="0"/>
+              <a:t>Third level</a:t>
+            </a:r>
+          </a:p>
+          <a:p>
+            <a:pPr lvl="3"/>
+            <a:r>
+              <a:rPr lang="en-US" smtClean="0"/>
+              <a:t>Fourth level</a:t>
+            </a:r>
+          </a:p>
+          <a:p>
+            <a:pPr lvl="4"/>
+            <a:r>
+              <a:rPr lang="en-US" smtClean="0"/>
+              <a:t>Fifth level</a:t>
+            </a:r>
+            <a:endParaRPr lang="en-US"/>
+          </a:p>
+        </p:txBody>
+      </p:sp>
+      <p:sp>
+        <p:nvSpPr>
+          <p:cNvPr id="6" name="Footer Placeholder 5"/>
+          <p:cNvSpPr>
+            <a:spLocks noGrp="1"/>
+          </p:cNvSpPr>
+          <p:nvPr>
+            <p:ph type="ftr" sz="quarter" idx="4"/>
+          </p:nvPr>
+        </p:nvSpPr>
+        <p:spPr>
+          <a:xfrm>
+            <a:off x="0" y="8685213"/>
+            <a:ext cx="2971800" cy="458787"/>
+          </a:xfrm>
+          <a:prstGeom prst="rect">
+            <a:avLst/>
+          </a:prstGeom>
+        </p:spPr>
+        <p:txBody>
+          <a:bodyPr vert="horz" lIns="91440" tIns="45720" rIns="91440" bIns="45720" rtlCol="0" anchor="b"/>
+          <a:lstStyle>
+            <a:lvl1pPr algn="l">
+              <a:defRPr sz="1200"/>
+            </a:lvl1pPr>
+          </a:lstStyle>
+          <a:p>
+            <a:endParaRPr lang="en-US"/>
+          </a:p>
+        </p:txBody>
+      </p:sp>
+      <p:sp>
+        <p:nvSpPr>
+          <p:cNvPr id="7" name="Slide Number Placeholder 6"/>
+          <p:cNvSpPr>
+            <a:spLocks noGrp="1"/>
+          </p:cNvSpPr>
+          <p:nvPr>
+            <p:ph type="sldNum" sz="quarter" idx="5"/>
+          </p:nvPr>
+        </p:nvSpPr>
+        <p:spPr>
+          <a:xfrm>
+            <a:off x="3884613" y="8685213"/>
+            <a:ext cx="2971800" cy="458787"/>
+          </a:xfrm>
+          <a:prstGeom prst="rect">
+            <a:avLst/>
+          </a:prstGeom>
+        </p:spPr>
+        <p:txBody>
+          <a:bodyPr vert="horz" lIns="91440" tIns="45720" rIns="91440" bIns="45720" rtlCol="0" anchor="b"/>
+          <a:lstStyle>
+            <a:lvl1pPr algn="r">
+              <a:defRPr sz="1200"/>
+            </a:lvl1pPr>
+          </a:lstStyle>
+          <a:p>
+            <a:fld id="{586BD014-4AF6-4EB8-A3FF-3E706461A674}" type="slidenum">
+              <a:rPr lang="en-US" smtClean="0"/>
+              <a:t>‹#›</a:t>
+            </a:fld>
+            <a:endParaRPr lang="en-US"/>
+          </a:p>
+        </p:txBody>
+      </p:sp>
+    </p:spTree>
+    <p:extLst>
+      <p:ext uri="{BB962C8B-B14F-4D97-AF65-F5344CB8AC3E}">
+        <p14:creationId xmlns:p14="http://schemas.microsoft.com/office/powerpoint/2010/main" val="1296373166"/>
+      </p:ext>
+    </p:extLst>
+  </p:cSld>
+  <p:clrMap bg1="lt1" tx1="dk1" bg2="lt2" tx2="dk2" accent1="accent1" accent2="accent2" accent3="accent3" accent4="accent4" accent5="accent5" accent6="accent6" hlink="hlink" folHlink="folHlink"/>
+  <p:notesStyle>
+    <a:lvl1pPr marL="0" algn="l" defTabSz="914400" rtl="0" eaLnBrk="1" latinLnBrk="0" hangingPunct="1">
+      <a:defRPr sz="1200" kern="1200">
+        <a:solidFill>
+          <a:schemeClr val="tx1"/>
+        </a:solidFill>
+        <a:latin typeface="+mn-lt"/>
+        <a:ea typeface="+mn-ea"/>
+        <a:cs typeface="+mn-cs"/>
+      </a:defRPr>
+    </a:lvl1pPr>
+    <a:lvl2pPr marL="457200" algn="l" defTabSz="914400" rtl="0" eaLnBrk="1" latinLnBrk="0" hangingPunct="1">
+      <a:defRPr sz="1200" kern="1200">
+        <a:solidFill>
+          <a:schemeClr val="tx1"/>
+        </a:solidFill>
+        <a:latin typeface="+mn-lt"/>
+        <a:ea typeface="+mn-ea"/>
+        <a:cs typeface="+mn-cs"/>
+      </a:defRPr>
+    </a:lvl2pPr>
+    <a:lvl3pPr marL="914400" algn="l" defTabSz="914400" rtl="0" eaLnBrk="1" latinLnBrk="0" hangingPunct="1">
+      <a:defRPr sz="1200" kern="1200">
+        <a:solidFill>
+          <a:schemeClr val="tx1"/>
+        </a:solidFill>
+        <a:latin typeface="+mn-lt"/>
+        <a:ea typeface="+mn-ea"/>
+        <a:cs typeface="+mn-cs"/>
+      </a:defRPr>
+    </a:lvl3pPr>
+    <a:lvl4pPr marL="1371600" algn="l" defTabSz="914400" rtl="0" eaLnBrk="1" latinLnBrk="0" hangingPunct="1">
+      <a:defRPr sz="1200" kern="1200">
+        <a:solidFill>
+          <a:schemeClr val="tx1"/>
+        </a:solidFill>
+        <a:latin typeface="+mn-lt"/>
+        <a:ea typeface="+mn-ea"/>
+        <a:cs typeface="+mn-cs"/>
+      </a:defRPr>
+    </a:lvl4pPr>
+    <a:lvl5pPr marL="1828800" algn="l" defTabSz="914400" rtl="0" eaLnBrk="1" latinLnBrk="0" hangingPunct="1">
+      <a:defRPr sz="1200" kern="1200">
+        <a:solidFill>
+          <a:schemeClr val="tx1"/>
+        </a:solidFill>
+        <a:latin typeface="+mn-lt"/>
+        <a:ea typeface="+mn-ea"/>
+        <a:cs typeface="+mn-cs"/>
+      </a:defRPr>
+    </a:lvl5pPr>
+    <a:lvl6pPr marL="2286000" algn="l" defTabSz="914400" rtl="0" eaLnBrk="1" latinLnBrk="0" hangingPunct="1">
+      <a:defRPr sz="1200" kern="1200">
+        <a:solidFill>
+          <a:schemeClr val="tx1"/>
+        </a:solidFill>
+        <a:latin typeface="+mn-lt"/>
+        <a:ea typeface="+mn-ea"/>
+        <a:cs typeface="+mn-cs"/>
+      </a:defRPr>
+    </a:lvl6pPr>
+    <a:lvl7pPr marL="2743200" algn="l" defTabSz="914400" rtl="0" eaLnBrk="1" latinLnBrk="0" hangingPunct="1">
+      <a:defRPr sz="1200" kern="1200">
+        <a:solidFill>
+          <a:schemeClr val="tx1"/>
+        </a:solidFill>
+        <a:latin typeface="+mn-lt"/>
+        <a:ea typeface="+mn-ea"/>
+        <a:cs typeface="+mn-cs"/>
+      </a:defRPr>
+    </a:lvl7pPr>
+    <a:lvl8pPr marL="3200400" algn="l" defTabSz="914400" rtl="0" eaLnBrk="1" latinLnBrk="0" hangingPunct="1">
+      <a:defRPr sz="1200" kern="1200">
+        <a:solidFill>
+          <a:schemeClr val="tx1"/>
+        </a:solidFill>
+        <a:latin typeface="+mn-lt"/>
+        <a:ea typeface="+mn-ea"/>
+        <a:cs typeface="+mn-cs"/>
+      </a:defRPr>
+    </a:lvl8pPr>
+    <a:lvl9pPr marL="3657600" algn="l" defTabSz="914400" rtl="0" eaLnBrk="1" latinLnBrk="0" hangingPunct="1">
+      <a:defRPr sz="1200" kern="1200">
+        <a:solidFill>
+          <a:schemeClr val="tx1"/>
+        </a:solidFill>
+        <a:latin typeface="+mn-lt"/>
+        <a:ea typeface="+mn-ea"/>
+        <a:cs typeface="+mn-cs"/>
+      </a:defRPr>
+    </a:lvl9pPr>
+  </p:notesStyle>
+</p:notesMaster>
+</file>
+
+<file path=ppt/notesSlides/notesSlide1.xml><?xml version="1.0" encoding="utf-8"?>
+<p:notes xmlns:a="http://schemas.openxmlformats.org/drawingml/2006/main" xmlns:r="http://schemas.openxmlformats.org/officeDocument/2006/relationships" xmlns:p="http://schemas.openxmlformats.org/presentationml/2006/main">
+  <p:cSld>
+    <p:spTree>
+      <p:nvGrpSpPr>
+        <p:cNvPr id="1" name=""/>
+        <p:cNvGrpSpPr/>
+        <p:nvPr/>
+      </p:nvGrpSpPr>
+      <p:grpSpPr>
+        <a:xfrm>
+          <a:off x="0" y="0"/>
+          <a:ext cx="0" cy="0"/>
+          <a:chOff x="0" y="0"/>
+          <a:chExt cx="0" cy="0"/>
+        </a:xfrm>
+      </p:grpSpPr>
+      <p:sp>
+        <p:nvSpPr>
+          <p:cNvPr id="2" name="Slide Image Placeholder 1"/>
+          <p:cNvSpPr>
+            <a:spLocks noGrp="1" noRot="1" noChangeAspect="1"/>
+          </p:cNvSpPr>
+          <p:nvPr>
+            <p:ph type="sldImg"/>
+          </p:nvPr>
+        </p:nvSpPr>
+        <p:spPr/>
+      </p:sp>
+      <p:sp>
+        <p:nvSpPr>
+          <p:cNvPr id="3" name="Notes Placeholder 2"/>
+          <p:cNvSpPr>
+            <a:spLocks noGrp="1"/>
+          </p:cNvSpPr>
+          <p:nvPr>
+            <p:ph type="body" idx="1"/>
+          </p:nvPr>
+        </p:nvSpPr>
+        <p:spPr/>
+        <p:txBody>
+          <a:bodyPr/>
+          <a:lstStyle/>
+          <a:p>
+            <a:r>
+              <a:rPr lang="en-US" dirty="0" smtClean="0"/>
+              <a:t>FULL NAMES</a:t>
+            </a:r>
+            <a:endParaRPr lang="en-US" dirty="0"/>
+          </a:p>
+        </p:txBody>
+      </p:sp>
+      <p:sp>
+        <p:nvSpPr>
+          <p:cNvPr id="4" name="Slide Number Placeholder 3"/>
+          <p:cNvSpPr>
+            <a:spLocks noGrp="1"/>
+          </p:cNvSpPr>
+          <p:nvPr>
+            <p:ph type="sldNum" sz="quarter" idx="10"/>
+          </p:nvPr>
+        </p:nvSpPr>
+        <p:spPr/>
+        <p:txBody>
+          <a:bodyPr/>
+          <a:lstStyle/>
+          <a:p>
+            <a:fld id="{586BD014-4AF6-4EB8-A3FF-3E706461A674}" type="slidenum">
+              <a:rPr lang="en-US" smtClean="0"/>
+              <a:t>1</a:t>
+            </a:fld>
+            <a:endParaRPr lang="en-US"/>
+          </a:p>
+        </p:txBody>
+      </p:sp>
+    </p:spTree>
+    <p:extLst>
+      <p:ext uri="{BB962C8B-B14F-4D97-AF65-F5344CB8AC3E}">
+        <p14:creationId xmlns:p14="http://schemas.microsoft.com/office/powerpoint/2010/main" val="108631158"/>
+      </p:ext>
+    </p:extLst>
+  </p:cSld>
+  <p:clrMapOvr>
+    <a:masterClrMapping/>
+  </p:clrMapOvr>
+</p:notes>
+</file>
+
+<file path=ppt/notesSlides/notesSlide10.xml><?xml version="1.0" encoding="utf-8"?>
+<p:notes xmlns:a="http://schemas.openxmlformats.org/drawingml/2006/main" xmlns:r="http://schemas.openxmlformats.org/officeDocument/2006/relationships" xmlns:p="http://schemas.openxmlformats.org/presentationml/2006/main">
+  <p:cSld>
+    <p:spTree>
+      <p:nvGrpSpPr>
+        <p:cNvPr id="1" name=""/>
+        <p:cNvGrpSpPr/>
+        <p:nvPr/>
+      </p:nvGrpSpPr>
+      <p:grpSpPr>
+        <a:xfrm>
+          <a:off x="0" y="0"/>
+          <a:ext cx="0" cy="0"/>
+          <a:chOff x="0" y="0"/>
+          <a:chExt cx="0" cy="0"/>
+        </a:xfrm>
+      </p:grpSpPr>
+      <p:sp>
+        <p:nvSpPr>
+          <p:cNvPr id="2" name="Slide Image Placeholder 1"/>
+          <p:cNvSpPr>
+            <a:spLocks noGrp="1" noRot="1" noChangeAspect="1"/>
+          </p:cNvSpPr>
+          <p:nvPr>
+            <p:ph type="sldImg"/>
+          </p:nvPr>
+        </p:nvSpPr>
+        <p:spPr/>
+      </p:sp>
+      <p:sp>
+        <p:nvSpPr>
+          <p:cNvPr id="3" name="Notes Placeholder 2"/>
+          <p:cNvSpPr>
+            <a:spLocks noGrp="1"/>
+          </p:cNvSpPr>
+          <p:nvPr>
+            <p:ph type="body" idx="1"/>
+          </p:nvPr>
+        </p:nvSpPr>
+        <p:spPr/>
+        <p:txBody>
+          <a:bodyPr/>
+          <a:lstStyle/>
+          <a:p>
+            <a:r>
+              <a:rPr lang="en-US" dirty="0" smtClean="0"/>
+              <a:t>Joe: Collision Detection (many redesigns)</a:t>
+            </a:r>
+            <a:r>
+              <a:rPr lang="en-US" baseline="0" dirty="0" smtClean="0"/>
+              <a:t> and Rotating images (was very difficult and time consuming to figure out)</a:t>
+            </a:r>
+          </a:p>
+          <a:p>
+            <a:endParaRPr lang="en-US" baseline="0" dirty="0" smtClean="0"/>
+          </a:p>
+          <a:p>
+            <a:r>
+              <a:rPr lang="en-US" baseline="0" dirty="0" smtClean="0"/>
+              <a:t>Matt: </a:t>
+            </a:r>
+            <a:r>
+              <a:rPr lang="en-US" baseline="0" dirty="0" err="1" smtClean="0"/>
+              <a:t>Readfile</a:t>
+            </a:r>
+            <a:r>
+              <a:rPr lang="en-US" baseline="0" dirty="0" smtClean="0"/>
+              <a:t> issue (filename defined after opening file—compiler didn’t catch), custom pointer (w/o drastically reducing speed or using a graphics API, need to use </a:t>
+            </a:r>
+            <a:r>
+              <a:rPr lang="en-US" baseline="0" dirty="0" err="1" smtClean="0"/>
+              <a:t>Windows.h</a:t>
+            </a:r>
+            <a:r>
+              <a:rPr lang="en-US" baseline="0" dirty="0" smtClean="0"/>
+              <a:t> which destroys our ability to use file input class, thus destroying our ability to draw the world), template arrays (can’t return them, workaround)</a:t>
+            </a:r>
+            <a:endParaRPr lang="en-US" dirty="0"/>
+          </a:p>
+        </p:txBody>
+      </p:sp>
+      <p:sp>
+        <p:nvSpPr>
+          <p:cNvPr id="4" name="Slide Number Placeholder 3"/>
+          <p:cNvSpPr>
+            <a:spLocks noGrp="1"/>
+          </p:cNvSpPr>
+          <p:nvPr>
+            <p:ph type="sldNum" sz="quarter" idx="10"/>
+          </p:nvPr>
+        </p:nvSpPr>
+        <p:spPr/>
+        <p:txBody>
+          <a:bodyPr/>
+          <a:lstStyle/>
+          <a:p>
+            <a:fld id="{586BD014-4AF6-4EB8-A3FF-3E706461A674}" type="slidenum">
+              <a:rPr lang="en-US" smtClean="0"/>
+              <a:t>10</a:t>
+            </a:fld>
+            <a:endParaRPr lang="en-US"/>
+          </a:p>
+        </p:txBody>
+      </p:sp>
+    </p:spTree>
+    <p:extLst>
+      <p:ext uri="{BB962C8B-B14F-4D97-AF65-F5344CB8AC3E}">
+        <p14:creationId xmlns:p14="http://schemas.microsoft.com/office/powerpoint/2010/main" val="3339914221"/>
+      </p:ext>
+    </p:extLst>
+  </p:cSld>
+  <p:clrMapOvr>
+    <a:masterClrMapping/>
+  </p:clrMapOvr>
+</p:notes>
+</file>
+
+<file path=ppt/notesSlides/notesSlide11.xml><?xml version="1.0" encoding="utf-8"?>
+<p:notes xmlns:a="http://schemas.openxmlformats.org/drawingml/2006/main" xmlns:r="http://schemas.openxmlformats.org/officeDocument/2006/relationships" xmlns:p="http://schemas.openxmlformats.org/presentationml/2006/main">
+  <p:cSld>
+    <p:spTree>
+      <p:nvGrpSpPr>
+        <p:cNvPr id="1" name=""/>
+        <p:cNvGrpSpPr/>
+        <p:nvPr/>
+      </p:nvGrpSpPr>
+      <p:grpSpPr>
+        <a:xfrm>
+          <a:off x="0" y="0"/>
+          <a:ext cx="0" cy="0"/>
+          <a:chOff x="0" y="0"/>
+          <a:chExt cx="0" cy="0"/>
+        </a:xfrm>
+      </p:grpSpPr>
+      <p:sp>
+        <p:nvSpPr>
+          <p:cNvPr id="2" name="Slide Image Placeholder 1"/>
+          <p:cNvSpPr>
+            <a:spLocks noGrp="1" noRot="1" noChangeAspect="1"/>
+          </p:cNvSpPr>
+          <p:nvPr>
+            <p:ph type="sldImg"/>
+          </p:nvPr>
+        </p:nvSpPr>
+        <p:spPr/>
+      </p:sp>
+      <p:sp>
+        <p:nvSpPr>
+          <p:cNvPr id="3" name="Notes Placeholder 2"/>
+          <p:cNvSpPr>
+            <a:spLocks noGrp="1"/>
+          </p:cNvSpPr>
+          <p:nvPr>
+            <p:ph type="body" idx="1"/>
+          </p:nvPr>
+        </p:nvSpPr>
+        <p:spPr/>
+        <p:txBody>
+          <a:bodyPr/>
+          <a:lstStyle/>
+          <a:p>
+            <a:r>
+              <a:rPr lang="en-US" dirty="0" smtClean="0"/>
+              <a:t>Matt: I hate making games</a:t>
+            </a:r>
+          </a:p>
+          <a:p>
+            <a:r>
+              <a:rPr lang="en-US" dirty="0" smtClean="0"/>
+              <a:t>Learned how collision detection works and the logic behind writing collision detection</a:t>
+            </a:r>
+          </a:p>
+          <a:p>
+            <a:r>
+              <a:rPr lang="en-US" dirty="0" smtClean="0"/>
+              <a:t>Planning ahead helped stay focused but issues drove us off course</a:t>
+            </a:r>
+          </a:p>
+          <a:p>
+            <a:r>
+              <a:rPr lang="en-US" dirty="0" smtClean="0"/>
+              <a:t>Could</a:t>
+            </a:r>
+            <a:r>
+              <a:rPr lang="en-US" baseline="0" dirty="0" smtClean="0"/>
+              <a:t> get this ambiguous error: “One or more errors occurred.”</a:t>
+            </a:r>
+            <a:endParaRPr lang="en-US" dirty="0"/>
+          </a:p>
+        </p:txBody>
+      </p:sp>
+      <p:sp>
+        <p:nvSpPr>
+          <p:cNvPr id="4" name="Slide Number Placeholder 3"/>
+          <p:cNvSpPr>
+            <a:spLocks noGrp="1"/>
+          </p:cNvSpPr>
+          <p:nvPr>
+            <p:ph type="sldNum" sz="quarter" idx="10"/>
+          </p:nvPr>
+        </p:nvSpPr>
+        <p:spPr/>
+        <p:txBody>
+          <a:bodyPr/>
+          <a:lstStyle/>
+          <a:p>
+            <a:fld id="{586BD014-4AF6-4EB8-A3FF-3E706461A674}" type="slidenum">
+              <a:rPr lang="en-US" smtClean="0"/>
+              <a:t>11</a:t>
+            </a:fld>
+            <a:endParaRPr lang="en-US"/>
+          </a:p>
+        </p:txBody>
+      </p:sp>
+    </p:spTree>
+    <p:extLst>
+      <p:ext uri="{BB962C8B-B14F-4D97-AF65-F5344CB8AC3E}">
+        <p14:creationId xmlns:p14="http://schemas.microsoft.com/office/powerpoint/2010/main" val="1470297510"/>
+      </p:ext>
+    </p:extLst>
+  </p:cSld>
+  <p:clrMapOvr>
+    <a:masterClrMapping/>
+  </p:clrMapOvr>
+</p:notes>
+</file>
+
+<file path=ppt/notesSlides/notesSlide12.xml><?xml version="1.0" encoding="utf-8"?>
+<p:notes xmlns:a="http://schemas.openxmlformats.org/drawingml/2006/main" xmlns:r="http://schemas.openxmlformats.org/officeDocument/2006/relationships" xmlns:p="http://schemas.openxmlformats.org/presentationml/2006/main">
+  <p:cSld>
+    <p:spTree>
+      <p:nvGrpSpPr>
+        <p:cNvPr id="1" name=""/>
+        <p:cNvGrpSpPr/>
+        <p:nvPr/>
+      </p:nvGrpSpPr>
+      <p:grpSpPr>
+        <a:xfrm>
+          <a:off x="0" y="0"/>
+          <a:ext cx="0" cy="0"/>
+          <a:chOff x="0" y="0"/>
+          <a:chExt cx="0" cy="0"/>
+        </a:xfrm>
+      </p:grpSpPr>
+      <p:sp>
+        <p:nvSpPr>
+          <p:cNvPr id="2" name="Slide Image Placeholder 1"/>
+          <p:cNvSpPr>
+            <a:spLocks noGrp="1" noRot="1" noChangeAspect="1"/>
+          </p:cNvSpPr>
+          <p:nvPr>
+            <p:ph type="sldImg"/>
+          </p:nvPr>
+        </p:nvSpPr>
+        <p:spPr/>
+      </p:sp>
+      <p:sp>
+        <p:nvSpPr>
+          <p:cNvPr id="3" name="Notes Placeholder 2"/>
+          <p:cNvSpPr>
+            <a:spLocks noGrp="1"/>
+          </p:cNvSpPr>
+          <p:nvPr>
+            <p:ph type="body" idx="1"/>
+          </p:nvPr>
+        </p:nvSpPr>
+        <p:spPr/>
+        <p:txBody>
+          <a:bodyPr/>
+          <a:lstStyle/>
+          <a:p>
+            <a:r>
+              <a:rPr lang="en-US" dirty="0" smtClean="0"/>
+              <a:t>Savanah: This</a:t>
+            </a:r>
+            <a:r>
+              <a:rPr lang="en-US" baseline="0" dirty="0" smtClean="0"/>
+              <a:t> shows gameplay</a:t>
+            </a:r>
+            <a:endParaRPr lang="en-US" dirty="0"/>
+          </a:p>
+        </p:txBody>
+      </p:sp>
+      <p:sp>
+        <p:nvSpPr>
+          <p:cNvPr id="4" name="Slide Number Placeholder 3"/>
+          <p:cNvSpPr>
+            <a:spLocks noGrp="1"/>
+          </p:cNvSpPr>
+          <p:nvPr>
+            <p:ph type="sldNum" sz="quarter" idx="10"/>
+          </p:nvPr>
+        </p:nvSpPr>
+        <p:spPr/>
+        <p:txBody>
+          <a:bodyPr/>
+          <a:lstStyle/>
+          <a:p>
+            <a:fld id="{586BD014-4AF6-4EB8-A3FF-3E706461A674}" type="slidenum">
+              <a:rPr lang="en-US" smtClean="0"/>
+              <a:t>12</a:t>
+            </a:fld>
+            <a:endParaRPr lang="en-US"/>
+          </a:p>
+        </p:txBody>
+      </p:sp>
+    </p:spTree>
+    <p:extLst>
+      <p:ext uri="{BB962C8B-B14F-4D97-AF65-F5344CB8AC3E}">
+        <p14:creationId xmlns:p14="http://schemas.microsoft.com/office/powerpoint/2010/main" val="788693918"/>
+      </p:ext>
+    </p:extLst>
+  </p:cSld>
+  <p:clrMapOvr>
+    <a:masterClrMapping/>
+  </p:clrMapOvr>
+</p:notes>
+</file>
+
+<file path=ppt/notesSlides/notesSlide13.xml><?xml version="1.0" encoding="utf-8"?>
+<p:notes xmlns:a="http://schemas.openxmlformats.org/drawingml/2006/main" xmlns:r="http://schemas.openxmlformats.org/officeDocument/2006/relationships" xmlns:p="http://schemas.openxmlformats.org/presentationml/2006/main">
+  <p:cSld>
+    <p:spTree>
+      <p:nvGrpSpPr>
+        <p:cNvPr id="1" name=""/>
+        <p:cNvGrpSpPr/>
+        <p:nvPr/>
+      </p:nvGrpSpPr>
+      <p:grpSpPr>
+        <a:xfrm>
+          <a:off x="0" y="0"/>
+          <a:ext cx="0" cy="0"/>
+          <a:chOff x="0" y="0"/>
+          <a:chExt cx="0" cy="0"/>
+        </a:xfrm>
+      </p:grpSpPr>
+      <p:sp>
+        <p:nvSpPr>
+          <p:cNvPr id="2" name="Slide Image Placeholder 1"/>
+          <p:cNvSpPr>
+            <a:spLocks noGrp="1" noRot="1" noChangeAspect="1"/>
+          </p:cNvSpPr>
+          <p:nvPr>
+            <p:ph type="sldImg"/>
+          </p:nvPr>
+        </p:nvSpPr>
+        <p:spPr/>
+      </p:sp>
+      <p:sp>
+        <p:nvSpPr>
+          <p:cNvPr id="3" name="Notes Placeholder 2"/>
+          <p:cNvSpPr>
+            <a:spLocks noGrp="1"/>
+          </p:cNvSpPr>
+          <p:nvPr>
+            <p:ph type="body" idx="1"/>
+          </p:nvPr>
+        </p:nvSpPr>
+        <p:spPr/>
+        <p:txBody>
+          <a:bodyPr/>
+          <a:lstStyle/>
+          <a:p>
+            <a:r>
+              <a:rPr lang="en-US" dirty="0" smtClean="0"/>
+              <a:t>Savanah:</a:t>
+            </a:r>
+            <a:r>
+              <a:rPr lang="en-US" baseline="0" dirty="0" smtClean="0"/>
+              <a:t> (Left) player wins…shot tank</a:t>
+            </a:r>
+          </a:p>
+          <a:p>
+            <a:r>
+              <a:rPr lang="en-US" baseline="0" dirty="0" smtClean="0"/>
+              <a:t>(right) Player loses… shot by </a:t>
+            </a:r>
+            <a:r>
+              <a:rPr lang="en-US" baseline="0" dirty="0" err="1" smtClean="0"/>
+              <a:t>ai</a:t>
+            </a:r>
+            <a:endParaRPr lang="en-US" dirty="0"/>
+          </a:p>
+        </p:txBody>
+      </p:sp>
+      <p:sp>
+        <p:nvSpPr>
+          <p:cNvPr id="4" name="Slide Number Placeholder 3"/>
+          <p:cNvSpPr>
+            <a:spLocks noGrp="1"/>
+          </p:cNvSpPr>
+          <p:nvPr>
+            <p:ph type="sldNum" sz="quarter" idx="10"/>
+          </p:nvPr>
+        </p:nvSpPr>
+        <p:spPr/>
+        <p:txBody>
+          <a:bodyPr/>
+          <a:lstStyle/>
+          <a:p>
+            <a:fld id="{586BD014-4AF6-4EB8-A3FF-3E706461A674}" type="slidenum">
+              <a:rPr lang="en-US" smtClean="0"/>
+              <a:t>13</a:t>
+            </a:fld>
+            <a:endParaRPr lang="en-US"/>
+          </a:p>
+        </p:txBody>
+      </p:sp>
+    </p:spTree>
+    <p:extLst>
+      <p:ext uri="{BB962C8B-B14F-4D97-AF65-F5344CB8AC3E}">
+        <p14:creationId xmlns:p14="http://schemas.microsoft.com/office/powerpoint/2010/main" val="3858469560"/>
+      </p:ext>
+    </p:extLst>
+  </p:cSld>
+  <p:clrMapOvr>
+    <a:masterClrMapping/>
+  </p:clrMapOvr>
+</p:notes>
+</file>
+
+<file path=ppt/notesSlides/notesSlide14.xml><?xml version="1.0" encoding="utf-8"?>
+<p:notes xmlns:a="http://schemas.openxmlformats.org/drawingml/2006/main" xmlns:r="http://schemas.openxmlformats.org/officeDocument/2006/relationships" xmlns:p="http://schemas.openxmlformats.org/presentationml/2006/main">
+  <p:cSld>
+    <p:spTree>
+      <p:nvGrpSpPr>
+        <p:cNvPr id="1" name=""/>
+        <p:cNvGrpSpPr/>
+        <p:nvPr/>
+      </p:nvGrpSpPr>
+      <p:grpSpPr>
+        <a:xfrm>
+          <a:off x="0" y="0"/>
+          <a:ext cx="0" cy="0"/>
+          <a:chOff x="0" y="0"/>
+          <a:chExt cx="0" cy="0"/>
+        </a:xfrm>
+      </p:grpSpPr>
+      <p:sp>
+        <p:nvSpPr>
+          <p:cNvPr id="2" name="Slide Image Placeholder 1"/>
+          <p:cNvSpPr>
+            <a:spLocks noGrp="1" noRot="1" noChangeAspect="1"/>
+          </p:cNvSpPr>
+          <p:nvPr>
+            <p:ph type="sldImg"/>
+          </p:nvPr>
+        </p:nvSpPr>
+        <p:spPr/>
+      </p:sp>
+      <p:sp>
+        <p:nvSpPr>
+          <p:cNvPr id="3" name="Notes Placeholder 2"/>
+          <p:cNvSpPr>
+            <a:spLocks noGrp="1"/>
+          </p:cNvSpPr>
+          <p:nvPr>
+            <p:ph type="body" idx="1"/>
+          </p:nvPr>
+        </p:nvSpPr>
+        <p:spPr/>
+        <p:txBody>
+          <a:bodyPr/>
+          <a:lstStyle/>
+          <a:p>
+            <a:r>
+              <a:rPr lang="en-US" dirty="0" smtClean="0"/>
+              <a:t>Savanah: Player can place a mine</a:t>
+            </a:r>
+            <a:br>
+              <a:rPr lang="en-US" dirty="0" smtClean="0"/>
+            </a:br>
+            <a:r>
+              <a:rPr lang="en-US" dirty="0" smtClean="0"/>
+              <a:t>(right)</a:t>
+            </a:r>
+            <a:r>
+              <a:rPr lang="en-US" baseline="0" dirty="0" smtClean="0"/>
+              <a:t> </a:t>
+            </a:r>
+            <a:r>
+              <a:rPr lang="en-US" baseline="0" dirty="0" err="1" smtClean="0"/>
+              <a:t>ai</a:t>
+            </a:r>
+            <a:r>
+              <a:rPr lang="en-US" baseline="0" dirty="0" smtClean="0"/>
+              <a:t> dies when hit mine – player wins</a:t>
+            </a:r>
+            <a:endParaRPr lang="en-US" dirty="0"/>
+          </a:p>
+        </p:txBody>
+      </p:sp>
+      <p:sp>
+        <p:nvSpPr>
+          <p:cNvPr id="4" name="Slide Number Placeholder 3"/>
+          <p:cNvSpPr>
+            <a:spLocks noGrp="1"/>
+          </p:cNvSpPr>
+          <p:nvPr>
+            <p:ph type="sldNum" sz="quarter" idx="10"/>
+          </p:nvPr>
+        </p:nvSpPr>
+        <p:spPr/>
+        <p:txBody>
+          <a:bodyPr/>
+          <a:lstStyle/>
+          <a:p>
+            <a:fld id="{586BD014-4AF6-4EB8-A3FF-3E706461A674}" type="slidenum">
+              <a:rPr lang="en-US" smtClean="0"/>
+              <a:t>14</a:t>
+            </a:fld>
+            <a:endParaRPr lang="en-US"/>
+          </a:p>
+        </p:txBody>
+      </p:sp>
+    </p:spTree>
+    <p:extLst>
+      <p:ext uri="{BB962C8B-B14F-4D97-AF65-F5344CB8AC3E}">
+        <p14:creationId xmlns:p14="http://schemas.microsoft.com/office/powerpoint/2010/main" val="1618688552"/>
+      </p:ext>
+    </p:extLst>
+  </p:cSld>
+  <p:clrMapOvr>
+    <a:masterClrMapping/>
+  </p:clrMapOvr>
+</p:notes>
+</file>
+
+<file path=ppt/notesSlides/notesSlide15.xml><?xml version="1.0" encoding="utf-8"?>
+<p:notes xmlns:a="http://schemas.openxmlformats.org/drawingml/2006/main" xmlns:r="http://schemas.openxmlformats.org/officeDocument/2006/relationships" xmlns:p="http://schemas.openxmlformats.org/presentationml/2006/main">
+  <p:cSld>
+    <p:spTree>
+      <p:nvGrpSpPr>
+        <p:cNvPr id="1" name=""/>
+        <p:cNvGrpSpPr/>
+        <p:nvPr/>
+      </p:nvGrpSpPr>
+      <p:grpSpPr>
+        <a:xfrm>
+          <a:off x="0" y="0"/>
+          <a:ext cx="0" cy="0"/>
+          <a:chOff x="0" y="0"/>
+          <a:chExt cx="0" cy="0"/>
+        </a:xfrm>
+      </p:grpSpPr>
+      <p:sp>
+        <p:nvSpPr>
+          <p:cNvPr id="2" name="Slide Image Placeholder 1"/>
+          <p:cNvSpPr>
+            <a:spLocks noGrp="1" noRot="1" noChangeAspect="1"/>
+          </p:cNvSpPr>
+          <p:nvPr>
+            <p:ph type="sldImg"/>
+          </p:nvPr>
+        </p:nvSpPr>
+        <p:spPr/>
+      </p:sp>
+      <p:sp>
+        <p:nvSpPr>
+          <p:cNvPr id="3" name="Notes Placeholder 2"/>
+          <p:cNvSpPr>
+            <a:spLocks noGrp="1"/>
+          </p:cNvSpPr>
+          <p:nvPr>
+            <p:ph type="body" idx="1"/>
+          </p:nvPr>
+        </p:nvSpPr>
+        <p:spPr/>
+        <p:txBody>
+          <a:bodyPr/>
+          <a:lstStyle/>
+          <a:p>
+            <a:r>
+              <a:rPr lang="en-US" dirty="0" smtClean="0"/>
+              <a:t>Savanah: Game is pause-able.</a:t>
+            </a:r>
+            <a:r>
+              <a:rPr lang="en-US" baseline="0" dirty="0" smtClean="0"/>
+              <a:t> Everything stops and all that can be done is un-pause or restart</a:t>
+            </a:r>
+            <a:endParaRPr lang="en-US" dirty="0"/>
+          </a:p>
+        </p:txBody>
+      </p:sp>
+      <p:sp>
+        <p:nvSpPr>
+          <p:cNvPr id="4" name="Slide Number Placeholder 3"/>
+          <p:cNvSpPr>
+            <a:spLocks noGrp="1"/>
+          </p:cNvSpPr>
+          <p:nvPr>
+            <p:ph type="sldNum" sz="quarter" idx="10"/>
+          </p:nvPr>
+        </p:nvSpPr>
+        <p:spPr/>
+        <p:txBody>
+          <a:bodyPr/>
+          <a:lstStyle/>
+          <a:p>
+            <a:fld id="{586BD014-4AF6-4EB8-A3FF-3E706461A674}" type="slidenum">
+              <a:rPr lang="en-US" smtClean="0"/>
+              <a:t>15</a:t>
+            </a:fld>
+            <a:endParaRPr lang="en-US"/>
+          </a:p>
+        </p:txBody>
+      </p:sp>
+    </p:spTree>
+    <p:extLst>
+      <p:ext uri="{BB962C8B-B14F-4D97-AF65-F5344CB8AC3E}">
+        <p14:creationId xmlns:p14="http://schemas.microsoft.com/office/powerpoint/2010/main" val="119419364"/>
+      </p:ext>
+    </p:extLst>
+  </p:cSld>
+  <p:clrMapOvr>
+    <a:masterClrMapping/>
+  </p:clrMapOvr>
+</p:notes>
+</file>
+
+<file path=ppt/notesSlides/notesSlide16.xml><?xml version="1.0" encoding="utf-8"?>
+<p:notes xmlns:a="http://schemas.openxmlformats.org/drawingml/2006/main" xmlns:r="http://schemas.openxmlformats.org/officeDocument/2006/relationships" xmlns:p="http://schemas.openxmlformats.org/presentationml/2006/main">
+  <p:cSld>
+    <p:spTree>
+      <p:nvGrpSpPr>
+        <p:cNvPr id="1" name=""/>
+        <p:cNvGrpSpPr/>
+        <p:nvPr/>
+      </p:nvGrpSpPr>
+      <p:grpSpPr>
+        <a:xfrm>
+          <a:off x="0" y="0"/>
+          <a:ext cx="0" cy="0"/>
+          <a:chOff x="0" y="0"/>
+          <a:chExt cx="0" cy="0"/>
+        </a:xfrm>
+      </p:grpSpPr>
+      <p:sp>
+        <p:nvSpPr>
+          <p:cNvPr id="2" name="Slide Image Placeholder 1"/>
+          <p:cNvSpPr>
+            <a:spLocks noGrp="1" noRot="1" noChangeAspect="1"/>
+          </p:cNvSpPr>
+          <p:nvPr>
+            <p:ph type="sldImg"/>
+          </p:nvPr>
+        </p:nvSpPr>
+        <p:spPr/>
+      </p:sp>
+      <p:sp>
+        <p:nvSpPr>
+          <p:cNvPr id="3" name="Notes Placeholder 2"/>
+          <p:cNvSpPr>
+            <a:spLocks noGrp="1"/>
+          </p:cNvSpPr>
+          <p:nvPr>
+            <p:ph type="body" idx="1"/>
+          </p:nvPr>
+        </p:nvSpPr>
+        <p:spPr/>
+        <p:txBody>
+          <a:bodyPr/>
+          <a:lstStyle/>
+          <a:p>
+            <a:r>
+              <a:rPr lang="en-US" dirty="0" smtClean="0"/>
+              <a:t>Matt: We were a</a:t>
+            </a:r>
+            <a:r>
+              <a:rPr lang="en-US" baseline="0" dirty="0" smtClean="0"/>
+              <a:t> little ambitious in our plans</a:t>
+            </a:r>
+          </a:p>
+          <a:p>
+            <a:r>
+              <a:rPr lang="en-US" baseline="0" dirty="0" smtClean="0"/>
+              <a:t>Animations (explosions)</a:t>
+            </a:r>
+          </a:p>
+          <a:p>
+            <a:r>
+              <a:rPr lang="en-US" baseline="0" dirty="0" smtClean="0"/>
+              <a:t>Sound effects (explosions, collisions)</a:t>
+            </a:r>
+          </a:p>
+          <a:p>
+            <a:r>
+              <a:rPr lang="en-US" baseline="0" dirty="0" smtClean="0"/>
+              <a:t>More levels (different amounts of enemies and configurations)</a:t>
+            </a:r>
+          </a:p>
+          <a:p>
+            <a:r>
+              <a:rPr lang="en-US" baseline="0" dirty="0" smtClean="0"/>
+              <a:t>More Sophisticated AI (different types of enemies that work differently)</a:t>
+            </a:r>
+          </a:p>
+          <a:p>
+            <a:r>
+              <a:rPr lang="en-US" baseline="0" dirty="0" smtClean="0"/>
+              <a:t>Multiplayer</a:t>
+            </a:r>
+          </a:p>
+          <a:p>
+            <a:r>
+              <a:rPr lang="en-US" baseline="0" dirty="0" smtClean="0"/>
+              <a:t>Scoring</a:t>
+            </a:r>
+            <a:endParaRPr lang="en-US" dirty="0"/>
+          </a:p>
+        </p:txBody>
+      </p:sp>
+      <p:sp>
+        <p:nvSpPr>
+          <p:cNvPr id="4" name="Slide Number Placeholder 3"/>
+          <p:cNvSpPr>
+            <a:spLocks noGrp="1"/>
+          </p:cNvSpPr>
+          <p:nvPr>
+            <p:ph type="sldNum" sz="quarter" idx="10"/>
+          </p:nvPr>
+        </p:nvSpPr>
+        <p:spPr/>
+        <p:txBody>
+          <a:bodyPr/>
+          <a:lstStyle/>
+          <a:p>
+            <a:fld id="{586BD014-4AF6-4EB8-A3FF-3E706461A674}" type="slidenum">
+              <a:rPr lang="en-US" smtClean="0"/>
+              <a:t>16</a:t>
+            </a:fld>
+            <a:endParaRPr lang="en-US"/>
+          </a:p>
+        </p:txBody>
+      </p:sp>
+    </p:spTree>
+    <p:extLst>
+      <p:ext uri="{BB962C8B-B14F-4D97-AF65-F5344CB8AC3E}">
+        <p14:creationId xmlns:p14="http://schemas.microsoft.com/office/powerpoint/2010/main" val="943721101"/>
+      </p:ext>
+    </p:extLst>
+  </p:cSld>
+  <p:clrMapOvr>
+    <a:masterClrMapping/>
+  </p:clrMapOvr>
+</p:notes>
+</file>
+
+<file path=ppt/notesSlides/notesSlide17.xml><?xml version="1.0" encoding="utf-8"?>
+<p:notes xmlns:a="http://schemas.openxmlformats.org/drawingml/2006/main" xmlns:r="http://schemas.openxmlformats.org/officeDocument/2006/relationships" xmlns:p="http://schemas.openxmlformats.org/presentationml/2006/main">
+  <p:cSld>
+    <p:spTree>
+      <p:nvGrpSpPr>
+        <p:cNvPr id="1" name=""/>
+        <p:cNvGrpSpPr/>
+        <p:nvPr/>
+      </p:nvGrpSpPr>
+      <p:grpSpPr>
+        <a:xfrm>
+          <a:off x="0" y="0"/>
+          <a:ext cx="0" cy="0"/>
+          <a:chOff x="0" y="0"/>
+          <a:chExt cx="0" cy="0"/>
+        </a:xfrm>
+      </p:grpSpPr>
+      <p:sp>
+        <p:nvSpPr>
+          <p:cNvPr id="2" name="Slide Image Placeholder 1"/>
+          <p:cNvSpPr>
+            <a:spLocks noGrp="1" noRot="1" noChangeAspect="1"/>
+          </p:cNvSpPr>
+          <p:nvPr>
+            <p:ph type="sldImg"/>
+          </p:nvPr>
+        </p:nvSpPr>
+        <p:spPr/>
+      </p:sp>
+      <p:sp>
+        <p:nvSpPr>
+          <p:cNvPr id="3" name="Notes Placeholder 2"/>
+          <p:cNvSpPr>
+            <a:spLocks noGrp="1"/>
+          </p:cNvSpPr>
+          <p:nvPr>
+            <p:ph type="body" idx="1"/>
+          </p:nvPr>
+        </p:nvSpPr>
+        <p:spPr/>
+        <p:txBody>
+          <a:bodyPr/>
+          <a:lstStyle/>
+          <a:p>
+            <a:r>
+              <a:rPr lang="en-US" dirty="0" smtClean="0"/>
+              <a:t>HOPEFULLY THERE IS TIME :D</a:t>
+            </a:r>
+            <a:endParaRPr lang="en-US" dirty="0"/>
+          </a:p>
+        </p:txBody>
+      </p:sp>
+      <p:sp>
+        <p:nvSpPr>
+          <p:cNvPr id="4" name="Slide Number Placeholder 3"/>
+          <p:cNvSpPr>
+            <a:spLocks noGrp="1"/>
+          </p:cNvSpPr>
+          <p:nvPr>
+            <p:ph type="sldNum" sz="quarter" idx="10"/>
+          </p:nvPr>
+        </p:nvSpPr>
+        <p:spPr/>
+        <p:txBody>
+          <a:bodyPr/>
+          <a:lstStyle/>
+          <a:p>
+            <a:fld id="{586BD014-4AF6-4EB8-A3FF-3E706461A674}" type="slidenum">
+              <a:rPr lang="en-US" smtClean="0"/>
+              <a:t>17</a:t>
+            </a:fld>
+            <a:endParaRPr lang="en-US"/>
+          </a:p>
+        </p:txBody>
+      </p:sp>
+    </p:spTree>
+    <p:extLst>
+      <p:ext uri="{BB962C8B-B14F-4D97-AF65-F5344CB8AC3E}">
+        <p14:creationId xmlns:p14="http://schemas.microsoft.com/office/powerpoint/2010/main" val="759644016"/>
+      </p:ext>
+    </p:extLst>
+  </p:cSld>
+  <p:clrMapOvr>
+    <a:masterClrMapping/>
+  </p:clrMapOvr>
+</p:notes>
+</file>
+
+<file path=ppt/notesSlides/notesSlide18.xml><?xml version="1.0" encoding="utf-8"?>
+<p:notes xmlns:a="http://schemas.openxmlformats.org/drawingml/2006/main" xmlns:r="http://schemas.openxmlformats.org/officeDocument/2006/relationships" xmlns:p="http://schemas.openxmlformats.org/presentationml/2006/main">
+  <p:cSld>
+    <p:spTree>
+      <p:nvGrpSpPr>
+        <p:cNvPr id="1" name=""/>
+        <p:cNvGrpSpPr/>
+        <p:nvPr/>
+      </p:nvGrpSpPr>
+      <p:grpSpPr>
+        <a:xfrm>
+          <a:off x="0" y="0"/>
+          <a:ext cx="0" cy="0"/>
+          <a:chOff x="0" y="0"/>
+          <a:chExt cx="0" cy="0"/>
+        </a:xfrm>
+      </p:grpSpPr>
+      <p:sp>
+        <p:nvSpPr>
+          <p:cNvPr id="2" name="Slide Image Placeholder 1"/>
+          <p:cNvSpPr>
+            <a:spLocks noGrp="1" noRot="1" noChangeAspect="1"/>
+          </p:cNvSpPr>
+          <p:nvPr>
+            <p:ph type="sldImg"/>
+          </p:nvPr>
+        </p:nvSpPr>
+        <p:spPr/>
+      </p:sp>
+      <p:sp>
+        <p:nvSpPr>
+          <p:cNvPr id="3" name="Notes Placeholder 2"/>
+          <p:cNvSpPr>
+            <a:spLocks noGrp="1"/>
+          </p:cNvSpPr>
+          <p:nvPr>
+            <p:ph type="body" idx="1"/>
+          </p:nvPr>
+        </p:nvSpPr>
+        <p:spPr/>
+        <p:txBody>
+          <a:bodyPr/>
+          <a:lstStyle/>
+          <a:p>
+            <a:r>
+              <a:rPr lang="en-US" dirty="0" smtClean="0"/>
+              <a:t>Joe: Overall, we have a playable game with double-buffered graphics, collision detection, and a fully functioning</a:t>
+            </a:r>
+            <a:r>
+              <a:rPr lang="en-US" baseline="0" dirty="0" smtClean="0"/>
+              <a:t> Artificial Intelligence enemy. This shows our ability as programmers, and we are very satisfied with our progress and outcome.</a:t>
+            </a:r>
+            <a:endParaRPr lang="en-US" dirty="0"/>
+          </a:p>
+        </p:txBody>
+      </p:sp>
+      <p:sp>
+        <p:nvSpPr>
+          <p:cNvPr id="4" name="Slide Number Placeholder 3"/>
+          <p:cNvSpPr>
+            <a:spLocks noGrp="1"/>
+          </p:cNvSpPr>
+          <p:nvPr>
+            <p:ph type="sldNum" sz="quarter" idx="10"/>
+          </p:nvPr>
+        </p:nvSpPr>
+        <p:spPr/>
+        <p:txBody>
+          <a:bodyPr/>
+          <a:lstStyle/>
+          <a:p>
+            <a:fld id="{586BD014-4AF6-4EB8-A3FF-3E706461A674}" type="slidenum">
+              <a:rPr lang="en-US" smtClean="0"/>
+              <a:t>18</a:t>
+            </a:fld>
+            <a:endParaRPr lang="en-US"/>
+          </a:p>
+        </p:txBody>
+      </p:sp>
+    </p:spTree>
+    <p:extLst>
+      <p:ext uri="{BB962C8B-B14F-4D97-AF65-F5344CB8AC3E}">
+        <p14:creationId xmlns:p14="http://schemas.microsoft.com/office/powerpoint/2010/main" val="3010803959"/>
+      </p:ext>
+    </p:extLst>
+  </p:cSld>
+  <p:clrMapOvr>
+    <a:masterClrMapping/>
+  </p:clrMapOvr>
+</p:notes>
+</file>
+
+<file path=ppt/notesSlides/notesSlide19.xml><?xml version="1.0" encoding="utf-8"?>
+<p:notes xmlns:a="http://schemas.openxmlformats.org/drawingml/2006/main" xmlns:r="http://schemas.openxmlformats.org/officeDocument/2006/relationships" xmlns:p="http://schemas.openxmlformats.org/presentationml/2006/main">
+  <p:cSld>
+    <p:spTree>
+      <p:nvGrpSpPr>
+        <p:cNvPr id="1" name=""/>
+        <p:cNvGrpSpPr/>
+        <p:nvPr/>
+      </p:nvGrpSpPr>
+      <p:grpSpPr>
+        <a:xfrm>
+          <a:off x="0" y="0"/>
+          <a:ext cx="0" cy="0"/>
+          <a:chOff x="0" y="0"/>
+          <a:chExt cx="0" cy="0"/>
+        </a:xfrm>
+      </p:grpSpPr>
+      <p:sp>
+        <p:nvSpPr>
+          <p:cNvPr id="2" name="Slide Image Placeholder 1"/>
+          <p:cNvSpPr>
+            <a:spLocks noGrp="1" noRot="1" noChangeAspect="1"/>
+          </p:cNvSpPr>
+          <p:nvPr>
+            <p:ph type="sldImg"/>
+          </p:nvPr>
+        </p:nvSpPr>
+        <p:spPr/>
+      </p:sp>
+      <p:sp>
+        <p:nvSpPr>
+          <p:cNvPr id="3" name="Notes Placeholder 2"/>
+          <p:cNvSpPr>
+            <a:spLocks noGrp="1"/>
+          </p:cNvSpPr>
+          <p:nvPr>
+            <p:ph type="body" idx="1"/>
+          </p:nvPr>
+        </p:nvSpPr>
+        <p:spPr/>
+        <p:txBody>
+          <a:bodyPr/>
+          <a:lstStyle/>
+          <a:p>
+            <a:r>
+              <a:rPr lang="en-US" dirty="0" smtClean="0"/>
+              <a:t>I sure hope not…</a:t>
+            </a:r>
+            <a:endParaRPr lang="en-US" dirty="0"/>
+          </a:p>
+        </p:txBody>
+      </p:sp>
+      <p:sp>
+        <p:nvSpPr>
+          <p:cNvPr id="4" name="Slide Number Placeholder 3"/>
+          <p:cNvSpPr>
+            <a:spLocks noGrp="1"/>
+          </p:cNvSpPr>
+          <p:nvPr>
+            <p:ph type="sldNum" sz="quarter" idx="10"/>
+          </p:nvPr>
+        </p:nvSpPr>
+        <p:spPr/>
+        <p:txBody>
+          <a:bodyPr/>
+          <a:lstStyle/>
+          <a:p>
+            <a:fld id="{586BD014-4AF6-4EB8-A3FF-3E706461A674}" type="slidenum">
+              <a:rPr lang="en-US" smtClean="0"/>
+              <a:t>19</a:t>
+            </a:fld>
+            <a:endParaRPr lang="en-US"/>
+          </a:p>
+        </p:txBody>
+      </p:sp>
+    </p:spTree>
+    <p:extLst>
+      <p:ext uri="{BB962C8B-B14F-4D97-AF65-F5344CB8AC3E}">
+        <p14:creationId xmlns:p14="http://schemas.microsoft.com/office/powerpoint/2010/main" val="2770458150"/>
+      </p:ext>
+    </p:extLst>
+  </p:cSld>
+  <p:clrMapOvr>
+    <a:masterClrMapping/>
+  </p:clrMapOvr>
+</p:notes>
+</file>
+
+<file path=ppt/notesSlides/notesSlide2.xml><?xml version="1.0" encoding="utf-8"?>
+<p:notes xmlns:a="http://schemas.openxmlformats.org/drawingml/2006/main" xmlns:r="http://schemas.openxmlformats.org/officeDocument/2006/relationships" xmlns:p="http://schemas.openxmlformats.org/presentationml/2006/main">
+  <p:cSld>
+    <p:spTree>
+      <p:nvGrpSpPr>
+        <p:cNvPr id="1" name=""/>
+        <p:cNvGrpSpPr/>
+        <p:nvPr/>
+      </p:nvGrpSpPr>
+      <p:grpSpPr>
+        <a:xfrm>
+          <a:off x="0" y="0"/>
+          <a:ext cx="0" cy="0"/>
+          <a:chOff x="0" y="0"/>
+          <a:chExt cx="0" cy="0"/>
+        </a:xfrm>
+      </p:grpSpPr>
+      <p:sp>
+        <p:nvSpPr>
+          <p:cNvPr id="2" name="Slide Image Placeholder 1"/>
+          <p:cNvSpPr>
+            <a:spLocks noGrp="1" noRot="1" noChangeAspect="1"/>
+          </p:cNvSpPr>
+          <p:nvPr>
+            <p:ph type="sldImg"/>
+          </p:nvPr>
+        </p:nvSpPr>
+        <p:spPr/>
+      </p:sp>
+      <p:sp>
+        <p:nvSpPr>
+          <p:cNvPr id="3" name="Notes Placeholder 2"/>
+          <p:cNvSpPr>
+            <a:spLocks noGrp="1"/>
+          </p:cNvSpPr>
+          <p:nvPr>
+            <p:ph type="body" idx="1"/>
+          </p:nvPr>
+        </p:nvSpPr>
+        <p:spPr/>
+        <p:txBody>
+          <a:bodyPr/>
+          <a:lstStyle/>
+          <a:p>
+            <a:r>
+              <a:rPr lang="en-US" dirty="0" smtClean="0"/>
+              <a:t>Savanah: Game objective</a:t>
+            </a:r>
+            <a:endParaRPr lang="en-US" dirty="0"/>
+          </a:p>
+        </p:txBody>
+      </p:sp>
+      <p:sp>
+        <p:nvSpPr>
+          <p:cNvPr id="4" name="Slide Number Placeholder 3"/>
+          <p:cNvSpPr>
+            <a:spLocks noGrp="1"/>
+          </p:cNvSpPr>
+          <p:nvPr>
+            <p:ph type="sldNum" sz="quarter" idx="10"/>
+          </p:nvPr>
+        </p:nvSpPr>
+        <p:spPr/>
+        <p:txBody>
+          <a:bodyPr/>
+          <a:lstStyle/>
+          <a:p>
+            <a:fld id="{586BD014-4AF6-4EB8-A3FF-3E706461A674}" type="slidenum">
+              <a:rPr lang="en-US" smtClean="0"/>
+              <a:t>2</a:t>
+            </a:fld>
+            <a:endParaRPr lang="en-US"/>
+          </a:p>
+        </p:txBody>
+      </p:sp>
+    </p:spTree>
+    <p:extLst>
+      <p:ext uri="{BB962C8B-B14F-4D97-AF65-F5344CB8AC3E}">
+        <p14:creationId xmlns:p14="http://schemas.microsoft.com/office/powerpoint/2010/main" val="1037963112"/>
+      </p:ext>
+    </p:extLst>
+  </p:cSld>
+  <p:clrMapOvr>
+    <a:masterClrMapping/>
+  </p:clrMapOvr>
+</p:notes>
+</file>
+
+<file path=ppt/notesSlides/notesSlide3.xml><?xml version="1.0" encoding="utf-8"?>
+<p:notes xmlns:a="http://schemas.openxmlformats.org/drawingml/2006/main" xmlns:r="http://schemas.openxmlformats.org/officeDocument/2006/relationships" xmlns:p="http://schemas.openxmlformats.org/presentationml/2006/main">
+  <p:cSld>
+    <p:spTree>
+      <p:nvGrpSpPr>
+        <p:cNvPr id="1" name=""/>
+        <p:cNvGrpSpPr/>
+        <p:nvPr/>
+      </p:nvGrpSpPr>
+      <p:grpSpPr>
+        <a:xfrm>
+          <a:off x="0" y="0"/>
+          <a:ext cx="0" cy="0"/>
+          <a:chOff x="0" y="0"/>
+          <a:chExt cx="0" cy="0"/>
+        </a:xfrm>
+      </p:grpSpPr>
+      <p:sp>
+        <p:nvSpPr>
+          <p:cNvPr id="2" name="Slide Image Placeholder 1"/>
+          <p:cNvSpPr>
+            <a:spLocks noGrp="1" noRot="1" noChangeAspect="1"/>
+          </p:cNvSpPr>
+          <p:nvPr>
+            <p:ph type="sldImg"/>
+          </p:nvPr>
+        </p:nvSpPr>
+        <p:spPr/>
+      </p:sp>
+      <p:sp>
+        <p:nvSpPr>
+          <p:cNvPr id="3" name="Notes Placeholder 2"/>
+          <p:cNvSpPr>
+            <a:spLocks noGrp="1"/>
+          </p:cNvSpPr>
+          <p:nvPr>
+            <p:ph type="body" idx="1"/>
+          </p:nvPr>
+        </p:nvSpPr>
+        <p:spPr/>
+        <p:txBody>
+          <a:bodyPr/>
+          <a:lstStyle/>
+          <a:p>
+            <a:r>
+              <a:rPr lang="en-US" dirty="0" smtClean="0"/>
+              <a:t>Joe: controls</a:t>
+            </a:r>
+            <a:endParaRPr lang="en-US" dirty="0"/>
+          </a:p>
+        </p:txBody>
+      </p:sp>
+      <p:sp>
+        <p:nvSpPr>
+          <p:cNvPr id="4" name="Slide Number Placeholder 3"/>
+          <p:cNvSpPr>
+            <a:spLocks noGrp="1"/>
+          </p:cNvSpPr>
+          <p:nvPr>
+            <p:ph type="sldNum" sz="quarter" idx="10"/>
+          </p:nvPr>
+        </p:nvSpPr>
+        <p:spPr/>
+        <p:txBody>
+          <a:bodyPr/>
+          <a:lstStyle/>
+          <a:p>
+            <a:fld id="{586BD014-4AF6-4EB8-A3FF-3E706461A674}" type="slidenum">
+              <a:rPr lang="en-US" smtClean="0"/>
+              <a:t>3</a:t>
+            </a:fld>
+            <a:endParaRPr lang="en-US"/>
+          </a:p>
+        </p:txBody>
+      </p:sp>
+    </p:spTree>
+    <p:extLst>
+      <p:ext uri="{BB962C8B-B14F-4D97-AF65-F5344CB8AC3E}">
+        <p14:creationId xmlns:p14="http://schemas.microsoft.com/office/powerpoint/2010/main" val="1379308206"/>
+      </p:ext>
+    </p:extLst>
+  </p:cSld>
+  <p:clrMapOvr>
+    <a:masterClrMapping/>
+  </p:clrMapOvr>
+</p:notes>
+</file>
+
+<file path=ppt/notesSlides/notesSlide4.xml><?xml version="1.0" encoding="utf-8"?>
+<p:notes xmlns:a="http://schemas.openxmlformats.org/drawingml/2006/main" xmlns:r="http://schemas.openxmlformats.org/officeDocument/2006/relationships" xmlns:p="http://schemas.openxmlformats.org/presentationml/2006/main">
+  <p:cSld>
+    <p:spTree>
+      <p:nvGrpSpPr>
+        <p:cNvPr id="1" name=""/>
+        <p:cNvGrpSpPr/>
+        <p:nvPr/>
+      </p:nvGrpSpPr>
+      <p:grpSpPr>
+        <a:xfrm>
+          <a:off x="0" y="0"/>
+          <a:ext cx="0" cy="0"/>
+          <a:chOff x="0" y="0"/>
+          <a:chExt cx="0" cy="0"/>
+        </a:xfrm>
+      </p:grpSpPr>
+      <p:sp>
+        <p:nvSpPr>
+          <p:cNvPr id="2" name="Slide Image Placeholder 1"/>
+          <p:cNvSpPr>
+            <a:spLocks noGrp="1" noRot="1" noChangeAspect="1"/>
+          </p:cNvSpPr>
+          <p:nvPr>
+            <p:ph type="sldImg"/>
+          </p:nvPr>
+        </p:nvSpPr>
+        <p:spPr/>
+      </p:sp>
+      <p:sp>
+        <p:nvSpPr>
+          <p:cNvPr id="3" name="Notes Placeholder 2"/>
+          <p:cNvSpPr>
+            <a:spLocks noGrp="1"/>
+          </p:cNvSpPr>
+          <p:nvPr>
+            <p:ph type="body" idx="1"/>
+          </p:nvPr>
+        </p:nvSpPr>
+        <p:spPr/>
+        <p:txBody>
+          <a:bodyPr/>
+          <a:lstStyle/>
+          <a:p>
+            <a:r>
+              <a:rPr lang="en-US" dirty="0" smtClean="0"/>
+              <a:t>Matt: Gantt</a:t>
+            </a:r>
+            <a:r>
+              <a:rPr lang="en-US" baseline="0" dirty="0" smtClean="0"/>
+              <a:t> Chart that helped us to keep focused on what needed to be done</a:t>
+            </a:r>
+            <a:endParaRPr lang="en-US" dirty="0"/>
+          </a:p>
+        </p:txBody>
+      </p:sp>
+      <p:sp>
+        <p:nvSpPr>
+          <p:cNvPr id="4" name="Slide Number Placeholder 3"/>
+          <p:cNvSpPr>
+            <a:spLocks noGrp="1"/>
+          </p:cNvSpPr>
+          <p:nvPr>
+            <p:ph type="sldNum" sz="quarter" idx="10"/>
+          </p:nvPr>
+        </p:nvSpPr>
+        <p:spPr/>
+        <p:txBody>
+          <a:bodyPr/>
+          <a:lstStyle/>
+          <a:p>
+            <a:fld id="{586BD014-4AF6-4EB8-A3FF-3E706461A674}" type="slidenum">
+              <a:rPr lang="en-US" smtClean="0"/>
+              <a:t>4</a:t>
+            </a:fld>
+            <a:endParaRPr lang="en-US"/>
+          </a:p>
+        </p:txBody>
+      </p:sp>
+    </p:spTree>
+    <p:extLst>
+      <p:ext uri="{BB962C8B-B14F-4D97-AF65-F5344CB8AC3E}">
+        <p14:creationId xmlns:p14="http://schemas.microsoft.com/office/powerpoint/2010/main" val="1121592226"/>
+      </p:ext>
+    </p:extLst>
+  </p:cSld>
+  <p:clrMapOvr>
+    <a:masterClrMapping/>
+  </p:clrMapOvr>
+</p:notes>
+</file>
+
+<file path=ppt/notesSlides/notesSlide5.xml><?xml version="1.0" encoding="utf-8"?>
+<p:notes xmlns:a="http://schemas.openxmlformats.org/drawingml/2006/main" xmlns:r="http://schemas.openxmlformats.org/officeDocument/2006/relationships" xmlns:p="http://schemas.openxmlformats.org/presentationml/2006/main">
+  <p:cSld>
+    <p:spTree>
+      <p:nvGrpSpPr>
+        <p:cNvPr id="1" name=""/>
+        <p:cNvGrpSpPr/>
+        <p:nvPr/>
+      </p:nvGrpSpPr>
+      <p:grpSpPr>
+        <a:xfrm>
+          <a:off x="0" y="0"/>
+          <a:ext cx="0" cy="0"/>
+          <a:chOff x="0" y="0"/>
+          <a:chExt cx="0" cy="0"/>
+        </a:xfrm>
+      </p:grpSpPr>
+      <p:sp>
+        <p:nvSpPr>
+          <p:cNvPr id="2" name="Slide Image Placeholder 1"/>
+          <p:cNvSpPr>
+            <a:spLocks noGrp="1" noRot="1" noChangeAspect="1"/>
+          </p:cNvSpPr>
+          <p:nvPr>
+            <p:ph type="sldImg"/>
+          </p:nvPr>
+        </p:nvSpPr>
+        <p:spPr/>
+      </p:sp>
+      <p:sp>
+        <p:nvSpPr>
+          <p:cNvPr id="3" name="Notes Placeholder 2"/>
+          <p:cNvSpPr>
+            <a:spLocks noGrp="1"/>
+          </p:cNvSpPr>
+          <p:nvPr>
+            <p:ph type="body" idx="1"/>
+          </p:nvPr>
+        </p:nvSpPr>
+        <p:spPr/>
+        <p:txBody>
+          <a:bodyPr/>
+          <a:lstStyle/>
+          <a:p>
+            <a:r>
+              <a:rPr lang="en-US" dirty="0" smtClean="0"/>
+              <a:t>Joe:</a:t>
+            </a:r>
+            <a:r>
+              <a:rPr lang="en-US" baseline="0" dirty="0" smtClean="0"/>
+              <a:t> Explain roles</a:t>
+            </a:r>
+          </a:p>
+          <a:p>
+            <a:r>
+              <a:rPr lang="en-US" baseline="0" dirty="0" smtClean="0"/>
+              <a:t>Savanah: Explain roles</a:t>
+            </a:r>
+          </a:p>
+          <a:p>
+            <a:r>
+              <a:rPr lang="en-US" baseline="0" dirty="0" smtClean="0"/>
+              <a:t>Matt: Explain roles</a:t>
+            </a:r>
+          </a:p>
+          <a:p>
+            <a:r>
+              <a:rPr lang="en-US" baseline="0" dirty="0" smtClean="0"/>
+              <a:t>Joe: Everyone worked on images</a:t>
+            </a:r>
+            <a:endParaRPr lang="en-US" dirty="0"/>
+          </a:p>
+        </p:txBody>
+      </p:sp>
+      <p:sp>
+        <p:nvSpPr>
+          <p:cNvPr id="4" name="Slide Number Placeholder 3"/>
+          <p:cNvSpPr>
+            <a:spLocks noGrp="1"/>
+          </p:cNvSpPr>
+          <p:nvPr>
+            <p:ph type="sldNum" sz="quarter" idx="10"/>
+          </p:nvPr>
+        </p:nvSpPr>
+        <p:spPr/>
+        <p:txBody>
+          <a:bodyPr/>
+          <a:lstStyle/>
+          <a:p>
+            <a:fld id="{586BD014-4AF6-4EB8-A3FF-3E706461A674}" type="slidenum">
+              <a:rPr lang="en-US" smtClean="0"/>
+              <a:t>5</a:t>
+            </a:fld>
+            <a:endParaRPr lang="en-US"/>
+          </a:p>
+        </p:txBody>
+      </p:sp>
+    </p:spTree>
+    <p:extLst>
+      <p:ext uri="{BB962C8B-B14F-4D97-AF65-F5344CB8AC3E}">
+        <p14:creationId xmlns:p14="http://schemas.microsoft.com/office/powerpoint/2010/main" val="1792278968"/>
+      </p:ext>
+    </p:extLst>
+  </p:cSld>
+  <p:clrMapOvr>
+    <a:masterClrMapping/>
+  </p:clrMapOvr>
+</p:notes>
+</file>
+
+<file path=ppt/notesSlides/notesSlide6.xml><?xml version="1.0" encoding="utf-8"?>
+<p:notes xmlns:a="http://schemas.openxmlformats.org/drawingml/2006/main" xmlns:r="http://schemas.openxmlformats.org/officeDocument/2006/relationships" xmlns:p="http://schemas.openxmlformats.org/presentationml/2006/main">
+  <p:cSld>
+    <p:spTree>
+      <p:nvGrpSpPr>
+        <p:cNvPr id="1" name=""/>
+        <p:cNvGrpSpPr/>
+        <p:nvPr/>
+      </p:nvGrpSpPr>
+      <p:grpSpPr>
+        <a:xfrm>
+          <a:off x="0" y="0"/>
+          <a:ext cx="0" cy="0"/>
+          <a:chOff x="0" y="0"/>
+          <a:chExt cx="0" cy="0"/>
+        </a:xfrm>
+      </p:grpSpPr>
+      <p:sp>
+        <p:nvSpPr>
+          <p:cNvPr id="2" name="Slide Image Placeholder 1"/>
+          <p:cNvSpPr>
+            <a:spLocks noGrp="1" noRot="1" noChangeAspect="1"/>
+          </p:cNvSpPr>
+          <p:nvPr>
+            <p:ph type="sldImg"/>
+          </p:nvPr>
+        </p:nvSpPr>
+        <p:spPr/>
+      </p:sp>
+      <p:sp>
+        <p:nvSpPr>
+          <p:cNvPr id="3" name="Notes Placeholder 2"/>
+          <p:cNvSpPr>
+            <a:spLocks noGrp="1"/>
+          </p:cNvSpPr>
+          <p:nvPr>
+            <p:ph type="body" idx="1"/>
+          </p:nvPr>
+        </p:nvSpPr>
+        <p:spPr/>
+        <p:txBody>
+          <a:bodyPr/>
+          <a:lstStyle/>
+          <a:p>
+            <a:r>
+              <a:rPr lang="en-US" dirty="0" smtClean="0"/>
+              <a:t>Matt: Class structure breakdown. Arrows show inheritance.</a:t>
+            </a:r>
+          </a:p>
+          <a:p>
+            <a:r>
+              <a:rPr lang="en-US" dirty="0" err="1" smtClean="0"/>
+              <a:t>TanksObject</a:t>
+            </a:r>
+            <a:r>
+              <a:rPr lang="en-US" baseline="0" dirty="0" smtClean="0"/>
+              <a:t> Superclass</a:t>
+            </a:r>
+            <a:endParaRPr lang="en-US" dirty="0"/>
+          </a:p>
+        </p:txBody>
+      </p:sp>
+      <p:sp>
+        <p:nvSpPr>
+          <p:cNvPr id="4" name="Slide Number Placeholder 3"/>
+          <p:cNvSpPr>
+            <a:spLocks noGrp="1"/>
+          </p:cNvSpPr>
+          <p:nvPr>
+            <p:ph type="sldNum" sz="quarter" idx="10"/>
+          </p:nvPr>
+        </p:nvSpPr>
+        <p:spPr/>
+        <p:txBody>
+          <a:bodyPr/>
+          <a:lstStyle/>
+          <a:p>
+            <a:fld id="{586BD014-4AF6-4EB8-A3FF-3E706461A674}" type="slidenum">
+              <a:rPr lang="en-US" smtClean="0"/>
+              <a:t>6</a:t>
+            </a:fld>
+            <a:endParaRPr lang="en-US"/>
+          </a:p>
+        </p:txBody>
+      </p:sp>
+    </p:spTree>
+    <p:extLst>
+      <p:ext uri="{BB962C8B-B14F-4D97-AF65-F5344CB8AC3E}">
+        <p14:creationId xmlns:p14="http://schemas.microsoft.com/office/powerpoint/2010/main" val="718577812"/>
+      </p:ext>
+    </p:extLst>
+  </p:cSld>
+  <p:clrMapOvr>
+    <a:masterClrMapping/>
+  </p:clrMapOvr>
+</p:notes>
+</file>
+
+<file path=ppt/notesSlides/notesSlide7.xml><?xml version="1.0" encoding="utf-8"?>
+<p:notes xmlns:a="http://schemas.openxmlformats.org/drawingml/2006/main" xmlns:r="http://schemas.openxmlformats.org/officeDocument/2006/relationships" xmlns:p="http://schemas.openxmlformats.org/presentationml/2006/main">
+  <p:cSld>
+    <p:spTree>
+      <p:nvGrpSpPr>
+        <p:cNvPr id="1" name=""/>
+        <p:cNvGrpSpPr/>
+        <p:nvPr/>
+      </p:nvGrpSpPr>
+      <p:grpSpPr>
+        <a:xfrm>
+          <a:off x="0" y="0"/>
+          <a:ext cx="0" cy="0"/>
+          <a:chOff x="0" y="0"/>
+          <a:chExt cx="0" cy="0"/>
+        </a:xfrm>
+      </p:grpSpPr>
+      <p:sp>
+        <p:nvSpPr>
+          <p:cNvPr id="2" name="Slide Image Placeholder 1"/>
+          <p:cNvSpPr>
+            <a:spLocks noGrp="1" noRot="1" noChangeAspect="1"/>
+          </p:cNvSpPr>
+          <p:nvPr>
+            <p:ph type="sldImg"/>
+          </p:nvPr>
+        </p:nvSpPr>
+        <p:spPr/>
+      </p:sp>
+      <p:sp>
+        <p:nvSpPr>
+          <p:cNvPr id="3" name="Notes Placeholder 2"/>
+          <p:cNvSpPr>
+            <a:spLocks noGrp="1"/>
+          </p:cNvSpPr>
+          <p:nvPr>
+            <p:ph type="body" idx="1"/>
+          </p:nvPr>
+        </p:nvSpPr>
+        <p:spPr/>
+        <p:txBody>
+          <a:bodyPr/>
+          <a:lstStyle/>
+          <a:p>
+            <a:r>
+              <a:rPr lang="en-US" dirty="0" smtClean="0"/>
+              <a:t>Savanah: Explain</a:t>
+            </a:r>
+            <a:r>
+              <a:rPr lang="en-US" baseline="0" dirty="0" smtClean="0"/>
+              <a:t> the different images</a:t>
+            </a:r>
+          </a:p>
+          <a:p>
+            <a:r>
+              <a:rPr lang="en-US" baseline="0" dirty="0" smtClean="0"/>
+              <a:t>(from top left to right then bottom left to right)</a:t>
+            </a:r>
+            <a:br>
+              <a:rPr lang="en-US" baseline="0" dirty="0" smtClean="0"/>
+            </a:br>
+            <a:r>
+              <a:rPr lang="en-US" baseline="0" dirty="0" smtClean="0"/>
+              <a:t>Player tank</a:t>
+            </a:r>
+          </a:p>
+          <a:p>
+            <a:r>
+              <a:rPr lang="en-US" baseline="0" dirty="0" smtClean="0"/>
+              <a:t>Enemy tank</a:t>
+            </a:r>
+          </a:p>
+          <a:p>
+            <a:r>
+              <a:rPr lang="en-US" baseline="0" dirty="0" smtClean="0"/>
+              <a:t>Mines</a:t>
+            </a:r>
+          </a:p>
+          <a:p>
+            <a:r>
+              <a:rPr lang="en-US" baseline="0" dirty="0" smtClean="0"/>
+              <a:t>Walls</a:t>
+            </a:r>
+          </a:p>
+          <a:p>
+            <a:r>
+              <a:rPr lang="en-US" baseline="0" dirty="0" smtClean="0"/>
+              <a:t>Pointer (didn’t get to use…explained later)</a:t>
+            </a:r>
+          </a:p>
+          <a:p>
+            <a:r>
+              <a:rPr lang="en-US" baseline="0" dirty="0" smtClean="0"/>
+              <a:t>Floor (</a:t>
+            </a:r>
+            <a:r>
+              <a:rPr lang="en-US" baseline="0" dirty="0" err="1" smtClean="0"/>
+              <a:t>tileable</a:t>
+            </a:r>
+            <a:r>
+              <a:rPr lang="en-US" baseline="0" dirty="0" smtClean="0"/>
+              <a:t>)</a:t>
+            </a:r>
+            <a:endParaRPr lang="en-US" dirty="0"/>
+          </a:p>
+        </p:txBody>
+      </p:sp>
+      <p:sp>
+        <p:nvSpPr>
+          <p:cNvPr id="4" name="Slide Number Placeholder 3"/>
+          <p:cNvSpPr>
+            <a:spLocks noGrp="1"/>
+          </p:cNvSpPr>
+          <p:nvPr>
+            <p:ph type="sldNum" sz="quarter" idx="10"/>
+          </p:nvPr>
+        </p:nvSpPr>
+        <p:spPr/>
+        <p:txBody>
+          <a:bodyPr/>
+          <a:lstStyle/>
+          <a:p>
+            <a:fld id="{586BD014-4AF6-4EB8-A3FF-3E706461A674}" type="slidenum">
+              <a:rPr lang="en-US" smtClean="0"/>
+              <a:t>7</a:t>
+            </a:fld>
+            <a:endParaRPr lang="en-US"/>
+          </a:p>
+        </p:txBody>
+      </p:sp>
+    </p:spTree>
+    <p:extLst>
+      <p:ext uri="{BB962C8B-B14F-4D97-AF65-F5344CB8AC3E}">
+        <p14:creationId xmlns:p14="http://schemas.microsoft.com/office/powerpoint/2010/main" val="98989645"/>
+      </p:ext>
+    </p:extLst>
+  </p:cSld>
+  <p:clrMapOvr>
+    <a:masterClrMapping/>
+  </p:clrMapOvr>
+</p:notes>
+</file>
+
+<file path=ppt/notesSlides/notesSlide8.xml><?xml version="1.0" encoding="utf-8"?>
+<p:notes xmlns:a="http://schemas.openxmlformats.org/drawingml/2006/main" xmlns:r="http://schemas.openxmlformats.org/officeDocument/2006/relationships" xmlns:p="http://schemas.openxmlformats.org/presentationml/2006/main">
+  <p:cSld>
+    <p:spTree>
+      <p:nvGrpSpPr>
+        <p:cNvPr id="1" name=""/>
+        <p:cNvGrpSpPr/>
+        <p:nvPr/>
+      </p:nvGrpSpPr>
+      <p:grpSpPr>
+        <a:xfrm>
+          <a:off x="0" y="0"/>
+          <a:ext cx="0" cy="0"/>
+          <a:chOff x="0" y="0"/>
+          <a:chExt cx="0" cy="0"/>
+        </a:xfrm>
+      </p:grpSpPr>
+      <p:sp>
+        <p:nvSpPr>
+          <p:cNvPr id="2" name="Slide Image Placeholder 1"/>
+          <p:cNvSpPr>
+            <a:spLocks noGrp="1" noRot="1" noChangeAspect="1"/>
+          </p:cNvSpPr>
+          <p:nvPr>
+            <p:ph type="sldImg"/>
+          </p:nvPr>
+        </p:nvSpPr>
+        <p:spPr/>
+      </p:sp>
+      <p:sp>
+        <p:nvSpPr>
+          <p:cNvPr id="3" name="Notes Placeholder 2"/>
+          <p:cNvSpPr>
+            <a:spLocks noGrp="1"/>
+          </p:cNvSpPr>
+          <p:nvPr>
+            <p:ph type="body" idx="1"/>
+          </p:nvPr>
+        </p:nvSpPr>
+        <p:spPr/>
+        <p:txBody>
+          <a:bodyPr/>
+          <a:lstStyle/>
+          <a:p>
+            <a:r>
+              <a:rPr lang="en-US" dirty="0" smtClean="0"/>
+              <a:t>Joe: explain mechanics of bullet travel</a:t>
+            </a:r>
+          </a:p>
+          <a:p>
+            <a:endParaRPr lang="en-US" dirty="0" smtClean="0"/>
+          </a:p>
+          <a:p>
+            <a:r>
+              <a:rPr lang="en-US" dirty="0" smtClean="0"/>
+              <a:t>If</a:t>
+            </a:r>
+            <a:r>
+              <a:rPr lang="en-US" baseline="0" dirty="0" smtClean="0"/>
+              <a:t> you have a circle of a specified radius around the center of the tank, you can calculate the angle between the mouse-click and the horizontal line, and use trigonometry to determine where this intersects the circle. Can then use this point to determine step distances for bullet.</a:t>
+            </a:r>
+            <a:endParaRPr lang="en-US" dirty="0" smtClean="0"/>
+          </a:p>
+        </p:txBody>
+      </p:sp>
+      <p:sp>
+        <p:nvSpPr>
+          <p:cNvPr id="4" name="Slide Number Placeholder 3"/>
+          <p:cNvSpPr>
+            <a:spLocks noGrp="1"/>
+          </p:cNvSpPr>
+          <p:nvPr>
+            <p:ph type="sldNum" sz="quarter" idx="10"/>
+          </p:nvPr>
+        </p:nvSpPr>
+        <p:spPr/>
+        <p:txBody>
+          <a:bodyPr/>
+          <a:lstStyle/>
+          <a:p>
+            <a:fld id="{586BD014-4AF6-4EB8-A3FF-3E706461A674}" type="slidenum">
+              <a:rPr lang="en-US" smtClean="0"/>
+              <a:t>8</a:t>
+            </a:fld>
+            <a:endParaRPr lang="en-US"/>
+          </a:p>
+        </p:txBody>
+      </p:sp>
+    </p:spTree>
+    <p:extLst>
+      <p:ext uri="{BB962C8B-B14F-4D97-AF65-F5344CB8AC3E}">
+        <p14:creationId xmlns:p14="http://schemas.microsoft.com/office/powerpoint/2010/main" val="1686366607"/>
+      </p:ext>
+    </p:extLst>
+  </p:cSld>
+  <p:clrMapOvr>
+    <a:masterClrMapping/>
+  </p:clrMapOvr>
+</p:notes>
+</file>
+
+<file path=ppt/notesSlides/notesSlide9.xml><?xml version="1.0" encoding="utf-8"?>
+<p:notes xmlns:a="http://schemas.openxmlformats.org/drawingml/2006/main" xmlns:r="http://schemas.openxmlformats.org/officeDocument/2006/relationships" xmlns:p="http://schemas.openxmlformats.org/presentationml/2006/main">
+  <p:cSld>
+    <p:spTree>
+      <p:nvGrpSpPr>
+        <p:cNvPr id="1" name=""/>
+        <p:cNvGrpSpPr/>
+        <p:nvPr/>
+      </p:nvGrpSpPr>
+      <p:grpSpPr>
+        <a:xfrm>
+          <a:off x="0" y="0"/>
+          <a:ext cx="0" cy="0"/>
+          <a:chOff x="0" y="0"/>
+          <a:chExt cx="0" cy="0"/>
+        </a:xfrm>
+      </p:grpSpPr>
+      <p:sp>
+        <p:nvSpPr>
+          <p:cNvPr id="2" name="Slide Image Placeholder 1"/>
+          <p:cNvSpPr>
+            <a:spLocks noGrp="1" noRot="1" noChangeAspect="1"/>
+          </p:cNvSpPr>
+          <p:nvPr>
+            <p:ph type="sldImg"/>
+          </p:nvPr>
+        </p:nvSpPr>
+        <p:spPr/>
+      </p:sp>
+      <p:sp>
+        <p:nvSpPr>
+          <p:cNvPr id="3" name="Notes Placeholder 2"/>
+          <p:cNvSpPr>
+            <a:spLocks noGrp="1"/>
+          </p:cNvSpPr>
+          <p:nvPr>
+            <p:ph type="body" idx="1"/>
+          </p:nvPr>
+        </p:nvSpPr>
+        <p:spPr/>
+        <p:txBody>
+          <a:bodyPr/>
+          <a:lstStyle/>
+          <a:p>
+            <a:r>
+              <a:rPr lang="en-US" dirty="0" smtClean="0"/>
+              <a:t>Code to accompany previous slide</a:t>
+            </a:r>
+            <a:endParaRPr lang="en-US" dirty="0"/>
+          </a:p>
+        </p:txBody>
+      </p:sp>
+      <p:sp>
+        <p:nvSpPr>
+          <p:cNvPr id="4" name="Slide Number Placeholder 3"/>
+          <p:cNvSpPr>
+            <a:spLocks noGrp="1"/>
+          </p:cNvSpPr>
+          <p:nvPr>
+            <p:ph type="sldNum" sz="quarter" idx="10"/>
+          </p:nvPr>
+        </p:nvSpPr>
+        <p:spPr/>
+        <p:txBody>
+          <a:bodyPr/>
+          <a:lstStyle/>
+          <a:p>
+            <a:fld id="{586BD014-4AF6-4EB8-A3FF-3E706461A674}" type="slidenum">
+              <a:rPr lang="en-US" smtClean="0"/>
+              <a:t>9</a:t>
+            </a:fld>
+            <a:endParaRPr lang="en-US"/>
+          </a:p>
+        </p:txBody>
+      </p:sp>
+    </p:spTree>
+    <p:extLst>
+      <p:ext uri="{BB962C8B-B14F-4D97-AF65-F5344CB8AC3E}">
+        <p14:creationId xmlns:p14="http://schemas.microsoft.com/office/powerpoint/2010/main" val="2955434054"/>
+      </p:ext>
+    </p:extLst>
+  </p:cSld>
+  <p:clrMapOvr>
+    <a:masterClrMapping/>
+  </p:clrMapOvr>
+</p:notes>
 </file>
 
 <file path=ppt/slideLayouts/slideLayout1.xml><?xml version="1.0" encoding="utf-8"?>
@@ -5952,7 +8218,7 @@
         </p:nvSpPr>
         <p:spPr>
           <a:xfrm>
-            <a:off x="677334" y="1930400"/>
+            <a:off x="677333" y="1281445"/>
             <a:ext cx="10536766" cy="3880773"/>
           </a:xfrm>
         </p:spPr>
@@ -6022,6 +8288,120 @@
           </a:p>
         </p:txBody>
       </p:sp>
+      <p:graphicFrame>
+        <p:nvGraphicFramePr>
+          <p:cNvPr id="4" name="Object 3"/>
+          <p:cNvGraphicFramePr>
+            <a:graphicFrameLocks noChangeAspect="1"/>
+          </p:cNvGraphicFramePr>
+          <p:nvPr>
+            <p:extLst>
+              <p:ext uri="{D42A27DB-BD31-4B8C-83A1-F6EECF244321}">
+                <p14:modId xmlns:p14="http://schemas.microsoft.com/office/powerpoint/2010/main" val="963502086"/>
+              </p:ext>
+            </p:extLst>
+          </p:nvPr>
+        </p:nvGraphicFramePr>
+        <p:xfrm>
+          <a:off x="677333" y="4513262"/>
+          <a:ext cx="7671747" cy="1874837"/>
+        </p:xfrm>
+        <a:graphic>
+          <a:graphicData uri="http://schemas.openxmlformats.org/presentationml/2006/ole">
+            <mc:AlternateContent xmlns:mc="http://schemas.openxmlformats.org/markup-compatibility/2006">
+              <mc:Choice xmlns:v="urn:schemas-microsoft-com:vml" Requires="v">
+                <p:oleObj spid="_x0000_s5128" name="Image" r:id="rId4" imgW="4520520" imgH="1104480" progId="Photoshop.Image.12">
+                  <p:embed/>
+                </p:oleObj>
+              </mc:Choice>
+              <mc:Fallback>
+                <p:oleObj name="Image" r:id="rId4" imgW="4520520" imgH="1104480" progId="Photoshop.Image.12">
+                  <p:embed/>
+                  <p:pic>
+                    <p:nvPicPr>
+                      <p:cNvPr id="0" name=""/>
+                      <p:cNvPicPr/>
+                      <p:nvPr/>
+                    </p:nvPicPr>
+                    <p:blipFill>
+                      <a:blip r:embed="rId5"/>
+                      <a:stretch>
+                        <a:fillRect/>
+                      </a:stretch>
+                    </p:blipFill>
+                    <p:spPr>
+                      <a:xfrm>
+                        <a:off x="677333" y="4513262"/>
+                        <a:ext cx="7671747" cy="1874837"/>
+                      </a:xfrm>
+                      <a:prstGeom prst="rect">
+                        <a:avLst/>
+                      </a:prstGeom>
+                    </p:spPr>
+                  </p:pic>
+                </p:oleObj>
+              </mc:Fallback>
+            </mc:AlternateContent>
+          </a:graphicData>
+        </a:graphic>
+      </p:graphicFrame>
+      <p:graphicFrame>
+        <p:nvGraphicFramePr>
+          <p:cNvPr id="5" name="Object 4"/>
+          <p:cNvGraphicFramePr>
+            <a:graphicFrameLocks noChangeAspect="1"/>
+          </p:cNvGraphicFramePr>
+          <p:nvPr>
+            <p:extLst>
+              <p:ext uri="{D42A27DB-BD31-4B8C-83A1-F6EECF244321}">
+                <p14:modId xmlns:p14="http://schemas.microsoft.com/office/powerpoint/2010/main" val="2084578984"/>
+              </p:ext>
+            </p:extLst>
+          </p:nvPr>
+        </p:nvGraphicFramePr>
+        <p:xfrm>
+          <a:off x="677332" y="3732840"/>
+          <a:ext cx="9392808" cy="597860"/>
+        </p:xfrm>
+        <a:graphic>
+          <a:graphicData uri="http://schemas.openxmlformats.org/presentationml/2006/ole">
+            <mc:AlternateContent xmlns:mc="http://schemas.openxmlformats.org/markup-compatibility/2006">
+              <mc:Choice xmlns:v="urn:schemas-microsoft-com:vml" Requires="v">
+                <p:oleObj spid="_x0000_s5129" name="Image" r:id="rId6" imgW="6984000" imgH="444240" progId="Photoshop.Image.12">
+                  <p:embed/>
+                </p:oleObj>
+              </mc:Choice>
+              <mc:Fallback>
+                <p:oleObj name="Image" r:id="rId6" imgW="6984000" imgH="444240" progId="Photoshop.Image.12">
+                  <p:embed/>
+                  <p:pic>
+                    <p:nvPicPr>
+                      <p:cNvPr id="0" name=""/>
+                      <p:cNvPicPr/>
+                      <p:nvPr/>
+                    </p:nvPicPr>
+                    <p:blipFill>
+                      <a:blip r:embed="rId7"/>
+                      <a:stretch>
+                        <a:fillRect/>
+                      </a:stretch>
+                    </p:blipFill>
+                    <p:spPr>
+                      <a:xfrm>
+                        <a:off x="677332" y="3732840"/>
+                        <a:ext cx="9392808" cy="597860"/>
+                      </a:xfrm>
+                      <a:prstGeom prst="rect">
+                        <a:avLst/>
+                      </a:prstGeom>
+                    </p:spPr>
+                  </p:pic>
+                </p:oleObj>
+              </mc:Fallback>
+            </mc:AlternateContent>
+          </a:graphicData>
+        </a:graphic>
+      </p:graphicFrame>
     </p:spTree>
     <p:extLst>
       <p:ext uri="{BB962C8B-B14F-4D97-AF65-F5344CB8AC3E}">
@@ -6119,14 +8499,10 @@
           <a:p>
             <a:r>
               <a:rPr lang="en-US" sz="3200" dirty="0" smtClean="0"/>
-              <a:t>Planning ahead helped us keep </a:t>
-            </a:r>
-            <a:r>
-              <a:rPr lang="en-US" sz="3200" smtClean="0"/>
-              <a:t>on </a:t>
-            </a:r>
-            <a:r>
-              <a:rPr lang="en-US" sz="3200" smtClean="0"/>
+              <a:t>Planning ahead helped us keep on </a:t>
+            </a:r>
+            <a:r>
+              <a:rPr lang="en-US" sz="3200" dirty="0" smtClean="0"/>
               <a:t>track (mostly)</a:t>
             </a:r>
             <a:endParaRPr lang="en-US" sz="3200" dirty="0" smtClean="0"/>
@@ -6140,6 +8516,36 @@
           </a:p>
         </p:txBody>
       </p:sp>
+      <p:pic>
+        <p:nvPicPr>
+          <p:cNvPr id="4" name="Picture 3"/>
+          <p:cNvPicPr>
+            <a:picLocks noChangeAspect="1"/>
+          </p:cNvPicPr>
+          <p:nvPr/>
+        </p:nvPicPr>
+        <p:blipFill>
+          <a:blip r:embed="rId3">
+            <a:extLst>
+              <a:ext uri="{28A0092B-C50C-407E-A947-70E740481C1C}">
+                <a14:useLocalDpi xmlns:a14="http://schemas.microsoft.com/office/drawing/2010/main" val="0"/>
+              </a:ext>
+            </a:extLst>
+          </a:blip>
+          <a:stretch>
+            <a:fillRect/>
+          </a:stretch>
+        </p:blipFill>
+        <p:spPr>
+          <a:xfrm>
+            <a:off x="283634" y="4781506"/>
+            <a:ext cx="11616266" cy="1956107"/>
+          </a:xfrm>
+          <a:prstGeom prst="rect">
+            <a:avLst/>
+          </a:prstGeom>
+        </p:spPr>
+      </p:pic>
     </p:spTree>
     <p:extLst>
       <p:ext uri="{BB962C8B-B14F-4D97-AF65-F5344CB8AC3E}">
@@ -6209,7 +8615,7 @@
           <p:nvPr/>
         </p:nvPicPr>
         <p:blipFill>
-          <a:blip r:embed="rId2"/>
+          <a:blip r:embed="rId3"/>
           <a:stretch>
             <a:fillRect/>
           </a:stretch>
@@ -6283,12 +8689,12 @@
           <a:graphicData uri="http://schemas.openxmlformats.org/presentationml/2006/ole">
             <mc:AlternateContent xmlns:mc="http://schemas.openxmlformats.org/markup-compatibility/2006">
               <mc:Choice xmlns:v="urn:schemas-microsoft-com:vml" Requires="v">
-                <p:oleObj spid="_x0000_s1031" name="Image" r:id="rId3" imgW="5372640" imgH="5601240" progId="Photoshop.Image.12">
+                <p:oleObj spid="_x0000_s1037" name="Image" r:id="rId4" imgW="5372640" imgH="5601240" progId="Photoshop.Image.12">
                   <p:embed/>
                 </p:oleObj>
               </mc:Choice>
               <mc:Fallback>
-                <p:oleObj name="Image" r:id="rId3" imgW="5372640" imgH="5601240" progId="Photoshop.Image.12">
+                <p:oleObj name="Image" r:id="rId4" imgW="5372640" imgH="5601240" progId="Photoshop.Image.12">
                   <p:embed/>
                   <p:pic>
                     <p:nvPicPr>
@@ -6297,7 +8703,7 @@
                       <p:nvPr/>
                     </p:nvPicPr>
                     <p:blipFill>
-                      <a:blip r:embed="rId4"/>
+                      <a:blip r:embed="rId5"/>
                       <a:stretch>
                         <a:fillRect/>
                       </a:stretch>
@@ -6340,12 +8746,12 @@
           <a:graphicData uri="http://schemas.openxmlformats.org/presentationml/2006/ole">
             <mc:AlternateContent xmlns:mc="http://schemas.openxmlformats.org/markup-compatibility/2006">
               <mc:Choice xmlns:v="urn:schemas-microsoft-com:vml" Requires="v">
-                <p:oleObj spid="_x0000_s1032" name="Image" r:id="rId5" imgW="5353560" imgH="5515560" progId="Photoshop.Image.12">
+                <p:oleObj spid="_x0000_s1038" name="Image" r:id="rId6" imgW="5353560" imgH="5515560" progId="Photoshop.Image.12">
                   <p:embed/>
                 </p:oleObj>
               </mc:Choice>
               <mc:Fallback>
-                <p:oleObj name="Image" r:id="rId5" imgW="5353560" imgH="5515560" progId="Photoshop.Image.12">
+                <p:oleObj name="Image" r:id="rId6" imgW="5353560" imgH="5515560" progId="Photoshop.Image.12">
                   <p:embed/>
                   <p:pic>
                     <p:nvPicPr>
@@ -6354,7 +8760,7 @@
                       <p:nvPr/>
                     </p:nvPicPr>
                     <p:blipFill>
-                      <a:blip r:embed="rId6"/>
+                      <a:blip r:embed="rId7"/>
                       <a:stretch>
                         <a:fillRect/>
                       </a:stretch>
@@ -6385,6 +8791,13 @@
   <p:clrMapOvr>
     <a:masterClrMapping/>
   </p:clrMapOvr>
+  <p:timing>
+    <p:tnLst>
+      <p:par>
+        <p:cTn id="1" dur="indefinite" restart="never" nodeType="tmRoot"/>
+      </p:par>
+    </p:tnLst>
+  </p:timing>
 </p:sld>
 </file>
 
@@ -6427,12 +8840,12 @@
           <a:graphicData uri="http://schemas.openxmlformats.org/presentationml/2006/ole">
             <mc:AlternateContent xmlns:mc="http://schemas.openxmlformats.org/markup-compatibility/2006">
               <mc:Choice xmlns:v="urn:schemas-microsoft-com:vml" Requires="v">
-                <p:oleObj spid="_x0000_s3078" name="Image" r:id="rId3" imgW="5372640" imgH="5544000" progId="Photoshop.Image.12">
+                <p:oleObj spid="_x0000_s3084" name="Image" r:id="rId4" imgW="5372640" imgH="5544000" progId="Photoshop.Image.12">
                   <p:embed/>
                 </p:oleObj>
               </mc:Choice>
               <mc:Fallback>
-                <p:oleObj name="Image" r:id="rId3" imgW="5372640" imgH="5544000" progId="Photoshop.Image.12">
+                <p:oleObj name="Image" r:id="rId4" imgW="5372640" imgH="5544000" progId="Photoshop.Image.12">
                   <p:embed/>
                   <p:pic>
                     <p:nvPicPr>
@@ -6441,7 +8854,7 @@
                       <p:nvPr/>
                     </p:nvPicPr>
                     <p:blipFill>
-                      <a:blip r:embed="rId4"/>
+                      <a:blip r:embed="rId5"/>
                       <a:stretch>
                         <a:fillRect/>
                       </a:stretch>
@@ -6484,12 +8897,12 @@
           <a:graphicData uri="http://schemas.openxmlformats.org/presentationml/2006/ole">
             <mc:AlternateContent xmlns:mc="http://schemas.openxmlformats.org/markup-compatibility/2006">
               <mc:Choice xmlns:v="urn:schemas-microsoft-com:vml" Requires="v">
-                <p:oleObj spid="_x0000_s3079" name="Image" r:id="rId5" imgW="5372640" imgH="5534640" progId="Photoshop.Image.12">
+                <p:oleObj spid="_x0000_s3085" name="Image" r:id="rId6" imgW="5372640" imgH="5534640" progId="Photoshop.Image.12">
                   <p:embed/>
                 </p:oleObj>
               </mc:Choice>
               <mc:Fallback>
-                <p:oleObj name="Image" r:id="rId5" imgW="5372640" imgH="5534640" progId="Photoshop.Image.12">
+                <p:oleObj name="Image" r:id="rId6" imgW="5372640" imgH="5534640" progId="Photoshop.Image.12">
                   <p:embed/>
                   <p:pic>
                     <p:nvPicPr>
@@ -6498,7 +8911,7 @@
                       <p:nvPr/>
                     </p:nvPicPr>
                     <p:blipFill>
-                      <a:blip r:embed="rId6"/>
+                      <a:blip r:embed="rId7"/>
                       <a:stretch>
                         <a:fillRect/>
                       </a:stretch>
@@ -6529,6 +8942,13 @@
   <p:clrMapOvr>
     <a:masterClrMapping/>
   </p:clrMapOvr>
+  <p:timing>
+    <p:tnLst>
+      <p:par>
+        <p:cTn id="1" dur="indefinite" restart="never" nodeType="tmRoot"/>
+      </p:par>
+    </p:tnLst>
+  </p:timing>
 </p:sld>
 </file>
 
@@ -6571,12 +8991,12 @@
           <a:graphicData uri="http://schemas.openxmlformats.org/presentationml/2006/ole">
             <mc:AlternateContent xmlns:mc="http://schemas.openxmlformats.org/markup-compatibility/2006">
               <mc:Choice xmlns:v="urn:schemas-microsoft-com:vml" Requires="v">
-                <p:oleObj spid="_x0000_s4100" name="Image" r:id="rId3" imgW="5382360" imgH="5534640" progId="Photoshop.Image.12">
+                <p:oleObj spid="_x0000_s4102" name="Image" r:id="rId4" imgW="5382360" imgH="5534640" progId="Photoshop.Image.12">
                   <p:embed/>
                 </p:oleObj>
               </mc:Choice>
               <mc:Fallback>
-                <p:oleObj name="Image" r:id="rId3" imgW="5382360" imgH="5534640" progId="Photoshop.Image.12">
+                <p:oleObj name="Image" r:id="rId4" imgW="5382360" imgH="5534640" progId="Photoshop.Image.12">
                   <p:embed/>
                   <p:pic>
                     <p:nvPicPr>
@@ -6585,7 +9005,7 @@
                       <p:nvPr/>
                     </p:nvPicPr>
                     <p:blipFill>
-                      <a:blip r:embed="rId4"/>
+                      <a:blip r:embed="rId5"/>
                       <a:stretch>
                         <a:fillRect/>
                       </a:stretch>
@@ -6616,6 +9036,13 @@
   <p:clrMapOvr>
     <a:masterClrMapping/>
   </p:clrMapOvr>
+  <p:timing>
+    <p:tnLst>
+      <p:par>
+        <p:cTn id="1" dur="indefinite" restart="never" nodeType="tmRoot"/>
+      </p:par>
+    </p:tnLst>
+  </p:timing>
 </p:sld>
 </file>
 
@@ -6651,7 +9078,11 @@
           <a:bodyPr/>
           <a:lstStyle/>
           <a:p>
-            <a:endParaRPr lang="en-US"/>
+            <a:r>
+              <a:rPr lang="en-US" dirty="0" smtClean="0"/>
+              <a:t>If we had more time…</a:t>
+            </a:r>
+            <a:endParaRPr lang="en-US" dirty="0"/>
           </a:p>
         </p:txBody>
       </p:sp>
@@ -6665,25 +9096,73 @@
             <p:ph idx="1"/>
           </p:nvPr>
         </p:nvSpPr>
-        <p:spPr/>
-        <p:txBody>
-          <a:bodyPr/>
-          <a:lstStyle/>
-          <a:p>
-            <a:endParaRPr lang="en-US"/>
+        <p:spPr>
+          <a:xfrm>
+            <a:off x="677334" y="1270000"/>
+            <a:ext cx="8596668" cy="3880773"/>
+          </a:xfrm>
+        </p:spPr>
+        <p:txBody>
+          <a:bodyPr>
+            <a:noAutofit/>
+          </a:bodyPr>
+          <a:lstStyle/>
+          <a:p>
+            <a:r>
+              <a:rPr lang="en-US" sz="4000" dirty="0" smtClean="0"/>
+              <a:t>Animations</a:t>
+            </a:r>
+          </a:p>
+          <a:p>
+            <a:r>
+              <a:rPr lang="en-US" sz="4000" dirty="0" smtClean="0"/>
+              <a:t>Sound Effects</a:t>
+            </a:r>
+          </a:p>
+          <a:p>
+            <a:r>
+              <a:rPr lang="en-US" sz="4000" dirty="0" smtClean="0"/>
+              <a:t>More levels</a:t>
+            </a:r>
+          </a:p>
+          <a:p>
+            <a:r>
+              <a:rPr lang="en-US" sz="4000" dirty="0" smtClean="0"/>
+              <a:t>More sophisticated AI enemies</a:t>
+            </a:r>
+          </a:p>
+          <a:p>
+            <a:r>
+              <a:rPr lang="en-US" sz="4000" dirty="0" smtClean="0"/>
+              <a:t>Multiplayer</a:t>
+            </a:r>
+          </a:p>
+          <a:p>
+            <a:r>
+              <a:rPr lang="en-US" sz="4000" dirty="0" smtClean="0"/>
+              <a:t>Score</a:t>
+            </a:r>
+            <a:endParaRPr lang="en-US" sz="4000" dirty="0"/>
           </a:p>
         </p:txBody>
       </p:sp>
     </p:spTree>
     <p:extLst>
       <p:ext uri="{BB962C8B-B14F-4D97-AF65-F5344CB8AC3E}">
-        <p14:creationId xmlns:p14="http://schemas.microsoft.com/office/powerpoint/2010/main" val="3602836839"/>
+        <p14:creationId xmlns:p14="http://schemas.microsoft.com/office/powerpoint/2010/main" val="3989491910"/>
       </p:ext>
     </p:extLst>
   </p:cSld>
   <p:clrMapOvr>
     <a:masterClrMapping/>
   </p:clrMapOvr>
+  <p:timing>
+    <p:tnLst>
+      <p:par>
+        <p:cTn id="1" dur="indefinite" restart="never" nodeType="tmRoot"/>
+      </p:par>
+    </p:tnLst>
+  </p:timing>
 </p:sld>
 </file>
 
@@ -6785,6 +9264,108 @@
             <p:ph type="title"/>
           </p:nvPr>
         </p:nvSpPr>
+        <p:spPr/>
+        <p:txBody>
+          <a:bodyPr/>
+          <a:lstStyle/>
+          <a:p>
+            <a:r>
+              <a:rPr lang="en-US" dirty="0" smtClean="0"/>
+              <a:t>Overall</a:t>
+            </a:r>
+            <a:endParaRPr lang="en-US" dirty="0"/>
+          </a:p>
+        </p:txBody>
+      </p:sp>
+      <p:sp>
+        <p:nvSpPr>
+          <p:cNvPr id="3" name="Content Placeholder 2"/>
+          <p:cNvSpPr>
+            <a:spLocks noGrp="1"/>
+          </p:cNvSpPr>
+          <p:nvPr>
+            <p:ph idx="1"/>
+          </p:nvPr>
+        </p:nvSpPr>
+        <p:spPr>
+          <a:xfrm>
+            <a:off x="677334" y="1512889"/>
+            <a:ext cx="8596668" cy="3880773"/>
+          </a:xfrm>
+        </p:spPr>
+        <p:txBody>
+          <a:bodyPr>
+            <a:normAutofit/>
+          </a:bodyPr>
+          <a:lstStyle/>
+          <a:p>
+            <a:r>
+              <a:rPr lang="en-US" sz="6000" dirty="0" smtClean="0"/>
+              <a:t>Playable game</a:t>
+            </a:r>
+          </a:p>
+          <a:p>
+            <a:r>
+              <a:rPr lang="en-US" sz="6000" dirty="0" smtClean="0"/>
+              <a:t>Demonstrates ability</a:t>
+            </a:r>
+          </a:p>
+          <a:p>
+            <a:r>
+              <a:rPr lang="en-US" sz="6000" dirty="0" smtClean="0"/>
+              <a:t>Very Satisfied</a:t>
+            </a:r>
+            <a:endParaRPr lang="en-US" sz="6000" dirty="0"/>
+          </a:p>
+        </p:txBody>
+      </p:sp>
+    </p:spTree>
+    <p:extLst>
+      <p:ext uri="{BB962C8B-B14F-4D97-AF65-F5344CB8AC3E}">
+        <p14:creationId xmlns:p14="http://schemas.microsoft.com/office/powerpoint/2010/main" val="421810345"/>
+      </p:ext>
+    </p:extLst>
+  </p:cSld>
+  <p:clrMapOvr>
+    <a:masterClrMapping/>
+  </p:clrMapOvr>
+  <p:timing>
+    <p:tnLst>
+      <p:par>
+        <p:cTn id="1" dur="indefinite" restart="never" nodeType="tmRoot"/>
+      </p:par>
+    </p:tnLst>
+  </p:timing>
+</p:sld>
+</file>
+
+<file path=ppt/slides/slide19.xml><?xml version="1.0" encoding="utf-8"?>
+<p:sld xmlns:a="http://schemas.openxmlformats.org/drawingml/2006/main" xmlns:r="http://schemas.openxmlformats.org/officeDocument/2006/relationships" xmlns:p="http://schemas.openxmlformats.org/presentationml/2006/main">
+  <p:cSld>
+    <p:spTree>
+      <p:nvGrpSpPr>
+        <p:cNvPr id="1" name=""/>
+        <p:cNvGrpSpPr/>
+        <p:nvPr/>
+      </p:nvGrpSpPr>
+      <p:grpSpPr>
+        <a:xfrm>
+          <a:off x="0" y="0"/>
+          <a:ext cx="0" cy="0"/>
+          <a:chOff x="0" y="0"/>
+          <a:chExt cx="0" cy="0"/>
+        </a:xfrm>
+      </p:grpSpPr>
+      <p:sp>
+        <p:nvSpPr>
+          <p:cNvPr id="2" name="Title 1"/>
+          <p:cNvSpPr>
+            <a:spLocks noGrp="1"/>
+          </p:cNvSpPr>
+          <p:nvPr>
+            <p:ph type="title"/>
+          </p:nvPr>
+        </p:nvSpPr>
         <p:spPr>
           <a:xfrm>
             <a:off x="791634" y="2159000"/>
@@ -6912,7 +9493,7 @@
           <p:nvPr/>
         </p:nvPicPr>
         <p:blipFill>
-          <a:blip r:embed="rId2">
+          <a:blip r:embed="rId3">
             <a:extLst>
               <a:ext uri="{28A0092B-C50C-407E-A947-70E740481C1C}">
                 <a14:useLocalDpi xmlns:a14="http://schemas.microsoft.com/office/drawing/2010/main" val="0"/>
@@ -7188,7 +9769,7 @@
           <p:nvPr/>
         </p:nvPicPr>
         <p:blipFill>
-          <a:blip r:embed="rId2"/>
+          <a:blip r:embed="rId3"/>
           <a:stretch>
             <a:fillRect/>
           </a:stretch>
@@ -7406,7 +9987,7 @@
           <p:nvPr/>
         </p:nvPicPr>
         <p:blipFill>
-          <a:blip r:embed="rId2"/>
+          <a:blip r:embed="rId3"/>
           <a:stretch>
             <a:fillRect/>
           </a:stretch>
@@ -7467,6 +10048,13 @@
   <p:clrMapOvr>
     <a:masterClrMapping/>
   </p:clrMapOvr>
+  <p:timing>
+    <p:tnLst>
+      <p:par>
+        <p:cTn id="1" dur="indefinite" restart="never" nodeType="tmRoot"/>
+      </p:par>
+    </p:tnLst>
+  </p:timing>
 </p:sld>
 </file>
 
@@ -7519,7 +10107,7 @@
           <p:nvPr/>
         </p:nvPicPr>
         <p:blipFill>
-          <a:blip r:embed="rId2">
+          <a:blip r:embed="rId3">
             <a:extLst>
               <a:ext uri="{28A0092B-C50C-407E-A947-70E740481C1C}">
                 <a14:useLocalDpi xmlns:a14="http://schemas.microsoft.com/office/drawing/2010/main" val="0"/>
@@ -7549,7 +10137,7 @@
           <p:nvPr/>
         </p:nvPicPr>
         <p:blipFill>
-          <a:blip r:embed="rId3">
+          <a:blip r:embed="rId4">
             <a:extLst>
               <a:ext uri="{28A0092B-C50C-407E-A947-70E740481C1C}">
                 <a14:useLocalDpi xmlns:a14="http://schemas.microsoft.com/office/drawing/2010/main" val="0"/>
@@ -7579,7 +10167,7 @@
           <p:nvPr/>
         </p:nvPicPr>
         <p:blipFill>
-          <a:blip r:embed="rId4">
+          <a:blip r:embed="rId5">
             <a:extLst>
               <a:ext uri="{28A0092B-C50C-407E-A947-70E740481C1C}">
                 <a14:useLocalDpi xmlns:a14="http://schemas.microsoft.com/office/drawing/2010/main" val="0"/>
@@ -7609,7 +10197,7 @@
           <p:nvPr/>
         </p:nvPicPr>
         <p:blipFill>
-          <a:blip r:embed="rId5">
+          <a:blip r:embed="rId6">
             <a:extLst>
               <a:ext uri="{28A0092B-C50C-407E-A947-70E740481C1C}">
                 <a14:useLocalDpi xmlns:a14="http://schemas.microsoft.com/office/drawing/2010/main" val="0"/>
@@ -7639,7 +10227,7 @@
           <p:nvPr/>
         </p:nvPicPr>
         <p:blipFill>
-          <a:blip r:embed="rId6">
+          <a:blip r:embed="rId7">
             <a:extLst>
               <a:ext uri="{28A0092B-C50C-407E-A947-70E740481C1C}">
                 <a14:useLocalDpi xmlns:a14="http://schemas.microsoft.com/office/drawing/2010/main" val="0"/>
@@ -7669,7 +10257,7 @@
           <p:nvPr/>
         </p:nvPicPr>
         <p:blipFill>
-          <a:blip r:embed="rId7">
+          <a:blip r:embed="rId8">
             <a:extLst>
               <a:ext uri="{28A0092B-C50C-407E-A947-70E740481C1C}">
                 <a14:useLocalDpi xmlns:a14="http://schemas.microsoft.com/office/drawing/2010/main" val="0"/>
@@ -7699,7 +10287,7 @@
           <p:nvPr/>
         </p:nvPicPr>
         <p:blipFill>
-          <a:blip r:embed="rId8">
+          <a:blip r:embed="rId9">
             <a:extLst>
               <a:ext uri="{28A0092B-C50C-407E-A947-70E740481C1C}">
                 <a14:useLocalDpi xmlns:a14="http://schemas.microsoft.com/office/drawing/2010/main" val="0"/>
@@ -7729,7 +10317,7 @@
           <p:nvPr/>
         </p:nvPicPr>
         <p:blipFill>
-          <a:blip r:embed="rId9">
+          <a:blip r:embed="rId10">
             <a:extLst>
               <a:ext uri="{28A0092B-C50C-407E-A947-70E740481C1C}">
                 <a14:useLocalDpi xmlns:a14="http://schemas.microsoft.com/office/drawing/2010/main" val="0"/>
@@ -7819,7 +10407,7 @@
           <p:nvPr/>
         </p:nvPicPr>
         <p:blipFill>
-          <a:blip r:embed="rId2">
+          <a:blip r:embed="rId3">
             <a:extLst>
               <a:ext uri="{28A0092B-C50C-407E-A947-70E740481C1C}">
                 <a14:useLocalDpi xmlns:a14="http://schemas.microsoft.com/office/drawing/2010/main" val="0"/>
@@ -7850,6 +10438,13 @@
   <p:clrMapOvr>
     <a:masterClrMapping/>
   </p:clrMapOvr>
+  <p:timing>
+    <p:tnLst>
+      <p:par>
+        <p:cTn id="1" dur="indefinite" restart="never" nodeType="tmRoot"/>
+      </p:par>
+    </p:tnLst>
+  </p:timing>
 </p:sld>
 </file>
 
@@ -7892,12 +10487,12 @@
           <a:graphicData uri="http://schemas.openxmlformats.org/presentationml/2006/ole">
             <mc:AlternateContent xmlns:mc="http://schemas.openxmlformats.org/markup-compatibility/2006">
               <mc:Choice xmlns:v="urn:schemas-microsoft-com:vml" Requires="v">
-                <p:oleObj spid="_x0000_s2052" name="Image" r:id="rId3" imgW="6501240" imgH="4736160" progId="Photoshop.Image.12">
+                <p:oleObj spid="_x0000_s2055" name="Image" r:id="rId4" imgW="6501240" imgH="4736160" progId="Photoshop.Image.12">
                   <p:embed/>
                 </p:oleObj>
               </mc:Choice>
               <mc:Fallback>
-                <p:oleObj name="Image" r:id="rId3" imgW="6501240" imgH="4736160" progId="Photoshop.Image.12">
+                <p:oleObj name="Image" r:id="rId4" imgW="6501240" imgH="4736160" progId="Photoshop.Image.12">
                   <p:embed/>
                   <p:pic>
                     <p:nvPicPr>
@@ -7906,7 +10501,7 @@
                       <p:nvPr/>
                     </p:nvPicPr>
                     <p:blipFill>
-                      <a:blip r:embed="rId4"/>
+                      <a:blip r:embed="rId5"/>
                       <a:stretch>
                         <a:fillRect/>
                       </a:stretch>
@@ -7937,6 +10532,13 @@
   <p:clrMapOvr>
     <a:masterClrMapping/>
   </p:clrMapOvr>
+  <p:timing>
+    <p:tnLst>
+      <p:par>
+        <p:cTn id="1" dur="indefinite" restart="never" nodeType="tmRoot"/>
+      </p:par>
+    </p:tnLst>
+  </p:timing>
 </p:sld>
 </file>
 
@@ -8195,4 +10797,265 @@
     </a:ext>
   </a:extLst>
 </a:theme>
+</file>
+
+<file path=ppt/theme/theme2.xml><?xml version="1.0" encoding="utf-8"?>
+<a:theme xmlns:a="http://schemas.openxmlformats.org/drawingml/2006/main" name="Office Theme">
+  <a:themeElements>
+    <a:clrScheme name="Office">
+      <a:dk1>
+        <a:sysClr val="windowText" lastClr="000000"/>
+      </a:dk1>
+      <a:lt1>
+        <a:sysClr val="window" lastClr="FFFFFF"/>
+      </a:lt1>
+      <a:dk2>
+        <a:srgbClr val="44546A"/>
+      </a:dk2>
+      <a:lt2>
+        <a:srgbClr val="E7E6E6"/>
+      </a:lt2>
+      <a:accent1>
+        <a:srgbClr val="5B9BD5"/>
+      </a:accent1>
+      <a:accent2>
+        <a:srgbClr val="ED7D31"/>
+      </a:accent2>
+      <a:accent3>
+        <a:srgbClr val="A5A5A5"/>
+      </a:accent3>
+      <a:accent4>
+        <a:srgbClr val="FFC000"/>
+      </a:accent4>
+      <a:accent5>
+        <a:srgbClr val="4472C4"/>
+      </a:accent5>
+      <a:accent6>
+        <a:srgbClr val="70AD47"/>
+      </a:accent6>
+      <a:hlink>
+        <a:srgbClr val="0563C1"/>
+      </a:hlink>
+      <a:folHlink>
+        <a:srgbClr val="954F72"/>
+      </a:folHlink>
+    </a:clrScheme>
+    <a:fontScheme name="Office">
+      <a:majorFont>
+        <a:latin typeface="Calibri Light" panose="020F0302020204030204"/>
+        <a:ea typeface=""/>
+        <a:cs typeface=""/>
+        <a:font script="Jpan" typeface="ＭＳ Ｐゴシック"/>
+        <a:font script="Hang" typeface="맑은 고딕"/>
+        <a:font script="Hans" typeface="宋体"/>
+        <a:font script="Hant" typeface="新細明體"/>
+        <a:font script="Arab" typeface="Times New Roman"/>
+        <a:font script="Hebr" typeface="Times New Roman"/>
+        <a:font script="Thai" typeface="Angsana New"/>
+        <a:font script="Ethi" typeface="Nyala"/>
+        <a:font script="Beng" typeface="Vrinda"/>
+        <a:font script="Gujr" typeface="Shruti"/>
+        <a:font script="Khmr" typeface="MoolBoran"/>
+        <a:font script="Knda" typeface="Tunga"/>
+        <a:font script="Guru" typeface="Raavi"/>
+        <a:font script="Cans" typeface="Euphemia"/>
+        <a:font script="Cher" typeface="Plantagenet Cherokee"/>
+        <a:font script="Yiii" typeface="Microsoft Yi Baiti"/>
+        <a:font script="Tibt" typeface="Microsoft Himalaya"/>
+        <a:font script="Thaa" typeface="MV Boli"/>
+        <a:font script="Deva" typeface="Mangal"/>
+        <a:font script="Telu" typeface="Gautami"/>
+        <a:font script="Taml" typeface="Latha"/>
+        <a:font script="Syrc" typeface="Estrangelo Edessa"/>
+        <a:font script="Orya" typeface="Kalinga"/>
+        <a:font script="Mlym" typeface="Kartika"/>
+        <a:font script="Laoo" typeface="DokChampa"/>
+        <a:font script="Sinh" typeface="Iskoola Pota"/>
+        <a:font script="Mong" typeface="Mongolian Baiti"/>
+        <a:font script="Viet" typeface="Times New Roman"/>
+        <a:font script="Uigh" typeface="Microsoft Uighur"/>
+        <a:font script="Geor" typeface="Sylfaen"/>
+      </a:majorFont>
+      <a:minorFont>
+        <a:latin typeface="Calibri" panose="020F0502020204030204"/>
+        <a:ea typeface=""/>
+        <a:cs typeface=""/>
+        <a:font script="Jpan" typeface="ＭＳ Ｐゴシック"/>
+        <a:font script="Hang" typeface="맑은 고딕"/>
+        <a:font script="Hans" typeface="宋体"/>
+        <a:font script="Hant" typeface="新細明體"/>
+        <a:font script="Arab" typeface="Arial"/>
+        <a:font script="Hebr" typeface="Arial"/>
+        <a:font script="Thai" typeface="Cordia New"/>
+        <a:font script="Ethi" typeface="Nyala"/>
+        <a:font script="Beng" typeface="Vrinda"/>
+        <a:font script="Gujr" typeface="Shruti"/>
+        <a:font script="Khmr" typeface="DaunPenh"/>
+        <a:font script="Knda" typeface="Tunga"/>
+        <a:font script="Guru" typeface="Raavi"/>
+        <a:font script="Cans" typeface="Euphemia"/>
+        <a:font script="Cher" typeface="Plantagenet Cherokee"/>
+        <a:font script="Yiii" typeface="Microsoft Yi Baiti"/>
+        <a:font script="Tibt" typeface="Microsoft Himalaya"/>
+        <a:font script="Thaa" typeface="MV Boli"/>
+        <a:font script="Deva" typeface="Mangal"/>
+        <a:font script="Telu" typeface="Gautami"/>
+        <a:font script="Taml" typeface="Latha"/>
+        <a:font script="Syrc" typeface="Estrangelo Edessa"/>
+        <a:font script="Orya" typeface="Kalinga"/>
+        <a:font script="Mlym" typeface="Kartika"/>
+        <a:font script="Laoo" typeface="DokChampa"/>
+        <a:font script="Sinh" typeface="Iskoola Pota"/>
+        <a:font script="Mong" typeface="Mongolian Baiti"/>
+        <a:font script="Viet" typeface="Arial"/>
+        <a:font script="Uigh" typeface="Microsoft Uighur"/>
+        <a:font script="Geor" typeface="Sylfaen"/>
+      </a:minorFont>
+    </a:fontScheme>
+    <a:fmtScheme name="Office">
+      <a:fillStyleLst>
+        <a:solidFill>
+          <a:schemeClr val="phClr"/>
+        </a:solidFill>
+        <a:gradFill rotWithShape="1">
+          <a:gsLst>
+            <a:gs pos="0">
+              <a:schemeClr val="phClr">
+                <a:lumMod val="110000"/>
+                <a:satMod val="105000"/>
+                <a:tint val="67000"/>
+              </a:schemeClr>
+            </a:gs>
+            <a:gs pos="50000">
+              <a:schemeClr val="phClr">
+                <a:lumMod val="105000"/>
+                <a:satMod val="103000"/>
+                <a:tint val="73000"/>
+              </a:schemeClr>
+            </a:gs>
+            <a:gs pos="100000">
+              <a:schemeClr val="phClr">
+                <a:lumMod val="105000"/>
+                <a:satMod val="109000"/>
+                <a:tint val="81000"/>
+              </a:schemeClr>
+            </a:gs>
+          </a:gsLst>
+          <a:lin ang="5400000" scaled="0"/>
+        </a:gradFill>
+        <a:gradFill rotWithShape="1">
+          <a:gsLst>
+            <a:gs pos="0">
+              <a:schemeClr val="phClr">
+                <a:satMod val="103000"/>
+                <a:lumMod val="102000"/>
+                <a:tint val="94000"/>
+              </a:schemeClr>
+            </a:gs>
+            <a:gs pos="50000">
+              <a:schemeClr val="phClr">
+                <a:satMod val="110000"/>
+                <a:lumMod val="100000"/>
+                <a:shade val="100000"/>
+              </a:schemeClr>
+            </a:gs>
+            <a:gs pos="100000">
+              <a:schemeClr val="phClr">
+                <a:lumMod val="99000"/>
+                <a:satMod val="120000"/>
+                <a:shade val="78000"/>
+              </a:schemeClr>
+            </a:gs>
+          </a:gsLst>
+          <a:lin ang="5400000" scaled="0"/>
+        </a:gradFill>
+      </a:fillStyleLst>
+      <a:lnStyleLst>
+        <a:ln w="6350" cap="flat" cmpd="sng" algn="ctr">
+          <a:solidFill>
+            <a:schemeClr val="phClr"/>
+          </a:solidFill>
+          <a:prstDash val="solid"/>
+          <a:miter lim="800000"/>
+        </a:ln>
+        <a:ln w="12700" cap="flat" cmpd="sng" algn="ctr">
+          <a:solidFill>
+            <a:schemeClr val="phClr"/>
+          </a:solidFill>
+          <a:prstDash val="solid"/>
+          <a:miter lim="800000"/>
+        </a:ln>
+        <a:ln w="19050" cap="flat" cmpd="sng" algn="ctr">
+          <a:solidFill>
+            <a:schemeClr val="phClr"/>
+          </a:solidFill>
+          <a:prstDash val="solid"/>
+          <a:miter lim="800000"/>
+        </a:ln>
+      </a:lnStyleLst>
+      <a:effectStyleLst>
+        <a:effectStyle>
+          <a:effectLst/>
+        </a:effectStyle>
+        <a:effectStyle>
+          <a:effectLst/>
+        </a:effectStyle>
+        <a:effectStyle>
+          <a:effectLst>
+            <a:outerShdw blurRad="57150" dist="19050" dir="5400000" algn="ctr" rotWithShape="0">
+              <a:srgbClr val="000000">
+                <a:alpha val="63000"/>
+              </a:srgbClr>
+            </a:outerShdw>
+          </a:effectLst>
+        </a:effectStyle>
+      </a:effectStyleLst>
+      <a:bgFillStyleLst>
+        <a:solidFill>
+          <a:schemeClr val="phClr"/>
+        </a:solidFill>
+        <a:solidFill>
+          <a:schemeClr val="phClr">
+            <a:tint val="95000"/>
+            <a:satMod val="170000"/>
+          </a:schemeClr>
+        </a:solidFill>
+        <a:gradFill rotWithShape="1">
+          <a:gsLst>
+            <a:gs pos="0">
+              <a:schemeClr val="phClr">
+                <a:tint val="93000"/>
+                <a:satMod val="150000"/>
+                <a:shade val="98000"/>
+                <a:lumMod val="102000"/>
+              </a:schemeClr>
+            </a:gs>
+            <a:gs pos="50000">
+              <a:schemeClr val="phClr">
+                <a:tint val="98000"/>
+                <a:satMod val="130000"/>
+                <a:shade val="90000"/>
+                <a:lumMod val="103000"/>
+              </a:schemeClr>
+            </a:gs>
+            <a:gs pos="100000">
+              <a:schemeClr val="phClr">
+                <a:shade val="63000"/>
+                <a:satMod val="120000"/>
+              </a:schemeClr>
+            </a:gs>
+          </a:gsLst>
+          <a:lin ang="5400000" scaled="0"/>
+        </a:gradFill>
+      </a:bgFillStyleLst>
+    </a:fmtScheme>
+  </a:themeElements>
+  <a:objectDefaults/>
+  <a:extraClrSchemeLst/>
+  <a:extLst>
+    <a:ext uri="{05A4C25C-085E-4340-85A3-A5531E510DB2}">
+      <thm15:themeFamily xmlns:thm15="http://schemas.microsoft.com/office/thememl/2012/main" name="Office Theme" id="{62F939B6-93AF-4DB8-9C6B-D6C7DFDC589F}" vid="{4A3C46E8-61CC-4603-A589-7422A47A8E4A}"/>
+    </a:ext>
+  </a:extLst>
+</a:theme>
 </file>